--- a/ITI/TF/Volume1/media/Figure_10.3-3.pptx
+++ b/ITI/TF/Volume1/media/Figure_10.3-3.pptx
@@ -104,6 +104,11 @@
       </a:defRPr>
     </a:lvl9pPr>
   </p:defaultTextStyle>
+  <p:extLst>
+    <p:ext uri="{EFAFB233-063F-42B5-8137-9DF3F51BA10A}">
+      <p15:sldGuideLst xmlns:p15="http://schemas.microsoft.com/office/powerpoint/2012/main"/>
+    </p:ext>
+  </p:extLst>
 </p:presentation>
 </file>
 
@@ -254,7 +259,7 @@
           <a:p>
             <a:fld id="{6A0B1158-10A5-914F-89B8-F5589B8ED6C9}" type="datetimeFigureOut">
               <a:rPr lang="en-US" smtClean="0"/>
-              <a:t>8/10/20</a:t>
+              <a:t>8/25/20</a:t>
             </a:fld>
             <a:endParaRPr lang="en-US"/>
           </a:p>
@@ -452,7 +457,7 @@
           <a:p>
             <a:fld id="{6A0B1158-10A5-914F-89B8-F5589B8ED6C9}" type="datetimeFigureOut">
               <a:rPr lang="en-US" smtClean="0"/>
-              <a:t>8/10/20</a:t>
+              <a:t>8/25/20</a:t>
             </a:fld>
             <a:endParaRPr lang="en-US"/>
           </a:p>
@@ -660,7 +665,7 @@
           <a:p>
             <a:fld id="{6A0B1158-10A5-914F-89B8-F5589B8ED6C9}" type="datetimeFigureOut">
               <a:rPr lang="en-US" smtClean="0"/>
-              <a:t>8/10/20</a:t>
+              <a:t>8/25/20</a:t>
             </a:fld>
             <a:endParaRPr lang="en-US"/>
           </a:p>
@@ -858,7 +863,7 @@
           <a:p>
             <a:fld id="{6A0B1158-10A5-914F-89B8-F5589B8ED6C9}" type="datetimeFigureOut">
               <a:rPr lang="en-US" smtClean="0"/>
-              <a:t>8/10/20</a:t>
+              <a:t>8/25/20</a:t>
             </a:fld>
             <a:endParaRPr lang="en-US"/>
           </a:p>
@@ -1133,7 +1138,7 @@
           <a:p>
             <a:fld id="{6A0B1158-10A5-914F-89B8-F5589B8ED6C9}" type="datetimeFigureOut">
               <a:rPr lang="en-US" smtClean="0"/>
-              <a:t>8/10/20</a:t>
+              <a:t>8/25/20</a:t>
             </a:fld>
             <a:endParaRPr lang="en-US"/>
           </a:p>
@@ -1398,7 +1403,7 @@
           <a:p>
             <a:fld id="{6A0B1158-10A5-914F-89B8-F5589B8ED6C9}" type="datetimeFigureOut">
               <a:rPr lang="en-US" smtClean="0"/>
-              <a:t>8/10/20</a:t>
+              <a:t>8/25/20</a:t>
             </a:fld>
             <a:endParaRPr lang="en-US"/>
           </a:p>
@@ -1810,7 +1815,7 @@
           <a:p>
             <a:fld id="{6A0B1158-10A5-914F-89B8-F5589B8ED6C9}" type="datetimeFigureOut">
               <a:rPr lang="en-US" smtClean="0"/>
-              <a:t>8/10/20</a:t>
+              <a:t>8/25/20</a:t>
             </a:fld>
             <a:endParaRPr lang="en-US"/>
           </a:p>
@@ -1951,7 +1956,7 @@
           <a:p>
             <a:fld id="{6A0B1158-10A5-914F-89B8-F5589B8ED6C9}" type="datetimeFigureOut">
               <a:rPr lang="en-US" smtClean="0"/>
-              <a:t>8/10/20</a:t>
+              <a:t>8/25/20</a:t>
             </a:fld>
             <a:endParaRPr lang="en-US"/>
           </a:p>
@@ -2064,7 +2069,7 @@
           <a:p>
             <a:fld id="{6A0B1158-10A5-914F-89B8-F5589B8ED6C9}" type="datetimeFigureOut">
               <a:rPr lang="en-US" smtClean="0"/>
-              <a:t>8/10/20</a:t>
+              <a:t>8/25/20</a:t>
             </a:fld>
             <a:endParaRPr lang="en-US"/>
           </a:p>
@@ -2375,7 +2380,7 @@
           <a:p>
             <a:fld id="{6A0B1158-10A5-914F-89B8-F5589B8ED6C9}" type="datetimeFigureOut">
               <a:rPr lang="en-US" smtClean="0"/>
-              <a:t>8/10/20</a:t>
+              <a:t>8/25/20</a:t>
             </a:fld>
             <a:endParaRPr lang="en-US"/>
           </a:p>
@@ -2663,7 +2668,7 @@
           <a:p>
             <a:fld id="{6A0B1158-10A5-914F-89B8-F5589B8ED6C9}" type="datetimeFigureOut">
               <a:rPr lang="en-US" smtClean="0"/>
-              <a:t>8/10/20</a:t>
+              <a:t>8/25/20</a:t>
             </a:fld>
             <a:endParaRPr lang="en-US"/>
           </a:p>
@@ -2904,7 +2909,7 @@
           <a:p>
             <a:fld id="{6A0B1158-10A5-914F-89B8-F5589B8ED6C9}" type="datetimeFigureOut">
               <a:rPr lang="en-US" smtClean="0"/>
-              <a:t>8/10/20</a:t>
+              <a:t>8/25/20</a:t>
             </a:fld>
             <a:endParaRPr lang="en-US"/>
           </a:p>
@@ -3337,7 +3342,7 @@
         </p:nvSpPr>
         <p:spPr bwMode="auto">
           <a:xfrm flipH="1">
-            <a:off x="5019675" y="457200"/>
+            <a:off x="5019675" y="958904"/>
             <a:ext cx="0" cy="1992313"/>
           </a:xfrm>
           <a:prstGeom prst="line">
@@ -3442,8 +3447,8 @@
         </p:nvSpPr>
         <p:spPr bwMode="auto">
           <a:xfrm>
-            <a:off x="2914650" y="457200"/>
-            <a:ext cx="1284288" cy="549275"/>
+            <a:off x="2874189" y="457200"/>
+            <a:ext cx="1452561" cy="564208"/>
           </a:xfrm>
           <a:prstGeom prst="rect">
             <a:avLst/>
@@ -3491,7 +3496,7 @@
               <a:buNone/>
               <a:tabLst/>
             </a:pPr>
-            <a:endParaRPr kumimoji="0" lang="en-US" altLang="en-US" sz="900" b="0" i="0" u="none" strike="noStrike" cap="none" normalizeH="0" baseline="0">
+            <a:endParaRPr kumimoji="0" lang="en-US" altLang="en-US" sz="900" b="0" i="0" u="none" strike="noStrike" cap="none" normalizeH="0" baseline="0" dirty="0">
               <a:ln>
                 <a:noFill/>
               </a:ln>
@@ -3521,7 +3526,7 @@
               <a:tabLst/>
             </a:pPr>
             <a:r>
-              <a:rPr kumimoji="0" lang="en-US" altLang="en-US" sz="900" b="0" i="0" u="none" strike="noStrike" cap="none" normalizeH="0" baseline="0">
+              <a:rPr kumimoji="0" lang="en-US" altLang="en-US" sz="900" b="0" i="0" u="none" strike="noStrike" cap="none" normalizeH="0" baseline="0" dirty="0">
                 <a:ln>
                   <a:noFill/>
                 </a:ln>
@@ -3535,7 +3540,7 @@
               <a:t>Document Repository:</a:t>
             </a:r>
             <a:br>
-              <a:rPr kumimoji="0" lang="en-US" altLang="en-US" sz="900" b="0" i="0" u="none" strike="noStrike" cap="none" normalizeH="0" baseline="0">
+              <a:rPr kumimoji="0" lang="en-US" altLang="en-US" sz="900" b="0" i="0" u="none" strike="noStrike" cap="none" normalizeH="0" baseline="0" dirty="0">
                 <a:ln>
                   <a:noFill/>
                 </a:ln>
@@ -3548,7 +3553,7 @@
               </a:rPr>
             </a:br>
             <a:r>
-              <a:rPr kumimoji="0" lang="en-US" altLang="en-US" sz="900" b="0" i="1" u="none" strike="noStrike" cap="none" normalizeH="0" baseline="0">
+              <a:rPr kumimoji="0" lang="en-US" altLang="en-US" sz="900" b="0" i="1" u="none" strike="noStrike" cap="none" normalizeH="0" baseline="0" dirty="0">
                 <a:ln>
                   <a:noFill/>
                 </a:ln>
@@ -3561,7 +3566,7 @@
               </a:rPr>
               <a:t>(Cardiology Network)</a:t>
             </a:r>
-            <a:endParaRPr kumimoji="0" lang="en-US" altLang="en-US" sz="1800" b="0" i="0" u="none" strike="noStrike" cap="none" normalizeH="0" baseline="0">
+            <a:endParaRPr kumimoji="0" lang="en-US" altLang="en-US" sz="1800" b="0" i="0" u="none" strike="noStrike" cap="none" normalizeH="0" baseline="0" dirty="0">
               <a:ln>
                 <a:noFill/>
               </a:ln>
@@ -3590,8 +3595,8 @@
         </p:nvSpPr>
         <p:spPr bwMode="auto">
           <a:xfrm>
-            <a:off x="1477963" y="457200"/>
-            <a:ext cx="1084262" cy="338138"/>
+            <a:off x="1477962" y="457200"/>
+            <a:ext cx="1186763" cy="338138"/>
           </a:xfrm>
           <a:prstGeom prst="rect">
             <a:avLst/>
@@ -3639,7 +3644,7 @@
               <a:buNone/>
               <a:tabLst/>
             </a:pPr>
-            <a:endParaRPr kumimoji="0" lang="fr-FR" altLang="en-US" sz="900" b="0" i="0" u="none" strike="noStrike" cap="none" normalizeH="0" baseline="0">
+            <a:endParaRPr kumimoji="0" lang="fr-FR" altLang="en-US" sz="900" b="0" i="0" u="none" strike="noStrike" cap="none" normalizeH="0" baseline="0" dirty="0">
               <a:ln>
                 <a:noFill/>
               </a:ln>
@@ -3669,7 +3674,7 @@
               <a:tabLst/>
             </a:pPr>
             <a:r>
-              <a:rPr kumimoji="0" lang="fr-FR" altLang="en-US" sz="900" b="0" i="0" u="none" strike="noStrike" cap="none" normalizeH="0" baseline="0">
+              <a:rPr kumimoji="0" lang="fr-FR" altLang="en-US" sz="900" b="0" i="0" u="none" strike="noStrike" cap="none" normalizeH="0" baseline="0" dirty="0">
                 <a:ln>
                   <a:noFill/>
                 </a:ln>
@@ -3683,7 +3688,7 @@
               <a:t>Document Source: </a:t>
             </a:r>
             <a:br>
-              <a:rPr kumimoji="0" lang="fr-FR" altLang="en-US" sz="900" b="0" i="0" u="none" strike="noStrike" cap="none" normalizeH="0" baseline="0">
+              <a:rPr kumimoji="0" lang="fr-FR" altLang="en-US" sz="900" b="0" i="0" u="none" strike="noStrike" cap="none" normalizeH="0" baseline="0" dirty="0">
                 <a:ln>
                   <a:noFill/>
                 </a:ln>
@@ -3696,7 +3701,7 @@
               </a:rPr>
             </a:br>
             <a:r>
-              <a:rPr kumimoji="0" lang="fr-FR" altLang="en-US" sz="900" b="0" i="1" u="none" strike="noStrike" cap="none" normalizeH="0" baseline="0">
+              <a:rPr kumimoji="0" lang="fr-FR" altLang="en-US" sz="900" b="0" i="1" u="none" strike="noStrike" cap="none" normalizeH="0" baseline="0" dirty="0">
                 <a:ln>
                   <a:noFill/>
                 </a:ln>
@@ -3709,7 +3714,7 @@
               </a:rPr>
               <a:t>(PCP EHR-CR)</a:t>
             </a:r>
-            <a:endParaRPr kumimoji="0" lang="fr-FR" altLang="en-US" sz="1800" b="0" i="0" u="none" strike="noStrike" cap="none" normalizeH="0" baseline="0">
+            <a:endParaRPr kumimoji="0" lang="fr-FR" altLang="en-US" sz="1800" b="0" i="0" u="none" strike="noStrike" cap="none" normalizeH="0" baseline="0" dirty="0">
               <a:ln>
                 <a:noFill/>
               </a:ln>
@@ -3738,8 +3743,8 @@
         </p:nvSpPr>
         <p:spPr bwMode="auto">
           <a:xfrm>
-            <a:off x="4416425" y="457200"/>
-            <a:ext cx="1231900" cy="549275"/>
+            <a:off x="4318812" y="563755"/>
+            <a:ext cx="1423165" cy="443702"/>
           </a:xfrm>
           <a:prstGeom prst="rect">
             <a:avLst/>
@@ -3771,35 +3776,6 @@
           </a:bodyPr>
           <a:lstStyle/>
           <a:p>
-            <a:pPr marL="0" marR="0" lvl="0" indent="0" algn="l" defTabSz="914400" rtl="0" eaLnBrk="0" fontAlgn="base" latinLnBrk="0" hangingPunct="0">
-              <a:lnSpc>
-                <a:spcPct val="100000"/>
-              </a:lnSpc>
-              <a:spcBef>
-                <a:spcPct val="0"/>
-              </a:spcBef>
-              <a:spcAft>
-                <a:spcPct val="0"/>
-              </a:spcAft>
-              <a:buClrTx/>
-              <a:buSzTx/>
-              <a:buFontTx/>
-              <a:buNone/>
-              <a:tabLst/>
-            </a:pPr>
-            <a:endParaRPr kumimoji="0" lang="en-US" altLang="en-US" sz="900" b="0" i="0" u="none" strike="noStrike" cap="none" normalizeH="0" baseline="0">
-              <a:ln>
-                <a:noFill/>
-              </a:ln>
-              <a:solidFill>
-                <a:schemeClr val="tx1"/>
-              </a:solidFill>
-              <a:effectLst/>
-              <a:latin typeface="Arial" panose="020B0604020202020204" pitchFamily="34" charset="0"/>
-              <a:ea typeface="Times New Roman" panose="02020603050405020304" pitchFamily="18" charset="0"/>
-            </a:endParaRPr>
-          </a:p>
-          <a:p>
             <a:pPr marL="0" marR="0" lvl="0" indent="0" algn="ctr" defTabSz="914400" rtl="0" eaLnBrk="0" fontAlgn="base" latinLnBrk="0" hangingPunct="0">
               <a:lnSpc>
                 <a:spcPct val="100000"/>
@@ -3817,7 +3793,7 @@
               <a:tabLst/>
             </a:pPr>
             <a:r>
-              <a:rPr kumimoji="0" lang="en-US" altLang="en-US" sz="900" b="0" i="0" u="none" strike="noStrike" cap="none" normalizeH="0" baseline="0">
+              <a:rPr kumimoji="0" lang="en-US" altLang="en-US" sz="900" b="0" i="0" u="none" strike="noStrike" cap="none" normalizeH="0" baseline="0" dirty="0">
                 <a:ln>
                   <a:noFill/>
                 </a:ln>
@@ -3831,7 +3807,7 @@
               <a:t>Document Registry: </a:t>
             </a:r>
             <a:r>
-              <a:rPr kumimoji="0" lang="en-US" altLang="en-US" sz="900" b="0" i="1" u="none" strike="noStrike" cap="none" normalizeH="0" baseline="0">
+              <a:rPr kumimoji="0" lang="en-US" altLang="en-US" sz="900" b="0" i="1" u="none" strike="noStrike" cap="none" normalizeH="0" baseline="0" dirty="0">
                 <a:ln>
                   <a:noFill/>
                 </a:ln>
@@ -3844,7 +3820,7 @@
               </a:rPr>
               <a:t>(Cardiology Network)</a:t>
             </a:r>
-            <a:endParaRPr kumimoji="0" lang="en-US" altLang="en-US" sz="1800" b="0" i="0" u="none" strike="noStrike" cap="none" normalizeH="0" baseline="0">
+            <a:endParaRPr kumimoji="0" lang="en-US" altLang="en-US" sz="1800" b="0" i="0" u="none" strike="noStrike" cap="none" normalizeH="0" baseline="0" dirty="0">
               <a:ln>
                 <a:noFill/>
               </a:ln>
@@ -3873,7 +3849,7 @@
         </p:nvSpPr>
         <p:spPr bwMode="auto">
           <a:xfrm flipH="1">
-            <a:off x="2005013" y="457200"/>
+            <a:off x="2005013" y="1031732"/>
             <a:ext cx="9525" cy="1992313"/>
           </a:xfrm>
           <a:prstGeom prst="line">
@@ -3925,7 +3901,7 @@
         </p:nvSpPr>
         <p:spPr bwMode="auto">
           <a:xfrm>
-            <a:off x="3562350" y="457200"/>
+            <a:off x="3562350" y="983180"/>
             <a:ext cx="0" cy="2001838"/>
           </a:xfrm>
           <a:prstGeom prst="line">
@@ -3977,7 +3953,7 @@
         </p:nvSpPr>
         <p:spPr bwMode="auto">
           <a:xfrm>
-            <a:off x="1946275" y="457200"/>
+            <a:off x="1947863" y="2733571"/>
             <a:ext cx="114300" cy="457200"/>
           </a:xfrm>
           <a:prstGeom prst="rect">
@@ -4023,7 +3999,7 @@
         </p:nvSpPr>
         <p:spPr bwMode="auto">
           <a:xfrm>
-            <a:off x="3502025" y="457200"/>
+            <a:off x="3477749" y="2787696"/>
             <a:ext cx="114300" cy="384175"/>
           </a:xfrm>
           <a:prstGeom prst="rect">
@@ -4069,7 +4045,7 @@
         </p:nvSpPr>
         <p:spPr bwMode="auto">
           <a:xfrm>
-            <a:off x="4954588" y="457200"/>
+            <a:off x="4954588" y="2909076"/>
             <a:ext cx="114300" cy="280988"/>
           </a:xfrm>
           <a:prstGeom prst="rect">
@@ -4115,7 +4091,7 @@
         </p:nvSpPr>
         <p:spPr bwMode="auto">
           <a:xfrm>
-            <a:off x="2070100" y="457200"/>
+            <a:off x="2070100" y="2973812"/>
             <a:ext cx="1409700" cy="1588"/>
           </a:xfrm>
           <a:prstGeom prst="line">
@@ -4166,8 +4142,8 @@
         </p:nvSpPr>
         <p:spPr bwMode="auto">
           <a:xfrm>
-            <a:off x="2255838" y="457200"/>
-            <a:ext cx="1050925" cy="482600"/>
+            <a:off x="2191102" y="2674408"/>
+            <a:ext cx="1201735" cy="482600"/>
           </a:xfrm>
           <a:prstGeom prst="rect">
             <a:avLst/>
@@ -4221,7 +4197,7 @@
               <a:tabLst/>
             </a:pPr>
             <a:r>
-              <a:rPr kumimoji="0" lang="en-US" altLang="en-US" sz="800" b="0" i="0" u="none" strike="noStrike" cap="none" normalizeH="0" baseline="0">
+              <a:rPr kumimoji="0" lang="en-US" altLang="en-US" sz="800" b="0" i="0" u="none" strike="noStrike" cap="none" normalizeH="0" baseline="0" dirty="0">
                 <a:ln>
                   <a:noFill/>
                 </a:ln>
@@ -4229,12 +4205,13 @@
                   <a:schemeClr val="tx1"/>
                 </a:solidFill>
                 <a:effectLst/>
-                <a:latin typeface="Arial" panose="020B0604020202020204" pitchFamily="34" charset="0"/>
+                <a:latin typeface="Times New Roman" panose="02020603050405020304" pitchFamily="18" charset="0"/>
                 <a:ea typeface="Times New Roman" panose="02020603050405020304" pitchFamily="18" charset="0"/>
+                <a:cs typeface="Times New Roman" panose="02020603050405020304" pitchFamily="18" charset="0"/>
               </a:rPr>
               <a:t>8. Provide and Register Document Set</a:t>
             </a:r>
-            <a:endParaRPr kumimoji="0" lang="en-US" altLang="en-US" sz="1800" b="0" i="0" u="none" strike="noStrike" cap="none" normalizeH="0" baseline="0">
+            <a:endParaRPr kumimoji="0" lang="en-US" altLang="en-US" sz="1800" b="0" i="0" u="none" strike="noStrike" cap="none" normalizeH="0" baseline="0" dirty="0">
               <a:ln>
                 <a:noFill/>
               </a:ln>
@@ -4242,7 +4219,8 @@
                 <a:schemeClr val="tx1"/>
               </a:solidFill>
               <a:effectLst/>
-              <a:latin typeface="Arial" panose="020B0604020202020204" pitchFamily="34" charset="0"/>
+              <a:latin typeface="Times New Roman" panose="02020603050405020304" pitchFamily="18" charset="0"/>
+              <a:cs typeface="Times New Roman" panose="02020603050405020304" pitchFamily="18" charset="0"/>
             </a:endParaRPr>
           </a:p>
         </p:txBody>
@@ -4263,7 +4241,7 @@
         </p:nvSpPr>
         <p:spPr bwMode="auto">
           <a:xfrm>
-            <a:off x="3609975" y="457200"/>
+            <a:off x="3609975" y="3070916"/>
             <a:ext cx="1344613" cy="0"/>
           </a:xfrm>
           <a:prstGeom prst="line">
@@ -4314,8 +4292,8 @@
         </p:nvSpPr>
         <p:spPr bwMode="auto">
           <a:xfrm>
-            <a:off x="3729038" y="457200"/>
-            <a:ext cx="1177925" cy="438150"/>
+            <a:off x="3648231" y="2876708"/>
+            <a:ext cx="1278597" cy="438150"/>
           </a:xfrm>
           <a:prstGeom prst="rect">
             <a:avLst/>
@@ -4369,7 +4347,7 @@
               <a:tabLst/>
             </a:pPr>
             <a:r>
-              <a:rPr kumimoji="0" lang="en-US" altLang="en-US" sz="800" b="0" i="0" u="none" strike="noStrike" cap="none" normalizeH="0" baseline="0">
+              <a:rPr kumimoji="0" lang="en-US" altLang="en-US" sz="800" b="0" i="0" u="none" strike="noStrike" cap="none" normalizeH="0" baseline="0" dirty="0">
                 <a:ln>
                   <a:noFill/>
                 </a:ln>
@@ -4383,7 +4361,7 @@
               </a:rPr>
               <a:t>9. Register Document Set</a:t>
             </a:r>
-            <a:endParaRPr kumimoji="0" lang="en-US" altLang="en-US" sz="1800" b="0" i="0" u="none" strike="noStrike" cap="none" normalizeH="0" baseline="0">
+            <a:endParaRPr kumimoji="0" lang="en-US" altLang="en-US" sz="1800" b="0" i="0" u="none" strike="noStrike" cap="none" normalizeH="0" baseline="0" dirty="0">
               <a:ln>
                 <a:noFill/>
               </a:ln>
@@ -4412,8 +4390,8 @@
         </p:nvSpPr>
         <p:spPr bwMode="auto">
           <a:xfrm>
-            <a:off x="66675" y="457200"/>
-            <a:ext cx="1257300" cy="452438"/>
+            <a:off x="66674" y="457200"/>
+            <a:ext cx="1527175" cy="421158"/>
           </a:xfrm>
           <a:prstGeom prst="rect">
             <a:avLst/>
@@ -4461,7 +4439,7 @@
               <a:buNone/>
               <a:tabLst/>
             </a:pPr>
-            <a:endParaRPr kumimoji="0" lang="en-US" altLang="en-US" sz="900" b="0" i="0" u="none" strike="noStrike" cap="none" normalizeH="0" baseline="0">
+            <a:endParaRPr kumimoji="0" lang="en-US" altLang="en-US" sz="900" b="0" i="0" u="none" strike="noStrike" cap="none" normalizeH="0" baseline="0" dirty="0">
               <a:ln>
                 <a:noFill/>
               </a:ln>
@@ -4491,7 +4469,7 @@
               <a:tabLst/>
             </a:pPr>
             <a:r>
-              <a:rPr kumimoji="0" lang="en-US" altLang="en-US" sz="900" b="0" i="0" u="none" strike="noStrike" cap="none" normalizeH="0" baseline="0">
+              <a:rPr kumimoji="0" lang="en-US" altLang="en-US" sz="900" b="0" i="0" u="none" strike="noStrike" cap="none" normalizeH="0" baseline="0" dirty="0">
                 <a:ln>
                   <a:noFill/>
                 </a:ln>
@@ -4505,7 +4483,7 @@
               <a:t>Document Consumer:</a:t>
             </a:r>
             <a:br>
-              <a:rPr kumimoji="0" lang="en-US" altLang="en-US" sz="900" b="0" i="1" u="none" strike="noStrike" cap="none" normalizeH="0" baseline="0">
+              <a:rPr kumimoji="0" lang="en-US" altLang="en-US" sz="900" b="0" i="1" u="none" strike="noStrike" cap="none" normalizeH="0" baseline="0" dirty="0">
                 <a:ln>
                   <a:noFill/>
                 </a:ln>
@@ -4518,7 +4496,7 @@
               </a:rPr>
             </a:br>
             <a:r>
-              <a:rPr kumimoji="0" lang="en-US" altLang="en-US" sz="900" b="0" i="1" u="none" strike="noStrike" cap="none" normalizeH="0" baseline="0">
+              <a:rPr kumimoji="0" lang="en-US" altLang="en-US" sz="900" b="0" i="1" u="none" strike="noStrike" cap="none" normalizeH="0" baseline="0" dirty="0">
                 <a:ln>
                   <a:noFill/>
                 </a:ln>
@@ -4531,7 +4509,7 @@
               </a:rPr>
               <a:t>(PCP EHR-CR)</a:t>
             </a:r>
-            <a:endParaRPr kumimoji="0" lang="en-US" altLang="en-US" sz="1800" b="0" i="0" u="none" strike="noStrike" cap="none" normalizeH="0" baseline="0">
+            <a:endParaRPr kumimoji="0" lang="en-US" altLang="en-US" sz="1800" b="0" i="0" u="none" strike="noStrike" cap="none" normalizeH="0" baseline="0" dirty="0">
               <a:ln>
                 <a:noFill/>
               </a:ln>
@@ -4560,8 +4538,8 @@
         </p:nvSpPr>
         <p:spPr bwMode="auto">
           <a:xfrm flipH="1">
-            <a:off x="696913" y="457200"/>
-            <a:ext cx="0" cy="1649413"/>
+            <a:off x="696912" y="939800"/>
+            <a:ext cx="1" cy="2081209"/>
           </a:xfrm>
           <a:prstGeom prst="line">
             <a:avLst/>
@@ -4612,7 +4590,7 @@
         </p:nvSpPr>
         <p:spPr bwMode="auto">
           <a:xfrm>
-            <a:off x="768350" y="457200"/>
+            <a:off x="768350" y="1193572"/>
             <a:ext cx="4192588" cy="0"/>
           </a:xfrm>
           <a:prstGeom prst="line">
@@ -4663,7 +4641,445 @@
         </p:nvSpPr>
         <p:spPr bwMode="auto">
           <a:xfrm>
-            <a:off x="2206625" y="457200"/>
+            <a:off x="2206625" y="999364"/>
+            <a:ext cx="1370014" cy="260350"/>
+          </a:xfrm>
+          <a:prstGeom prst="rect">
+            <a:avLst/>
+          </a:prstGeom>
+          <a:noFill/>
+          <a:ln>
+            <a:noFill/>
+          </a:ln>
+          <a:extLst>
+            <a:ext uri="{909E8E84-426E-40DD-AFC4-6F175D3DCCD1}">
+              <a14:hiddenFill xmlns:a14="http://schemas.microsoft.com/office/drawing/2010/main">
+                <a:solidFill>
+                  <a:srgbClr val="FFFFFF"/>
+                </a:solidFill>
+              </a14:hiddenFill>
+            </a:ext>
+            <a:ext uri="{91240B29-F687-4F45-9708-019B960494DF}">
+              <a14:hiddenLine xmlns:a14="http://schemas.microsoft.com/office/drawing/2010/main" w="9525">
+                <a:solidFill>
+                  <a:srgbClr val="000000"/>
+                </a:solidFill>
+                <a:miter lim="800000"/>
+                <a:headEnd/>
+                <a:tailEnd/>
+              </a14:hiddenLine>
+            </a:ext>
+          </a:extLst>
+        </p:spPr>
+        <p:txBody>
+          <a:bodyPr vert="horz" wrap="square" lIns="91440" tIns="45720" rIns="91440" bIns="45720" numCol="1" anchor="t" anchorCtr="0" compatLnSpc="1">
+            <a:prstTxWarp prst="textNoShape">
+              <a:avLst/>
+            </a:prstTxWarp>
+          </a:bodyPr>
+          <a:lstStyle/>
+          <a:p>
+            <a:pPr marL="0" marR="0" lvl="0" indent="0" algn="ctr" defTabSz="914400" rtl="0" eaLnBrk="0" fontAlgn="base" latinLnBrk="0" hangingPunct="0">
+              <a:lnSpc>
+                <a:spcPct val="100000"/>
+              </a:lnSpc>
+              <a:spcBef>
+                <a:spcPct val="0"/>
+              </a:spcBef>
+              <a:spcAft>
+                <a:spcPct val="0"/>
+              </a:spcAft>
+              <a:buClrTx/>
+              <a:buSzTx/>
+              <a:buFontTx/>
+              <a:buNone/>
+              <a:tabLst/>
+            </a:pPr>
+            <a:r>
+              <a:rPr kumimoji="0" lang="en-US" altLang="en-US" sz="800" b="0" i="0" u="none" strike="noStrike" cap="none" normalizeH="0" baseline="0" dirty="0">
+                <a:ln>
+                  <a:noFill/>
+                </a:ln>
+                <a:solidFill>
+                  <a:schemeClr val="tx1"/>
+                </a:solidFill>
+                <a:effectLst/>
+                <a:latin typeface="Times New Roman" panose="02020603050405020304" pitchFamily="18" charset="0"/>
+                <a:ea typeface="Times New Roman" panose="02020603050405020304" pitchFamily="18" charset="0"/>
+                <a:cs typeface="Times New Roman" panose="02020603050405020304" pitchFamily="18" charset="0"/>
+              </a:rPr>
+              <a:t>1. Query Documents</a:t>
+            </a:r>
+            <a:endParaRPr kumimoji="0" lang="en-US" altLang="en-US" sz="1800" b="0" i="0" u="none" strike="noStrike" cap="none" normalizeH="0" baseline="0" dirty="0">
+              <a:ln>
+                <a:noFill/>
+              </a:ln>
+              <a:solidFill>
+                <a:schemeClr val="tx1"/>
+              </a:solidFill>
+              <a:effectLst/>
+              <a:latin typeface="Times New Roman" panose="02020603050405020304" pitchFamily="18" charset="0"/>
+              <a:cs typeface="Times New Roman" panose="02020603050405020304" pitchFamily="18" charset="0"/>
+            </a:endParaRPr>
+          </a:p>
+        </p:txBody>
+      </p:sp>
+      <p:sp>
+        <p:nvSpPr>
+          <p:cNvPr id="49" name="Rectangle 41">
+            <a:extLst>
+              <a:ext uri="{FF2B5EF4-FFF2-40B4-BE49-F238E27FC236}">
+                <a16:creationId xmlns:a16="http://schemas.microsoft.com/office/drawing/2014/main" id="{1BA81E7B-252B-2A47-88AA-199AA54EFD11}"/>
+              </a:ext>
+            </a:extLst>
+          </p:cNvPr>
+          <p:cNvSpPr>
+            <a:spLocks noChangeArrowheads="1"/>
+          </p:cNvSpPr>
+          <p:nvPr/>
+        </p:nvSpPr>
+        <p:spPr bwMode="auto">
+          <a:xfrm>
+            <a:off x="4960938" y="2043232"/>
+            <a:ext cx="114300" cy="280988"/>
+          </a:xfrm>
+          <a:prstGeom prst="rect">
+            <a:avLst/>
+          </a:prstGeom>
+          <a:solidFill>
+            <a:srgbClr val="FFFFFF"/>
+          </a:solidFill>
+          <a:ln w="9525">
+            <a:solidFill>
+              <a:srgbClr val="000000"/>
+            </a:solidFill>
+            <a:miter lim="800000"/>
+            <a:headEnd/>
+            <a:tailEnd/>
+          </a:ln>
+        </p:spPr>
+        <p:txBody>
+          <a:bodyPr vert="horz" wrap="square" lIns="91440" tIns="45720" rIns="91440" bIns="45720" numCol="1" anchor="t" anchorCtr="0" compatLnSpc="1">
+            <a:prstTxWarp prst="textNoShape">
+              <a:avLst/>
+            </a:prstTxWarp>
+          </a:bodyPr>
+          <a:lstStyle/>
+          <a:p>
+            <a:endParaRPr lang="en-US"/>
+          </a:p>
+        </p:txBody>
+      </p:sp>
+      <p:sp>
+        <p:nvSpPr>
+          <p:cNvPr id="50" name="Rectangle 61">
+            <a:extLst>
+              <a:ext uri="{FF2B5EF4-FFF2-40B4-BE49-F238E27FC236}">
+                <a16:creationId xmlns:a16="http://schemas.microsoft.com/office/drawing/2014/main" id="{6A2F9057-9525-4F43-99CE-AE76EC7BC480}"/>
+              </a:ext>
+            </a:extLst>
+          </p:cNvPr>
+          <p:cNvSpPr>
+            <a:spLocks noChangeArrowheads="1"/>
+          </p:cNvSpPr>
+          <p:nvPr/>
+        </p:nvSpPr>
+        <p:spPr bwMode="auto">
+          <a:xfrm>
+            <a:off x="3500438" y="1234032"/>
+            <a:ext cx="114300" cy="681038"/>
+          </a:xfrm>
+          <a:prstGeom prst="rect">
+            <a:avLst/>
+          </a:prstGeom>
+          <a:solidFill>
+            <a:srgbClr val="FFFFFF"/>
+          </a:solidFill>
+          <a:ln w="9525">
+            <a:solidFill>
+              <a:srgbClr val="000000"/>
+            </a:solidFill>
+            <a:miter lim="800000"/>
+            <a:headEnd/>
+            <a:tailEnd/>
+          </a:ln>
+        </p:spPr>
+        <p:txBody>
+          <a:bodyPr vert="horz" wrap="square" lIns="91440" tIns="45720" rIns="91440" bIns="45720" numCol="1" anchor="t" anchorCtr="0" compatLnSpc="1">
+            <a:prstTxWarp prst="textNoShape">
+              <a:avLst/>
+            </a:prstTxWarp>
+          </a:bodyPr>
+          <a:lstStyle/>
+          <a:p>
+            <a:endParaRPr lang="en-US"/>
+          </a:p>
+        </p:txBody>
+      </p:sp>
+      <p:sp>
+        <p:nvSpPr>
+          <p:cNvPr id="51" name="Line 40">
+            <a:extLst>
+              <a:ext uri="{FF2B5EF4-FFF2-40B4-BE49-F238E27FC236}">
+                <a16:creationId xmlns:a16="http://schemas.microsoft.com/office/drawing/2014/main" id="{E4E1EEF3-E2EB-7E41-A71E-FDB1ED465B46}"/>
+              </a:ext>
+            </a:extLst>
+          </p:cNvPr>
+          <p:cNvSpPr>
+            <a:spLocks noChangeShapeType="1"/>
+          </p:cNvSpPr>
+          <p:nvPr/>
+        </p:nvSpPr>
+        <p:spPr bwMode="auto">
+          <a:xfrm>
+            <a:off x="768350" y="1525344"/>
+            <a:ext cx="2717800" cy="0"/>
+          </a:xfrm>
+          <a:prstGeom prst="line">
+            <a:avLst/>
+          </a:prstGeom>
+          <a:noFill/>
+          <a:ln w="9525">
+            <a:solidFill>
+              <a:srgbClr val="000000"/>
+            </a:solidFill>
+            <a:round/>
+            <a:headEnd/>
+            <a:tailEnd type="triangle" w="med" len="med"/>
+          </a:ln>
+          <a:extLst>
+            <a:ext uri="{909E8E84-426E-40DD-AFC4-6F175D3DCCD1}">
+              <a14:hiddenFill xmlns:a14="http://schemas.microsoft.com/office/drawing/2010/main">
+                <a:noFill/>
+              </a14:hiddenFill>
+            </a:ext>
+          </a:extLst>
+        </p:spPr>
+        <p:txBody>
+          <a:bodyPr vert="horz" wrap="square" lIns="91440" tIns="45720" rIns="91440" bIns="45720" numCol="1" anchor="t" anchorCtr="0" compatLnSpc="1">
+            <a:prstTxWarp prst="textNoShape">
+              <a:avLst/>
+            </a:prstTxWarp>
+          </a:bodyPr>
+          <a:lstStyle/>
+          <a:p>
+            <a:endParaRPr lang="en-US"/>
+          </a:p>
+        </p:txBody>
+      </p:sp>
+      <p:sp>
+        <p:nvSpPr>
+          <p:cNvPr id="52" name="Text Box 39">
+            <a:extLst>
+              <a:ext uri="{FF2B5EF4-FFF2-40B4-BE49-F238E27FC236}">
+                <a16:creationId xmlns:a16="http://schemas.microsoft.com/office/drawing/2014/main" id="{E22C6102-7623-C645-8695-D522520FEABB}"/>
+              </a:ext>
+            </a:extLst>
+          </p:cNvPr>
+          <p:cNvSpPr txBox="1">
+            <a:spLocks noChangeArrowheads="1"/>
+          </p:cNvSpPr>
+          <p:nvPr/>
+        </p:nvSpPr>
+        <p:spPr bwMode="auto">
+          <a:xfrm>
+            <a:off x="1313763" y="1193571"/>
+            <a:ext cx="1370014" cy="307497"/>
+          </a:xfrm>
+          <a:prstGeom prst="rect">
+            <a:avLst/>
+          </a:prstGeom>
+          <a:noFill/>
+          <a:ln>
+            <a:noFill/>
+          </a:ln>
+          <a:extLst>
+            <a:ext uri="{909E8E84-426E-40DD-AFC4-6F175D3DCCD1}">
+              <a14:hiddenFill xmlns:a14="http://schemas.microsoft.com/office/drawing/2010/main">
+                <a:solidFill>
+                  <a:srgbClr val="FFFFFF"/>
+                </a:solidFill>
+              </a14:hiddenFill>
+            </a:ext>
+            <a:ext uri="{91240B29-F687-4F45-9708-019B960494DF}">
+              <a14:hiddenLine xmlns:a14="http://schemas.microsoft.com/office/drawing/2010/main" w="9525">
+                <a:solidFill>
+                  <a:srgbClr val="000000"/>
+                </a:solidFill>
+                <a:miter lim="800000"/>
+                <a:headEnd/>
+                <a:tailEnd/>
+              </a14:hiddenLine>
+            </a:ext>
+          </a:extLst>
+        </p:spPr>
+        <p:txBody>
+          <a:bodyPr vert="horz" wrap="square" lIns="91440" tIns="45720" rIns="91440" bIns="45720" numCol="1" anchor="t" anchorCtr="0" compatLnSpc="1">
+            <a:prstTxWarp prst="textNoShape">
+              <a:avLst/>
+            </a:prstTxWarp>
+          </a:bodyPr>
+          <a:lstStyle/>
+          <a:p>
+            <a:pPr marL="0" marR="0" lvl="0" indent="0" algn="ctr" defTabSz="914400" rtl="0" eaLnBrk="0" fontAlgn="base" latinLnBrk="0" hangingPunct="0">
+              <a:lnSpc>
+                <a:spcPct val="100000"/>
+              </a:lnSpc>
+              <a:spcBef>
+                <a:spcPct val="0"/>
+              </a:spcBef>
+              <a:spcAft>
+                <a:spcPct val="0"/>
+              </a:spcAft>
+              <a:buClrTx/>
+              <a:buSzTx/>
+              <a:buFontTx/>
+              <a:buNone/>
+              <a:tabLst/>
+            </a:pPr>
+            <a:r>
+              <a:rPr kumimoji="0" lang="en-US" altLang="en-US" sz="800" b="0" i="0" u="none" strike="noStrike" cap="none" normalizeH="0" baseline="0" dirty="0">
+                <a:ln>
+                  <a:noFill/>
+                </a:ln>
+                <a:solidFill>
+                  <a:schemeClr val="tx1"/>
+                </a:solidFill>
+                <a:effectLst/>
+                <a:latin typeface="Times New Roman" panose="02020603050405020304" pitchFamily="18" charset="0"/>
+                <a:ea typeface="Times New Roman" panose="02020603050405020304" pitchFamily="18" charset="0"/>
+                <a:cs typeface="Times New Roman" panose="02020603050405020304" pitchFamily="18" charset="0"/>
+              </a:rPr>
+              <a:t>2. Retrieve Document</a:t>
+            </a:r>
+            <a:endParaRPr kumimoji="0" lang="en-US" altLang="en-US" sz="1800" b="0" i="0" u="none" strike="noStrike" cap="none" normalizeH="0" baseline="0" dirty="0">
+              <a:ln>
+                <a:noFill/>
+              </a:ln>
+              <a:solidFill>
+                <a:schemeClr val="tx1"/>
+              </a:solidFill>
+              <a:effectLst/>
+              <a:latin typeface="Times New Roman" panose="02020603050405020304" pitchFamily="18" charset="0"/>
+              <a:cs typeface="Times New Roman" panose="02020603050405020304" pitchFamily="18" charset="0"/>
+            </a:endParaRPr>
+          </a:p>
+        </p:txBody>
+      </p:sp>
+      <p:sp>
+        <p:nvSpPr>
+          <p:cNvPr id="53" name="Line 60">
+            <a:extLst>
+              <a:ext uri="{FF2B5EF4-FFF2-40B4-BE49-F238E27FC236}">
+                <a16:creationId xmlns:a16="http://schemas.microsoft.com/office/drawing/2014/main" id="{9659A633-276D-E24D-A476-3D912549D8BD}"/>
+              </a:ext>
+            </a:extLst>
+          </p:cNvPr>
+          <p:cNvSpPr>
+            <a:spLocks noChangeShapeType="1"/>
+          </p:cNvSpPr>
+          <p:nvPr/>
+        </p:nvSpPr>
+        <p:spPr bwMode="auto">
+          <a:xfrm>
+            <a:off x="733425" y="2213164"/>
+            <a:ext cx="4229100" cy="0"/>
+          </a:xfrm>
+          <a:prstGeom prst="line">
+            <a:avLst/>
+          </a:prstGeom>
+          <a:noFill/>
+          <a:ln w="9525">
+            <a:solidFill>
+              <a:srgbClr val="000000"/>
+            </a:solidFill>
+            <a:round/>
+            <a:headEnd/>
+            <a:tailEnd type="triangle" w="med" len="med"/>
+          </a:ln>
+          <a:extLst>
+            <a:ext uri="{909E8E84-426E-40DD-AFC4-6F175D3DCCD1}">
+              <a14:hiddenFill xmlns:a14="http://schemas.microsoft.com/office/drawing/2010/main">
+                <a:noFill/>
+              </a14:hiddenFill>
+            </a:ext>
+          </a:extLst>
+        </p:spPr>
+        <p:txBody>
+          <a:bodyPr vert="horz" wrap="square" lIns="91440" tIns="45720" rIns="91440" bIns="45720" numCol="1" anchor="t" anchorCtr="0" compatLnSpc="1">
+            <a:prstTxWarp prst="textNoShape">
+              <a:avLst/>
+            </a:prstTxWarp>
+          </a:bodyPr>
+          <a:lstStyle/>
+          <a:p>
+            <a:endParaRPr lang="en-US"/>
+          </a:p>
+        </p:txBody>
+      </p:sp>
+      <p:sp>
+        <p:nvSpPr>
+          <p:cNvPr id="54" name="Rectangle 59">
+            <a:extLst>
+              <a:ext uri="{FF2B5EF4-FFF2-40B4-BE49-F238E27FC236}">
+                <a16:creationId xmlns:a16="http://schemas.microsoft.com/office/drawing/2014/main" id="{6981AF8B-173C-6748-9660-57E9273F28AA}"/>
+              </a:ext>
+            </a:extLst>
+          </p:cNvPr>
+          <p:cNvSpPr>
+            <a:spLocks noChangeArrowheads="1"/>
+          </p:cNvSpPr>
+          <p:nvPr/>
+        </p:nvSpPr>
+        <p:spPr bwMode="auto">
+          <a:xfrm>
+            <a:off x="4953000" y="1047916"/>
+            <a:ext cx="114300" cy="280988"/>
+          </a:xfrm>
+          <a:prstGeom prst="rect">
+            <a:avLst/>
+          </a:prstGeom>
+          <a:solidFill>
+            <a:srgbClr val="FFFFFF"/>
+          </a:solidFill>
+          <a:ln w="9525">
+            <a:solidFill>
+              <a:srgbClr val="000000"/>
+            </a:solidFill>
+            <a:miter lim="800000"/>
+            <a:headEnd/>
+            <a:tailEnd/>
+          </a:ln>
+        </p:spPr>
+        <p:txBody>
+          <a:bodyPr vert="horz" wrap="square" lIns="91440" tIns="45720" rIns="91440" bIns="45720" numCol="1" anchor="t" anchorCtr="0" compatLnSpc="1">
+            <a:prstTxWarp prst="textNoShape">
+              <a:avLst/>
+            </a:prstTxWarp>
+          </a:bodyPr>
+          <a:lstStyle/>
+          <a:p>
+            <a:endParaRPr lang="en-US"/>
+          </a:p>
+        </p:txBody>
+      </p:sp>
+      <p:sp>
+        <p:nvSpPr>
+          <p:cNvPr id="55" name="Text Box 58">
+            <a:extLst>
+              <a:ext uri="{FF2B5EF4-FFF2-40B4-BE49-F238E27FC236}">
+                <a16:creationId xmlns:a16="http://schemas.microsoft.com/office/drawing/2014/main" id="{86C972A4-2893-2C41-921D-9AC4EFDFBABE}"/>
+              </a:ext>
+            </a:extLst>
+          </p:cNvPr>
+          <p:cNvSpPr txBox="1">
+            <a:spLocks noChangeArrowheads="1"/>
+          </p:cNvSpPr>
+          <p:nvPr/>
+        </p:nvSpPr>
+        <p:spPr bwMode="auto">
+          <a:xfrm>
+            <a:off x="2197100" y="2010864"/>
             <a:ext cx="1104900" cy="260350"/>
           </a:xfrm>
           <a:prstGeom prst="rect">
@@ -4718,7 +5134,7 @@
               <a:tabLst/>
             </a:pPr>
             <a:r>
-              <a:rPr kumimoji="0" lang="en-US" altLang="en-US" sz="800" b="0" i="0" u="none" strike="noStrike" cap="none" normalizeH="0" baseline="0">
+              <a:rPr kumimoji="0" lang="en-US" altLang="en-US" sz="800" b="0" i="0" u="none" strike="noStrike" cap="none" normalizeH="0" baseline="0" dirty="0">
                 <a:ln>
                   <a:noFill/>
                 </a:ln>
@@ -4726,12 +5142,13 @@
                   <a:schemeClr val="tx1"/>
                 </a:solidFill>
                 <a:effectLst/>
-                <a:latin typeface="Arial" panose="020B0604020202020204" pitchFamily="34" charset="0"/>
+                <a:latin typeface="Times New Roman" panose="02020603050405020304" pitchFamily="18" charset="0"/>
                 <a:ea typeface="Times New Roman" panose="02020603050405020304" pitchFamily="18" charset="0"/>
+                <a:cs typeface="Times New Roman" panose="02020603050405020304" pitchFamily="18" charset="0"/>
               </a:rPr>
-              <a:t>1. Query Documents</a:t>
-            </a:r>
-            <a:endParaRPr kumimoji="0" lang="en-US" altLang="en-US" sz="1800" b="0" i="0" u="none" strike="noStrike" cap="none" normalizeH="0" baseline="0">
+              <a:t>6. Query Documents</a:t>
+            </a:r>
+            <a:endParaRPr kumimoji="0" lang="en-US" altLang="en-US" sz="1800" b="0" i="0" u="none" strike="noStrike" cap="none" normalizeH="0" baseline="0" dirty="0">
               <a:ln>
                 <a:noFill/>
               </a:ln>
@@ -4739,17 +5156,18 @@
                 <a:schemeClr val="tx1"/>
               </a:solidFill>
               <a:effectLst/>
-              <a:latin typeface="Arial" panose="020B0604020202020204" pitchFamily="34" charset="0"/>
+              <a:latin typeface="Times New Roman" panose="02020603050405020304" pitchFamily="18" charset="0"/>
+              <a:cs typeface="Times New Roman" panose="02020603050405020304" pitchFamily="18" charset="0"/>
             </a:endParaRPr>
           </a:p>
         </p:txBody>
       </p:sp>
       <p:sp>
         <p:nvSpPr>
-          <p:cNvPr id="49" name="Rectangle 41">
-            <a:extLst>
-              <a:ext uri="{FF2B5EF4-FFF2-40B4-BE49-F238E27FC236}">
-                <a16:creationId xmlns:a16="http://schemas.microsoft.com/office/drawing/2014/main" id="{1BA81E7B-252B-2A47-88AA-199AA54EFD11}"/>
+          <p:cNvPr id="56" name="Rectangle 57">
+            <a:extLst>
+              <a:ext uri="{FF2B5EF4-FFF2-40B4-BE49-F238E27FC236}">
+                <a16:creationId xmlns:a16="http://schemas.microsoft.com/office/drawing/2014/main" id="{A3661ED1-526F-1D49-B281-52B81F4E5594}"/>
               </a:ext>
             </a:extLst>
           </p:cNvPr>
@@ -4760,8 +5178,8 @@
         </p:nvSpPr>
         <p:spPr bwMode="auto">
           <a:xfrm>
-            <a:off x="4960938" y="457200"/>
-            <a:ext cx="114300" cy="280988"/>
+            <a:off x="647701" y="1084706"/>
+            <a:ext cx="120650" cy="1463675"/>
           </a:xfrm>
           <a:prstGeom prst="rect">
             <a:avLst/>
@@ -4792,67 +5210,21 @@
       </p:sp>
       <p:sp>
         <p:nvSpPr>
-          <p:cNvPr id="50" name="Rectangle 61">
-            <a:extLst>
-              <a:ext uri="{FF2B5EF4-FFF2-40B4-BE49-F238E27FC236}">
-                <a16:creationId xmlns:a16="http://schemas.microsoft.com/office/drawing/2014/main" id="{6A2F9057-9525-4F43-99CE-AE76EC7BC480}"/>
-              </a:ext>
-            </a:extLst>
-          </p:cNvPr>
-          <p:cNvSpPr>
-            <a:spLocks noChangeArrowheads="1"/>
+          <p:cNvPr id="57" name="Line 56">
+            <a:extLst>
+              <a:ext uri="{FF2B5EF4-FFF2-40B4-BE49-F238E27FC236}">
+                <a16:creationId xmlns:a16="http://schemas.microsoft.com/office/drawing/2014/main" id="{E0EB2A4B-BBF0-004A-952B-936FC28DE586}"/>
+              </a:ext>
+            </a:extLst>
+          </p:cNvPr>
+          <p:cNvSpPr>
+            <a:spLocks noChangeShapeType="1"/>
           </p:cNvSpPr>
           <p:nvPr/>
         </p:nvSpPr>
         <p:spPr bwMode="auto">
           <a:xfrm>
-            <a:off x="3500438" y="457200"/>
-            <a:ext cx="114300" cy="681038"/>
-          </a:xfrm>
-          <a:prstGeom prst="rect">
-            <a:avLst/>
-          </a:prstGeom>
-          <a:solidFill>
-            <a:srgbClr val="FFFFFF"/>
-          </a:solidFill>
-          <a:ln w="9525">
-            <a:solidFill>
-              <a:srgbClr val="000000"/>
-            </a:solidFill>
-            <a:miter lim="800000"/>
-            <a:headEnd/>
-            <a:tailEnd/>
-          </a:ln>
-        </p:spPr>
-        <p:txBody>
-          <a:bodyPr vert="horz" wrap="square" lIns="91440" tIns="45720" rIns="91440" bIns="45720" numCol="1" anchor="t" anchorCtr="0" compatLnSpc="1">
-            <a:prstTxWarp prst="textNoShape">
-              <a:avLst/>
-            </a:prstTxWarp>
-          </a:bodyPr>
-          <a:lstStyle/>
-          <a:p>
-            <a:endParaRPr lang="en-US"/>
-          </a:p>
-        </p:txBody>
-      </p:sp>
-      <p:sp>
-        <p:nvSpPr>
-          <p:cNvPr id="51" name="Line 40">
-            <a:extLst>
-              <a:ext uri="{FF2B5EF4-FFF2-40B4-BE49-F238E27FC236}">
-                <a16:creationId xmlns:a16="http://schemas.microsoft.com/office/drawing/2014/main" id="{E4E1EEF3-E2EB-7E41-A71E-FDB1ED465B46}"/>
-              </a:ext>
-            </a:extLst>
-          </p:cNvPr>
-          <p:cNvSpPr>
-            <a:spLocks noChangeShapeType="1"/>
-          </p:cNvSpPr>
-          <p:nvPr/>
-        </p:nvSpPr>
-        <p:spPr bwMode="auto">
-          <a:xfrm>
-            <a:off x="768350" y="457200"/>
+            <a:off x="768350" y="1363504"/>
             <a:ext cx="2717800" cy="0"/>
           </a:xfrm>
           <a:prstGeom prst="line">
@@ -4889,10 +5261,112 @@
       </p:sp>
       <p:sp>
         <p:nvSpPr>
-          <p:cNvPr id="52" name="Text Box 39">
-            <a:extLst>
-              <a:ext uri="{FF2B5EF4-FFF2-40B4-BE49-F238E27FC236}">
-                <a16:creationId xmlns:a16="http://schemas.microsoft.com/office/drawing/2014/main" id="{E22C6102-7623-C645-8695-D522520FEABB}"/>
+          <p:cNvPr id="58" name="Line 55">
+            <a:extLst>
+              <a:ext uri="{FF2B5EF4-FFF2-40B4-BE49-F238E27FC236}">
+                <a16:creationId xmlns:a16="http://schemas.microsoft.com/office/drawing/2014/main" id="{5580D5D2-B88E-414E-9E0C-C6535DC83113}"/>
+              </a:ext>
+            </a:extLst>
+          </p:cNvPr>
+          <p:cNvSpPr>
+            <a:spLocks noChangeShapeType="1"/>
+          </p:cNvSpPr>
+          <p:nvPr/>
+        </p:nvSpPr>
+        <p:spPr bwMode="auto">
+          <a:xfrm>
+            <a:off x="768350" y="1865208"/>
+            <a:ext cx="2717800" cy="0"/>
+          </a:xfrm>
+          <a:prstGeom prst="line">
+            <a:avLst/>
+          </a:prstGeom>
+          <a:noFill/>
+          <a:ln w="9525">
+            <a:solidFill>
+              <a:srgbClr val="000000"/>
+            </a:solidFill>
+            <a:round/>
+            <a:headEnd/>
+            <a:tailEnd type="triangle" w="med" len="med"/>
+          </a:ln>
+          <a:extLst>
+            <a:ext uri="{909E8E84-426E-40DD-AFC4-6F175D3DCCD1}">
+              <a14:hiddenFill xmlns:a14="http://schemas.microsoft.com/office/drawing/2010/main">
+                <a:noFill/>
+              </a14:hiddenFill>
+            </a:ext>
+          </a:extLst>
+        </p:spPr>
+        <p:txBody>
+          <a:bodyPr vert="horz" wrap="square" lIns="91440" tIns="45720" rIns="91440" bIns="45720" numCol="1" anchor="t" anchorCtr="0" compatLnSpc="1">
+            <a:prstTxWarp prst="textNoShape">
+              <a:avLst/>
+            </a:prstTxWarp>
+          </a:bodyPr>
+          <a:lstStyle/>
+          <a:p>
+            <a:endParaRPr lang="en-US"/>
+          </a:p>
+        </p:txBody>
+      </p:sp>
+      <p:sp>
+        <p:nvSpPr>
+          <p:cNvPr id="59" name="Line 54">
+            <a:extLst>
+              <a:ext uri="{FF2B5EF4-FFF2-40B4-BE49-F238E27FC236}">
+                <a16:creationId xmlns:a16="http://schemas.microsoft.com/office/drawing/2014/main" id="{B7F7FE23-5809-C243-A7B4-E61CD8959468}"/>
+              </a:ext>
+            </a:extLst>
+          </p:cNvPr>
+          <p:cNvSpPr>
+            <a:spLocks noChangeShapeType="1"/>
+          </p:cNvSpPr>
+          <p:nvPr/>
+        </p:nvSpPr>
+        <p:spPr bwMode="auto">
+          <a:xfrm>
+            <a:off x="768350" y="1703368"/>
+            <a:ext cx="2717800" cy="0"/>
+          </a:xfrm>
+          <a:prstGeom prst="line">
+            <a:avLst/>
+          </a:prstGeom>
+          <a:noFill/>
+          <a:ln w="9525">
+            <a:solidFill>
+              <a:srgbClr val="000000"/>
+            </a:solidFill>
+            <a:round/>
+            <a:headEnd/>
+            <a:tailEnd type="triangle" w="med" len="med"/>
+          </a:ln>
+          <a:extLst>
+            <a:ext uri="{909E8E84-426E-40DD-AFC4-6F175D3DCCD1}">
+              <a14:hiddenFill xmlns:a14="http://schemas.microsoft.com/office/drawing/2010/main">
+                <a:noFill/>
+              </a14:hiddenFill>
+            </a:ext>
+          </a:extLst>
+        </p:spPr>
+        <p:txBody>
+          <a:bodyPr vert="horz" wrap="square" lIns="91440" tIns="45720" rIns="91440" bIns="45720" numCol="1" anchor="t" anchorCtr="0" compatLnSpc="1">
+            <a:prstTxWarp prst="textNoShape">
+              <a:avLst/>
+            </a:prstTxWarp>
+          </a:bodyPr>
+          <a:lstStyle/>
+          <a:p>
+            <a:endParaRPr lang="en-US"/>
+          </a:p>
+        </p:txBody>
+      </p:sp>
+      <p:sp>
+        <p:nvSpPr>
+          <p:cNvPr id="60" name="Text Box 53">
+            <a:extLst>
+              <a:ext uri="{FF2B5EF4-FFF2-40B4-BE49-F238E27FC236}">
+                <a16:creationId xmlns:a16="http://schemas.microsoft.com/office/drawing/2014/main" id="{1465259B-FBA6-7C47-AAAF-94A4A847EB6E}"/>
               </a:ext>
             </a:extLst>
           </p:cNvPr>
@@ -4903,7 +5377,7 @@
         </p:nvSpPr>
         <p:spPr bwMode="auto">
           <a:xfrm>
-            <a:off x="1516063" y="457200"/>
+            <a:off x="1451327" y="1355412"/>
             <a:ext cx="1104900" cy="260350"/>
           </a:xfrm>
           <a:prstGeom prst="rect">
@@ -4958,7 +5432,7 @@
               <a:tabLst/>
             </a:pPr>
             <a:r>
-              <a:rPr kumimoji="0" lang="en-US" altLang="en-US" sz="800" b="0" i="0" u="none" strike="noStrike" cap="none" normalizeH="0" baseline="0">
+              <a:rPr kumimoji="0" lang="en-US" altLang="en-US" sz="800" b="0" i="0" u="none" strike="noStrike" cap="none" normalizeH="0" baseline="0" dirty="0">
                 <a:ln>
                   <a:noFill/>
                 </a:ln>
@@ -4966,12 +5440,13 @@
                   <a:schemeClr val="tx1"/>
                 </a:solidFill>
                 <a:effectLst/>
-                <a:latin typeface="Arial" panose="020B0604020202020204" pitchFamily="34" charset="0"/>
+                <a:latin typeface="Times New Roman" panose="02020603050405020304" pitchFamily="18" charset="0"/>
                 <a:ea typeface="Times New Roman" panose="02020603050405020304" pitchFamily="18" charset="0"/>
+                <a:cs typeface="Times New Roman" panose="02020603050405020304" pitchFamily="18" charset="0"/>
               </a:rPr>
-              <a:t>2. Retrieve Document</a:t>
-            </a:r>
-            <a:endParaRPr kumimoji="0" lang="en-US" altLang="en-US" sz="1800" b="0" i="0" u="none" strike="noStrike" cap="none" normalizeH="0" baseline="0">
+              <a:t>3. Retrieve Document</a:t>
+            </a:r>
+            <a:endParaRPr kumimoji="0" lang="en-US" altLang="en-US" sz="1800" b="0" i="0" u="none" strike="noStrike" cap="none" normalizeH="0" baseline="0" dirty="0">
               <a:ln>
                 <a:noFill/>
               </a:ln>
@@ -4979,125 +5454,29 @@
                 <a:schemeClr val="tx1"/>
               </a:solidFill>
               <a:effectLst/>
-              <a:latin typeface="Arial" panose="020B0604020202020204" pitchFamily="34" charset="0"/>
+              <a:latin typeface="Times New Roman" panose="02020603050405020304" pitchFamily="18" charset="0"/>
+              <a:cs typeface="Times New Roman" panose="02020603050405020304" pitchFamily="18" charset="0"/>
             </a:endParaRPr>
           </a:p>
         </p:txBody>
       </p:sp>
       <p:sp>
         <p:nvSpPr>
-          <p:cNvPr id="53" name="Line 60">
-            <a:extLst>
-              <a:ext uri="{FF2B5EF4-FFF2-40B4-BE49-F238E27FC236}">
-                <a16:creationId xmlns:a16="http://schemas.microsoft.com/office/drawing/2014/main" id="{9659A633-276D-E24D-A476-3D912549D8BD}"/>
-              </a:ext>
-            </a:extLst>
-          </p:cNvPr>
-          <p:cNvSpPr>
-            <a:spLocks noChangeShapeType="1"/>
+          <p:cNvPr id="61" name="Text Box 52">
+            <a:extLst>
+              <a:ext uri="{FF2B5EF4-FFF2-40B4-BE49-F238E27FC236}">
+                <a16:creationId xmlns:a16="http://schemas.microsoft.com/office/drawing/2014/main" id="{7CFD2B6F-E4E2-784D-BAAB-9E20FCC0BB93}"/>
+              </a:ext>
+            </a:extLst>
+          </p:cNvPr>
+          <p:cNvSpPr txBox="1">
+            <a:spLocks noChangeArrowheads="1"/>
           </p:cNvSpPr>
           <p:nvPr/>
         </p:nvSpPr>
         <p:spPr bwMode="auto">
           <a:xfrm>
-            <a:off x="733425" y="457200"/>
-            <a:ext cx="4229100" cy="0"/>
-          </a:xfrm>
-          <a:prstGeom prst="line">
-            <a:avLst/>
-          </a:prstGeom>
-          <a:noFill/>
-          <a:ln w="9525">
-            <a:solidFill>
-              <a:srgbClr val="000000"/>
-            </a:solidFill>
-            <a:round/>
-            <a:headEnd/>
-            <a:tailEnd type="triangle" w="med" len="med"/>
-          </a:ln>
-          <a:extLst>
-            <a:ext uri="{909E8E84-426E-40DD-AFC4-6F175D3DCCD1}">
-              <a14:hiddenFill xmlns:a14="http://schemas.microsoft.com/office/drawing/2010/main">
-                <a:noFill/>
-              </a14:hiddenFill>
-            </a:ext>
-          </a:extLst>
-        </p:spPr>
-        <p:txBody>
-          <a:bodyPr vert="horz" wrap="square" lIns="91440" tIns="45720" rIns="91440" bIns="45720" numCol="1" anchor="t" anchorCtr="0" compatLnSpc="1">
-            <a:prstTxWarp prst="textNoShape">
-              <a:avLst/>
-            </a:prstTxWarp>
-          </a:bodyPr>
-          <a:lstStyle/>
-          <a:p>
-            <a:endParaRPr lang="en-US"/>
-          </a:p>
-        </p:txBody>
-      </p:sp>
-      <p:sp>
-        <p:nvSpPr>
-          <p:cNvPr id="54" name="Rectangle 59">
-            <a:extLst>
-              <a:ext uri="{FF2B5EF4-FFF2-40B4-BE49-F238E27FC236}">
-                <a16:creationId xmlns:a16="http://schemas.microsoft.com/office/drawing/2014/main" id="{6981AF8B-173C-6748-9660-57E9273F28AA}"/>
-              </a:ext>
-            </a:extLst>
-          </p:cNvPr>
-          <p:cNvSpPr>
-            <a:spLocks noChangeArrowheads="1"/>
-          </p:cNvSpPr>
-          <p:nvPr/>
-        </p:nvSpPr>
-        <p:spPr bwMode="auto">
-          <a:xfrm>
-            <a:off x="4953000" y="457200"/>
-            <a:ext cx="114300" cy="280988"/>
-          </a:xfrm>
-          <a:prstGeom prst="rect">
-            <a:avLst/>
-          </a:prstGeom>
-          <a:solidFill>
-            <a:srgbClr val="FFFFFF"/>
-          </a:solidFill>
-          <a:ln w="9525">
-            <a:solidFill>
-              <a:srgbClr val="000000"/>
-            </a:solidFill>
-            <a:miter lim="800000"/>
-            <a:headEnd/>
-            <a:tailEnd/>
-          </a:ln>
-        </p:spPr>
-        <p:txBody>
-          <a:bodyPr vert="horz" wrap="square" lIns="91440" tIns="45720" rIns="91440" bIns="45720" numCol="1" anchor="t" anchorCtr="0" compatLnSpc="1">
-            <a:prstTxWarp prst="textNoShape">
-              <a:avLst/>
-            </a:prstTxWarp>
-          </a:bodyPr>
-          <a:lstStyle/>
-          <a:p>
-            <a:endParaRPr lang="en-US"/>
-          </a:p>
-        </p:txBody>
-      </p:sp>
-      <p:sp>
-        <p:nvSpPr>
-          <p:cNvPr id="55" name="Text Box 58">
-            <a:extLst>
-              <a:ext uri="{FF2B5EF4-FFF2-40B4-BE49-F238E27FC236}">
-                <a16:creationId xmlns:a16="http://schemas.microsoft.com/office/drawing/2014/main" id="{86C972A4-2893-2C41-921D-9AC4EFDFBABE}"/>
-              </a:ext>
-            </a:extLst>
-          </p:cNvPr>
-          <p:cNvSpPr txBox="1">
-            <a:spLocks noChangeArrowheads="1"/>
-          </p:cNvSpPr>
-          <p:nvPr/>
-        </p:nvSpPr>
-        <p:spPr bwMode="auto">
-          <a:xfrm>
-            <a:off x="2197100" y="457200"/>
+            <a:off x="1451327" y="1517252"/>
             <a:ext cx="1104900" cy="260350"/>
           </a:xfrm>
           <a:prstGeom prst="rect">
@@ -5152,7 +5531,7 @@
               <a:tabLst/>
             </a:pPr>
             <a:r>
-              <a:rPr kumimoji="0" lang="en-US" altLang="en-US" sz="800" b="0" i="0" u="none" strike="noStrike" cap="none" normalizeH="0" baseline="0">
+              <a:rPr kumimoji="0" lang="en-US" altLang="en-US" sz="800" b="0" i="0" u="none" strike="noStrike" cap="none" normalizeH="0" baseline="0" dirty="0">
                 <a:ln>
                   <a:noFill/>
                 </a:ln>
@@ -5160,11 +5539,13 @@
                   <a:schemeClr val="tx1"/>
                 </a:solidFill>
                 <a:effectLst/>
+                <a:latin typeface="Times New Roman" panose="02020603050405020304" pitchFamily="18" charset="0"/>
                 <a:ea typeface="Times New Roman" panose="02020603050405020304" pitchFamily="18" charset="0"/>
+                <a:cs typeface="Times New Roman" panose="02020603050405020304" pitchFamily="18" charset="0"/>
               </a:rPr>
-              <a:t>6. Query Documents</a:t>
-            </a:r>
-            <a:endParaRPr kumimoji="0" lang="en-US" altLang="en-US" sz="1800" b="0" i="0" u="none" strike="noStrike" cap="none" normalizeH="0" baseline="0">
+              <a:t>4. Retrieve Document</a:t>
+            </a:r>
+            <a:endParaRPr kumimoji="0" lang="en-US" altLang="en-US" sz="1800" b="0" i="0" u="none" strike="noStrike" cap="none" normalizeH="0" baseline="0" dirty="0">
               <a:ln>
                 <a:noFill/>
               </a:ln>
@@ -5172,44 +5553,57 @@
                 <a:schemeClr val="tx1"/>
               </a:solidFill>
               <a:effectLst/>
-              <a:latin typeface="Arial" panose="020B0604020202020204" pitchFamily="34" charset="0"/>
+              <a:latin typeface="Times New Roman" panose="02020603050405020304" pitchFamily="18" charset="0"/>
+              <a:cs typeface="Times New Roman" panose="02020603050405020304" pitchFamily="18" charset="0"/>
             </a:endParaRPr>
           </a:p>
         </p:txBody>
       </p:sp>
       <p:sp>
         <p:nvSpPr>
-          <p:cNvPr id="56" name="Rectangle 57">
-            <a:extLst>
-              <a:ext uri="{FF2B5EF4-FFF2-40B4-BE49-F238E27FC236}">
-                <a16:creationId xmlns:a16="http://schemas.microsoft.com/office/drawing/2014/main" id="{A3661ED1-526F-1D49-B281-52B81F4E5594}"/>
-              </a:ext>
-            </a:extLst>
-          </p:cNvPr>
-          <p:cNvSpPr>
+          <p:cNvPr id="62" name="Text Box 51">
+            <a:extLst>
+              <a:ext uri="{FF2B5EF4-FFF2-40B4-BE49-F238E27FC236}">
+                <a16:creationId xmlns:a16="http://schemas.microsoft.com/office/drawing/2014/main" id="{7BAB3B61-DDF0-9E43-939A-18E51F184EDA}"/>
+              </a:ext>
+            </a:extLst>
+          </p:cNvPr>
+          <p:cNvSpPr txBox="1">
             <a:spLocks noChangeArrowheads="1"/>
           </p:cNvSpPr>
           <p:nvPr/>
         </p:nvSpPr>
         <p:spPr bwMode="auto">
           <a:xfrm>
-            <a:off x="647700" y="457200"/>
-            <a:ext cx="120650" cy="1463675"/>
+            <a:off x="1302038" y="1680750"/>
+            <a:ext cx="1389057" cy="260350"/>
           </a:xfrm>
           <a:prstGeom prst="rect">
             <a:avLst/>
           </a:prstGeom>
-          <a:solidFill>
-            <a:srgbClr val="FFFFFF"/>
-          </a:solidFill>
-          <a:ln w="9525">
-            <a:solidFill>
-              <a:srgbClr val="000000"/>
-            </a:solidFill>
-            <a:miter lim="800000"/>
-            <a:headEnd/>
-            <a:tailEnd/>
+          <a:noFill/>
+          <a:ln>
+            <a:noFill/>
           </a:ln>
+          <a:extLst>
+            <a:ext uri="{909E8E84-426E-40DD-AFC4-6F175D3DCCD1}">
+              <a14:hiddenFill xmlns:a14="http://schemas.microsoft.com/office/drawing/2010/main">
+                <a:solidFill>
+                  <a:srgbClr val="FFFFFF"/>
+                </a:solidFill>
+              </a14:hiddenFill>
+            </a:ext>
+            <a:ext uri="{91240B29-F687-4F45-9708-019B960494DF}">
+              <a14:hiddenLine xmlns:a14="http://schemas.microsoft.com/office/drawing/2010/main" w="9525">
+                <a:solidFill>
+                  <a:srgbClr val="000000"/>
+                </a:solidFill>
+                <a:miter lim="800000"/>
+                <a:headEnd/>
+                <a:tailEnd/>
+              </a14:hiddenLine>
+            </a:ext>
+          </a:extLst>
         </p:spPr>
         <p:txBody>
           <a:bodyPr vert="horz" wrap="square" lIns="91440" tIns="45720" rIns="91440" bIns="45720" numCol="1" anchor="t" anchorCtr="0" compatLnSpc="1">
@@ -5219,16 +5613,57 @@
           </a:bodyPr>
           <a:lstStyle/>
           <a:p>
-            <a:endParaRPr lang="en-US"/>
-          </a:p>
-        </p:txBody>
-      </p:sp>
-      <p:sp>
-        <p:nvSpPr>
-          <p:cNvPr id="57" name="Line 56">
-            <a:extLst>
-              <a:ext uri="{FF2B5EF4-FFF2-40B4-BE49-F238E27FC236}">
-                <a16:creationId xmlns:a16="http://schemas.microsoft.com/office/drawing/2014/main" id="{E0EB2A4B-BBF0-004A-952B-936FC28DE586}"/>
+            <a:pPr marL="0" marR="0" lvl="0" indent="0" algn="ctr" defTabSz="914400" rtl="0" eaLnBrk="0" fontAlgn="base" latinLnBrk="0" hangingPunct="0">
+              <a:lnSpc>
+                <a:spcPct val="100000"/>
+              </a:lnSpc>
+              <a:spcBef>
+                <a:spcPct val="0"/>
+              </a:spcBef>
+              <a:spcAft>
+                <a:spcPct val="0"/>
+              </a:spcAft>
+              <a:buClrTx/>
+              <a:buSzTx/>
+              <a:buFontTx/>
+              <a:buNone/>
+              <a:tabLst/>
+            </a:pPr>
+            <a:r>
+              <a:rPr kumimoji="0" lang="en-US" altLang="en-US" sz="800" b="0" i="0" u="none" strike="noStrike" cap="none" normalizeH="0" baseline="0" dirty="0">
+                <a:ln>
+                  <a:noFill/>
+                </a:ln>
+                <a:solidFill>
+                  <a:schemeClr val="tx1"/>
+                </a:solidFill>
+                <a:effectLst/>
+                <a:latin typeface="Times New Roman" panose="02020603050405020304" pitchFamily="18" charset="0"/>
+                <a:ea typeface="Times New Roman" panose="02020603050405020304" pitchFamily="18" charset="0"/>
+                <a:cs typeface="Times New Roman" panose="02020603050405020304" pitchFamily="18" charset="0"/>
+              </a:rPr>
+              <a:t>5. Retrieve Document</a:t>
+            </a:r>
+            <a:endParaRPr kumimoji="0" lang="en-US" altLang="en-US" sz="1800" b="0" i="0" u="none" strike="noStrike" cap="none" normalizeH="0" baseline="0" dirty="0">
+              <a:ln>
+                <a:noFill/>
+              </a:ln>
+              <a:solidFill>
+                <a:schemeClr val="tx1"/>
+              </a:solidFill>
+              <a:effectLst/>
+              <a:latin typeface="Times New Roman" panose="02020603050405020304" pitchFamily="18" charset="0"/>
+              <a:cs typeface="Times New Roman" panose="02020603050405020304" pitchFamily="18" charset="0"/>
+            </a:endParaRPr>
+          </a:p>
+        </p:txBody>
+      </p:sp>
+      <p:sp>
+        <p:nvSpPr>
+          <p:cNvPr id="63" name="Line 50">
+            <a:extLst>
+              <a:ext uri="{FF2B5EF4-FFF2-40B4-BE49-F238E27FC236}">
+                <a16:creationId xmlns:a16="http://schemas.microsoft.com/office/drawing/2014/main" id="{95ACFE29-439B-B943-9883-B2629AB2A4BE}"/>
               </a:ext>
             </a:extLst>
           </p:cNvPr>
@@ -5239,7 +5674,7 @@
         </p:nvSpPr>
         <p:spPr bwMode="auto">
           <a:xfrm>
-            <a:off x="768350" y="457200"/>
+            <a:off x="768350" y="2504476"/>
             <a:ext cx="2717800" cy="0"/>
           </a:xfrm>
           <a:prstGeom prst="line">
@@ -5276,123 +5711,21 @@
       </p:sp>
       <p:sp>
         <p:nvSpPr>
-          <p:cNvPr id="58" name="Line 55">
-            <a:extLst>
-              <a:ext uri="{FF2B5EF4-FFF2-40B4-BE49-F238E27FC236}">
-                <a16:creationId xmlns:a16="http://schemas.microsoft.com/office/drawing/2014/main" id="{5580D5D2-B88E-414E-9E0C-C6535DC83113}"/>
-              </a:ext>
-            </a:extLst>
-          </p:cNvPr>
-          <p:cNvSpPr>
-            <a:spLocks noChangeShapeType="1"/>
+          <p:cNvPr id="64" name="Text Box 49">
+            <a:extLst>
+              <a:ext uri="{FF2B5EF4-FFF2-40B4-BE49-F238E27FC236}">
+                <a16:creationId xmlns:a16="http://schemas.microsoft.com/office/drawing/2014/main" id="{0460192E-91B7-6041-8628-B9A78E120352}"/>
+              </a:ext>
+            </a:extLst>
+          </p:cNvPr>
+          <p:cNvSpPr txBox="1">
+            <a:spLocks noChangeArrowheads="1"/>
           </p:cNvSpPr>
           <p:nvPr/>
         </p:nvSpPr>
         <p:spPr bwMode="auto">
           <a:xfrm>
-            <a:off x="768350" y="457200"/>
-            <a:ext cx="2717800" cy="0"/>
-          </a:xfrm>
-          <a:prstGeom prst="line">
-            <a:avLst/>
-          </a:prstGeom>
-          <a:noFill/>
-          <a:ln w="9525">
-            <a:solidFill>
-              <a:srgbClr val="000000"/>
-            </a:solidFill>
-            <a:round/>
-            <a:headEnd/>
-            <a:tailEnd type="triangle" w="med" len="med"/>
-          </a:ln>
-          <a:extLst>
-            <a:ext uri="{909E8E84-426E-40DD-AFC4-6F175D3DCCD1}">
-              <a14:hiddenFill xmlns:a14="http://schemas.microsoft.com/office/drawing/2010/main">
-                <a:noFill/>
-              </a14:hiddenFill>
-            </a:ext>
-          </a:extLst>
-        </p:spPr>
-        <p:txBody>
-          <a:bodyPr vert="horz" wrap="square" lIns="91440" tIns="45720" rIns="91440" bIns="45720" numCol="1" anchor="t" anchorCtr="0" compatLnSpc="1">
-            <a:prstTxWarp prst="textNoShape">
-              <a:avLst/>
-            </a:prstTxWarp>
-          </a:bodyPr>
-          <a:lstStyle/>
-          <a:p>
-            <a:endParaRPr lang="en-US"/>
-          </a:p>
-        </p:txBody>
-      </p:sp>
-      <p:sp>
-        <p:nvSpPr>
-          <p:cNvPr id="59" name="Line 54">
-            <a:extLst>
-              <a:ext uri="{FF2B5EF4-FFF2-40B4-BE49-F238E27FC236}">
-                <a16:creationId xmlns:a16="http://schemas.microsoft.com/office/drawing/2014/main" id="{B7F7FE23-5809-C243-A7B4-E61CD8959468}"/>
-              </a:ext>
-            </a:extLst>
-          </p:cNvPr>
-          <p:cNvSpPr>
-            <a:spLocks noChangeShapeType="1"/>
-          </p:cNvSpPr>
-          <p:nvPr/>
-        </p:nvSpPr>
-        <p:spPr bwMode="auto">
-          <a:xfrm>
-            <a:off x="768350" y="457200"/>
-            <a:ext cx="2717800" cy="0"/>
-          </a:xfrm>
-          <a:prstGeom prst="line">
-            <a:avLst/>
-          </a:prstGeom>
-          <a:noFill/>
-          <a:ln w="9525">
-            <a:solidFill>
-              <a:srgbClr val="000000"/>
-            </a:solidFill>
-            <a:round/>
-            <a:headEnd/>
-            <a:tailEnd type="triangle" w="med" len="med"/>
-          </a:ln>
-          <a:extLst>
-            <a:ext uri="{909E8E84-426E-40DD-AFC4-6F175D3DCCD1}">
-              <a14:hiddenFill xmlns:a14="http://schemas.microsoft.com/office/drawing/2010/main">
-                <a:noFill/>
-              </a14:hiddenFill>
-            </a:ext>
-          </a:extLst>
-        </p:spPr>
-        <p:txBody>
-          <a:bodyPr vert="horz" wrap="square" lIns="91440" tIns="45720" rIns="91440" bIns="45720" numCol="1" anchor="t" anchorCtr="0" compatLnSpc="1">
-            <a:prstTxWarp prst="textNoShape">
-              <a:avLst/>
-            </a:prstTxWarp>
-          </a:bodyPr>
-          <a:lstStyle/>
-          <a:p>
-            <a:endParaRPr lang="en-US"/>
-          </a:p>
-        </p:txBody>
-      </p:sp>
-      <p:sp>
-        <p:nvSpPr>
-          <p:cNvPr id="60" name="Text Box 53">
-            <a:extLst>
-              <a:ext uri="{FF2B5EF4-FFF2-40B4-BE49-F238E27FC236}">
-                <a16:creationId xmlns:a16="http://schemas.microsoft.com/office/drawing/2014/main" id="{1465259B-FBA6-7C47-AAAF-94A4A847EB6E}"/>
-              </a:ext>
-            </a:extLst>
-          </p:cNvPr>
-          <p:cNvSpPr txBox="1">
-            <a:spLocks noChangeArrowheads="1"/>
-          </p:cNvSpPr>
-          <p:nvPr/>
-        </p:nvSpPr>
-        <p:spPr bwMode="auto">
-          <a:xfrm>
-            <a:off x="1516063" y="457200"/>
+            <a:off x="1445820" y="2315439"/>
             <a:ext cx="1104900" cy="260350"/>
           </a:xfrm>
           <a:prstGeom prst="rect">
@@ -5447,7 +5780,7 @@
               <a:tabLst/>
             </a:pPr>
             <a:r>
-              <a:rPr kumimoji="0" lang="en-US" altLang="en-US" sz="800" b="0" i="0" u="none" strike="noStrike" cap="none" normalizeH="0" baseline="0">
+              <a:rPr kumimoji="0" lang="en-US" altLang="en-US" sz="800" b="0" i="0" u="none" strike="noStrike" cap="none" normalizeH="0" baseline="0" dirty="0">
                 <a:ln>
                   <a:noFill/>
                 </a:ln>
@@ -5455,12 +5788,13 @@
                   <a:schemeClr val="tx1"/>
                 </a:solidFill>
                 <a:effectLst/>
-                <a:latin typeface="Arial" panose="020B0604020202020204" pitchFamily="34" charset="0"/>
+                <a:latin typeface="Times New Roman" panose="02020603050405020304" pitchFamily="18" charset="0"/>
                 <a:ea typeface="Times New Roman" panose="02020603050405020304" pitchFamily="18" charset="0"/>
+                <a:cs typeface="Times New Roman" panose="02020603050405020304" pitchFamily="18" charset="0"/>
               </a:rPr>
-              <a:t>3. Retrieve Document</a:t>
-            </a:r>
-            <a:endParaRPr kumimoji="0" lang="en-US" altLang="en-US" sz="1800" b="0" i="0" u="none" strike="noStrike" cap="none" normalizeH="0" baseline="0">
+              <a:t>7. Retrieve Document</a:t>
+            </a:r>
+            <a:endParaRPr kumimoji="0" lang="en-US" altLang="en-US" sz="1800" b="0" i="0" u="none" strike="noStrike" cap="none" normalizeH="0" baseline="0" dirty="0">
               <a:ln>
                 <a:noFill/>
               </a:ln>
@@ -5468,370 +5802,29 @@
                 <a:schemeClr val="tx1"/>
               </a:solidFill>
               <a:effectLst/>
-              <a:latin typeface="Arial" panose="020B0604020202020204" pitchFamily="34" charset="0"/>
+              <a:latin typeface="Times New Roman" panose="02020603050405020304" pitchFamily="18" charset="0"/>
+              <a:cs typeface="Times New Roman" panose="02020603050405020304" pitchFamily="18" charset="0"/>
             </a:endParaRPr>
           </a:p>
         </p:txBody>
       </p:sp>
       <p:sp>
         <p:nvSpPr>
-          <p:cNvPr id="61" name="Text Box 52">
-            <a:extLst>
-              <a:ext uri="{FF2B5EF4-FFF2-40B4-BE49-F238E27FC236}">
-                <a16:creationId xmlns:a16="http://schemas.microsoft.com/office/drawing/2014/main" id="{7CFD2B6F-E4E2-784D-BAAB-9E20FCC0BB93}"/>
-              </a:ext>
-            </a:extLst>
-          </p:cNvPr>
-          <p:cNvSpPr txBox="1">
+          <p:cNvPr id="65" name="Rectangle 48">
+            <a:extLst>
+              <a:ext uri="{FF2B5EF4-FFF2-40B4-BE49-F238E27FC236}">
+                <a16:creationId xmlns:a16="http://schemas.microsoft.com/office/drawing/2014/main" id="{C99561A6-2F44-3B46-BDC0-56DFC4E524E9}"/>
+              </a:ext>
+            </a:extLst>
+          </p:cNvPr>
+          <p:cNvSpPr>
             <a:spLocks noChangeArrowheads="1"/>
           </p:cNvSpPr>
           <p:nvPr/>
         </p:nvSpPr>
         <p:spPr bwMode="auto">
           <a:xfrm>
-            <a:off x="1516063" y="457200"/>
-            <a:ext cx="1104900" cy="260350"/>
-          </a:xfrm>
-          <a:prstGeom prst="rect">
-            <a:avLst/>
-          </a:prstGeom>
-          <a:noFill/>
-          <a:ln>
-            <a:noFill/>
-          </a:ln>
-          <a:extLst>
-            <a:ext uri="{909E8E84-426E-40DD-AFC4-6F175D3DCCD1}">
-              <a14:hiddenFill xmlns:a14="http://schemas.microsoft.com/office/drawing/2010/main">
-                <a:solidFill>
-                  <a:srgbClr val="FFFFFF"/>
-                </a:solidFill>
-              </a14:hiddenFill>
-            </a:ext>
-            <a:ext uri="{91240B29-F687-4F45-9708-019B960494DF}">
-              <a14:hiddenLine xmlns:a14="http://schemas.microsoft.com/office/drawing/2010/main" w="9525">
-                <a:solidFill>
-                  <a:srgbClr val="000000"/>
-                </a:solidFill>
-                <a:miter lim="800000"/>
-                <a:headEnd/>
-                <a:tailEnd/>
-              </a14:hiddenLine>
-            </a:ext>
-          </a:extLst>
-        </p:spPr>
-        <p:txBody>
-          <a:bodyPr vert="horz" wrap="square" lIns="91440" tIns="45720" rIns="91440" bIns="45720" numCol="1" anchor="t" anchorCtr="0" compatLnSpc="1">
-            <a:prstTxWarp prst="textNoShape">
-              <a:avLst/>
-            </a:prstTxWarp>
-          </a:bodyPr>
-          <a:lstStyle/>
-          <a:p>
-            <a:pPr marL="0" marR="0" lvl="0" indent="0" algn="ctr" defTabSz="914400" rtl="0" eaLnBrk="0" fontAlgn="base" latinLnBrk="0" hangingPunct="0">
-              <a:lnSpc>
-                <a:spcPct val="100000"/>
-              </a:lnSpc>
-              <a:spcBef>
-                <a:spcPct val="0"/>
-              </a:spcBef>
-              <a:spcAft>
-                <a:spcPct val="0"/>
-              </a:spcAft>
-              <a:buClrTx/>
-              <a:buSzTx/>
-              <a:buFontTx/>
-              <a:buNone/>
-              <a:tabLst/>
-            </a:pPr>
-            <a:r>
-              <a:rPr kumimoji="0" lang="en-US" altLang="en-US" sz="800" b="0" i="0" u="none" strike="noStrike" cap="none" normalizeH="0" baseline="0">
-                <a:ln>
-                  <a:noFill/>
-                </a:ln>
-                <a:solidFill>
-                  <a:schemeClr val="tx1"/>
-                </a:solidFill>
-                <a:effectLst/>
-                <a:latin typeface="Arial" panose="020B0604020202020204" pitchFamily="34" charset="0"/>
-                <a:ea typeface="Times New Roman" panose="02020603050405020304" pitchFamily="18" charset="0"/>
-              </a:rPr>
-              <a:t>4. Retrieve Document</a:t>
-            </a:r>
-            <a:endParaRPr kumimoji="0" lang="en-US" altLang="en-US" sz="1800" b="0" i="0" u="none" strike="noStrike" cap="none" normalizeH="0" baseline="0">
-              <a:ln>
-                <a:noFill/>
-              </a:ln>
-              <a:solidFill>
-                <a:schemeClr val="tx1"/>
-              </a:solidFill>
-              <a:effectLst/>
-              <a:latin typeface="Arial" panose="020B0604020202020204" pitchFamily="34" charset="0"/>
-            </a:endParaRPr>
-          </a:p>
-        </p:txBody>
-      </p:sp>
-      <p:sp>
-        <p:nvSpPr>
-          <p:cNvPr id="62" name="Text Box 51">
-            <a:extLst>
-              <a:ext uri="{FF2B5EF4-FFF2-40B4-BE49-F238E27FC236}">
-                <a16:creationId xmlns:a16="http://schemas.microsoft.com/office/drawing/2014/main" id="{7BAB3B61-DDF0-9E43-939A-18E51F184EDA}"/>
-              </a:ext>
-            </a:extLst>
-          </p:cNvPr>
-          <p:cNvSpPr txBox="1">
-            <a:spLocks noChangeArrowheads="1"/>
-          </p:cNvSpPr>
-          <p:nvPr/>
-        </p:nvSpPr>
-        <p:spPr bwMode="auto">
-          <a:xfrm>
-            <a:off x="1516063" y="457200"/>
-            <a:ext cx="1104900" cy="260350"/>
-          </a:xfrm>
-          <a:prstGeom prst="rect">
-            <a:avLst/>
-          </a:prstGeom>
-          <a:noFill/>
-          <a:ln>
-            <a:noFill/>
-          </a:ln>
-          <a:extLst>
-            <a:ext uri="{909E8E84-426E-40DD-AFC4-6F175D3DCCD1}">
-              <a14:hiddenFill xmlns:a14="http://schemas.microsoft.com/office/drawing/2010/main">
-                <a:solidFill>
-                  <a:srgbClr val="FFFFFF"/>
-                </a:solidFill>
-              </a14:hiddenFill>
-            </a:ext>
-            <a:ext uri="{91240B29-F687-4F45-9708-019B960494DF}">
-              <a14:hiddenLine xmlns:a14="http://schemas.microsoft.com/office/drawing/2010/main" w="9525">
-                <a:solidFill>
-                  <a:srgbClr val="000000"/>
-                </a:solidFill>
-                <a:miter lim="800000"/>
-                <a:headEnd/>
-                <a:tailEnd/>
-              </a14:hiddenLine>
-            </a:ext>
-          </a:extLst>
-        </p:spPr>
-        <p:txBody>
-          <a:bodyPr vert="horz" wrap="square" lIns="91440" tIns="45720" rIns="91440" bIns="45720" numCol="1" anchor="t" anchorCtr="0" compatLnSpc="1">
-            <a:prstTxWarp prst="textNoShape">
-              <a:avLst/>
-            </a:prstTxWarp>
-          </a:bodyPr>
-          <a:lstStyle/>
-          <a:p>
-            <a:pPr marL="0" marR="0" lvl="0" indent="0" algn="ctr" defTabSz="914400" rtl="0" eaLnBrk="0" fontAlgn="base" latinLnBrk="0" hangingPunct="0">
-              <a:lnSpc>
-                <a:spcPct val="100000"/>
-              </a:lnSpc>
-              <a:spcBef>
-                <a:spcPct val="0"/>
-              </a:spcBef>
-              <a:spcAft>
-                <a:spcPct val="0"/>
-              </a:spcAft>
-              <a:buClrTx/>
-              <a:buSzTx/>
-              <a:buFontTx/>
-              <a:buNone/>
-              <a:tabLst/>
-            </a:pPr>
-            <a:r>
-              <a:rPr kumimoji="0" lang="en-US" altLang="en-US" sz="800" b="0" i="0" u="none" strike="noStrike" cap="none" normalizeH="0" baseline="0">
-                <a:ln>
-                  <a:noFill/>
-                </a:ln>
-                <a:solidFill>
-                  <a:schemeClr val="tx1"/>
-                </a:solidFill>
-                <a:effectLst/>
-                <a:latin typeface="Arial" panose="020B0604020202020204" pitchFamily="34" charset="0"/>
-                <a:ea typeface="Times New Roman" panose="02020603050405020304" pitchFamily="18" charset="0"/>
-              </a:rPr>
-              <a:t>5. Retrieve Document</a:t>
-            </a:r>
-            <a:endParaRPr kumimoji="0" lang="en-US" altLang="en-US" sz="1800" b="0" i="0" u="none" strike="noStrike" cap="none" normalizeH="0" baseline="0">
-              <a:ln>
-                <a:noFill/>
-              </a:ln>
-              <a:solidFill>
-                <a:schemeClr val="tx1"/>
-              </a:solidFill>
-              <a:effectLst/>
-              <a:latin typeface="Arial" panose="020B0604020202020204" pitchFamily="34" charset="0"/>
-            </a:endParaRPr>
-          </a:p>
-        </p:txBody>
-      </p:sp>
-      <p:sp>
-        <p:nvSpPr>
-          <p:cNvPr id="63" name="Line 50">
-            <a:extLst>
-              <a:ext uri="{FF2B5EF4-FFF2-40B4-BE49-F238E27FC236}">
-                <a16:creationId xmlns:a16="http://schemas.microsoft.com/office/drawing/2014/main" id="{95ACFE29-439B-B943-9883-B2629AB2A4BE}"/>
-              </a:ext>
-            </a:extLst>
-          </p:cNvPr>
-          <p:cNvSpPr>
-            <a:spLocks noChangeShapeType="1"/>
-          </p:cNvSpPr>
-          <p:nvPr/>
-        </p:nvSpPr>
-        <p:spPr bwMode="auto">
-          <a:xfrm>
-            <a:off x="768350" y="457200"/>
-            <a:ext cx="2717800" cy="0"/>
-          </a:xfrm>
-          <a:prstGeom prst="line">
-            <a:avLst/>
-          </a:prstGeom>
-          <a:noFill/>
-          <a:ln w="9525">
-            <a:solidFill>
-              <a:srgbClr val="000000"/>
-            </a:solidFill>
-            <a:round/>
-            <a:headEnd/>
-            <a:tailEnd type="triangle" w="med" len="med"/>
-          </a:ln>
-          <a:extLst>
-            <a:ext uri="{909E8E84-426E-40DD-AFC4-6F175D3DCCD1}">
-              <a14:hiddenFill xmlns:a14="http://schemas.microsoft.com/office/drawing/2010/main">
-                <a:noFill/>
-              </a14:hiddenFill>
-            </a:ext>
-          </a:extLst>
-        </p:spPr>
-        <p:txBody>
-          <a:bodyPr vert="horz" wrap="square" lIns="91440" tIns="45720" rIns="91440" bIns="45720" numCol="1" anchor="t" anchorCtr="0" compatLnSpc="1">
-            <a:prstTxWarp prst="textNoShape">
-              <a:avLst/>
-            </a:prstTxWarp>
-          </a:bodyPr>
-          <a:lstStyle/>
-          <a:p>
-            <a:endParaRPr lang="en-US"/>
-          </a:p>
-        </p:txBody>
-      </p:sp>
-      <p:sp>
-        <p:nvSpPr>
-          <p:cNvPr id="64" name="Text Box 49">
-            <a:extLst>
-              <a:ext uri="{FF2B5EF4-FFF2-40B4-BE49-F238E27FC236}">
-                <a16:creationId xmlns:a16="http://schemas.microsoft.com/office/drawing/2014/main" id="{0460192E-91B7-6041-8628-B9A78E120352}"/>
-              </a:ext>
-            </a:extLst>
-          </p:cNvPr>
-          <p:cNvSpPr txBox="1">
-            <a:spLocks noChangeArrowheads="1"/>
-          </p:cNvSpPr>
-          <p:nvPr/>
-        </p:nvSpPr>
-        <p:spPr bwMode="auto">
-          <a:xfrm>
-            <a:off x="1516063" y="457200"/>
-            <a:ext cx="1104900" cy="260350"/>
-          </a:xfrm>
-          <a:prstGeom prst="rect">
-            <a:avLst/>
-          </a:prstGeom>
-          <a:noFill/>
-          <a:ln>
-            <a:noFill/>
-          </a:ln>
-          <a:extLst>
-            <a:ext uri="{909E8E84-426E-40DD-AFC4-6F175D3DCCD1}">
-              <a14:hiddenFill xmlns:a14="http://schemas.microsoft.com/office/drawing/2010/main">
-                <a:solidFill>
-                  <a:srgbClr val="FFFFFF"/>
-                </a:solidFill>
-              </a14:hiddenFill>
-            </a:ext>
-            <a:ext uri="{91240B29-F687-4F45-9708-019B960494DF}">
-              <a14:hiddenLine xmlns:a14="http://schemas.microsoft.com/office/drawing/2010/main" w="9525">
-                <a:solidFill>
-                  <a:srgbClr val="000000"/>
-                </a:solidFill>
-                <a:miter lim="800000"/>
-                <a:headEnd/>
-                <a:tailEnd/>
-              </a14:hiddenLine>
-            </a:ext>
-          </a:extLst>
-        </p:spPr>
-        <p:txBody>
-          <a:bodyPr vert="horz" wrap="square" lIns="91440" tIns="45720" rIns="91440" bIns="45720" numCol="1" anchor="t" anchorCtr="0" compatLnSpc="1">
-            <a:prstTxWarp prst="textNoShape">
-              <a:avLst/>
-            </a:prstTxWarp>
-          </a:bodyPr>
-          <a:lstStyle/>
-          <a:p>
-            <a:pPr marL="0" marR="0" lvl="0" indent="0" algn="ctr" defTabSz="914400" rtl="0" eaLnBrk="0" fontAlgn="base" latinLnBrk="0" hangingPunct="0">
-              <a:lnSpc>
-                <a:spcPct val="100000"/>
-              </a:lnSpc>
-              <a:spcBef>
-                <a:spcPct val="0"/>
-              </a:spcBef>
-              <a:spcAft>
-                <a:spcPct val="0"/>
-              </a:spcAft>
-              <a:buClrTx/>
-              <a:buSzTx/>
-              <a:buFontTx/>
-              <a:buNone/>
-              <a:tabLst/>
-            </a:pPr>
-            <a:r>
-              <a:rPr kumimoji="0" lang="en-US" altLang="en-US" sz="800" b="0" i="0" u="none" strike="noStrike" cap="none" normalizeH="0" baseline="0">
-                <a:ln>
-                  <a:noFill/>
-                </a:ln>
-                <a:solidFill>
-                  <a:schemeClr val="tx1"/>
-                </a:solidFill>
-                <a:effectLst/>
-                <a:latin typeface="Arial" panose="020B0604020202020204" pitchFamily="34" charset="0"/>
-                <a:ea typeface="Times New Roman" panose="02020603050405020304" pitchFamily="18" charset="0"/>
-              </a:rPr>
-              <a:t>7. Retrieve Document</a:t>
-            </a:r>
-            <a:endParaRPr kumimoji="0" lang="en-US" altLang="en-US" sz="1800" b="0" i="0" u="none" strike="noStrike" cap="none" normalizeH="0" baseline="0">
-              <a:ln>
-                <a:noFill/>
-              </a:ln>
-              <a:solidFill>
-                <a:schemeClr val="tx1"/>
-              </a:solidFill>
-              <a:effectLst/>
-              <a:latin typeface="Arial" panose="020B0604020202020204" pitchFamily="34" charset="0"/>
-            </a:endParaRPr>
-          </a:p>
-        </p:txBody>
-      </p:sp>
-      <p:sp>
-        <p:nvSpPr>
-          <p:cNvPr id="65" name="Rectangle 48">
-            <a:extLst>
-              <a:ext uri="{FF2B5EF4-FFF2-40B4-BE49-F238E27FC236}">
-                <a16:creationId xmlns:a16="http://schemas.microsoft.com/office/drawing/2014/main" id="{C99561A6-2F44-3B46-BDC0-56DFC4E524E9}"/>
-              </a:ext>
-            </a:extLst>
-          </p:cNvPr>
-          <p:cNvSpPr>
-            <a:spLocks noChangeArrowheads="1"/>
-          </p:cNvSpPr>
-          <p:nvPr/>
-        </p:nvSpPr>
-        <p:spPr bwMode="auto">
-          <a:xfrm>
-            <a:off x="3495675" y="457200"/>
+            <a:off x="3495675" y="2294084"/>
             <a:ext cx="114300" cy="280988"/>
           </a:xfrm>
           <a:prstGeom prst="rect">
@@ -5854,75 +5847,6 @@
             <a:prstTxWarp prst="textNoShape">
               <a:avLst/>
             </a:prstTxWarp>
-          </a:bodyPr>
-          <a:lstStyle/>
-          <a:p>
-            <a:endParaRPr lang="en-US"/>
-          </a:p>
-        </p:txBody>
-      </p:sp>
-      <p:sp>
-        <p:nvSpPr>
-          <p:cNvPr id="66" name="Rectangle 72">
-            <a:extLst>
-              <a:ext uri="{FF2B5EF4-FFF2-40B4-BE49-F238E27FC236}">
-                <a16:creationId xmlns:a16="http://schemas.microsoft.com/office/drawing/2014/main" id="{351BA6FC-75F6-584A-A163-364FBF85206C}"/>
-              </a:ext>
-            </a:extLst>
-          </p:cNvPr>
-          <p:cNvSpPr>
-            <a:spLocks noChangeArrowheads="1"/>
-          </p:cNvSpPr>
-          <p:nvPr/>
-        </p:nvSpPr>
-        <p:spPr bwMode="auto">
-          <a:xfrm>
-            <a:off x="0" y="0"/>
-            <a:ext cx="12192000" cy="457200"/>
-          </a:xfrm>
-          <a:prstGeom prst="rect">
-            <a:avLst/>
-          </a:prstGeom>
-          <a:noFill/>
-          <a:ln>
-            <a:noFill/>
-          </a:ln>
-          <a:effectLst/>
-          <a:extLst>
-            <a:ext uri="{909E8E84-426E-40DD-AFC4-6F175D3DCCD1}">
-              <a14:hiddenFill xmlns:a14="http://schemas.microsoft.com/office/drawing/2010/main">
-                <a:solidFill>
-                  <a:schemeClr val="accent1"/>
-                </a:solidFill>
-              </a14:hiddenFill>
-            </a:ext>
-            <a:ext uri="{91240B29-F687-4F45-9708-019B960494DF}">
-              <a14:hiddenLine xmlns:a14="http://schemas.microsoft.com/office/drawing/2010/main" w="9525">
-                <a:solidFill>
-                  <a:schemeClr val="tx1"/>
-                </a:solidFill>
-                <a:miter lim="800000"/>
-                <a:headEnd/>
-                <a:tailEnd/>
-              </a14:hiddenLine>
-            </a:ext>
-            <a:ext uri="{AF507438-7753-43E0-B8FC-AC1667EBCBE1}">
-              <a14:hiddenEffects xmlns:a14="http://schemas.microsoft.com/office/drawing/2010/main">
-                <a:effectLst>
-                  <a:outerShdw dist="35921" dir="2700000" algn="ctr" rotWithShape="0">
-                    <a:schemeClr val="bg2"/>
-                  </a:outerShdw>
-                </a:effectLst>
-              </a14:hiddenEffects>
-            </a:ext>
-          </a:extLst>
-        </p:spPr>
-        <p:txBody>
-          <a:bodyPr vert="horz" wrap="none" lIns="91440" tIns="45720" rIns="91440" bIns="45720" numCol="1" anchor="ctr" anchorCtr="0" compatLnSpc="1">
-            <a:prstTxWarp prst="textNoShape">
-              <a:avLst/>
-            </a:prstTxWarp>
-            <a:spAutoFit/>
           </a:bodyPr>
           <a:lstStyle/>
           <a:p>

--- a/ITI/TF/Volume1/media/Figure_10.3-3.pptx
+++ b/ITI/TF/Volume1/media/Figure_10.3-3.pptx
@@ -259,7 +259,7 @@
           <a:p>
             <a:fld id="{6A0B1158-10A5-914F-89B8-F5589B8ED6C9}" type="datetimeFigureOut">
               <a:rPr lang="en-US" smtClean="0"/>
-              <a:t>8/25/20</a:t>
+              <a:t>8/26/20</a:t>
             </a:fld>
             <a:endParaRPr lang="en-US"/>
           </a:p>
@@ -457,7 +457,7 @@
           <a:p>
             <a:fld id="{6A0B1158-10A5-914F-89B8-F5589B8ED6C9}" type="datetimeFigureOut">
               <a:rPr lang="en-US" smtClean="0"/>
-              <a:t>8/25/20</a:t>
+              <a:t>8/26/20</a:t>
             </a:fld>
             <a:endParaRPr lang="en-US"/>
           </a:p>
@@ -665,7 +665,7 @@
           <a:p>
             <a:fld id="{6A0B1158-10A5-914F-89B8-F5589B8ED6C9}" type="datetimeFigureOut">
               <a:rPr lang="en-US" smtClean="0"/>
-              <a:t>8/25/20</a:t>
+              <a:t>8/26/20</a:t>
             </a:fld>
             <a:endParaRPr lang="en-US"/>
           </a:p>
@@ -863,7 +863,7 @@
           <a:p>
             <a:fld id="{6A0B1158-10A5-914F-89B8-F5589B8ED6C9}" type="datetimeFigureOut">
               <a:rPr lang="en-US" smtClean="0"/>
-              <a:t>8/25/20</a:t>
+              <a:t>8/26/20</a:t>
             </a:fld>
             <a:endParaRPr lang="en-US"/>
           </a:p>
@@ -1138,7 +1138,7 @@
           <a:p>
             <a:fld id="{6A0B1158-10A5-914F-89B8-F5589B8ED6C9}" type="datetimeFigureOut">
               <a:rPr lang="en-US" smtClean="0"/>
-              <a:t>8/25/20</a:t>
+              <a:t>8/26/20</a:t>
             </a:fld>
             <a:endParaRPr lang="en-US"/>
           </a:p>
@@ -1403,7 +1403,7 @@
           <a:p>
             <a:fld id="{6A0B1158-10A5-914F-89B8-F5589B8ED6C9}" type="datetimeFigureOut">
               <a:rPr lang="en-US" smtClean="0"/>
-              <a:t>8/25/20</a:t>
+              <a:t>8/26/20</a:t>
             </a:fld>
             <a:endParaRPr lang="en-US"/>
           </a:p>
@@ -1815,7 +1815,7 @@
           <a:p>
             <a:fld id="{6A0B1158-10A5-914F-89B8-F5589B8ED6C9}" type="datetimeFigureOut">
               <a:rPr lang="en-US" smtClean="0"/>
-              <a:t>8/25/20</a:t>
+              <a:t>8/26/20</a:t>
             </a:fld>
             <a:endParaRPr lang="en-US"/>
           </a:p>
@@ -1956,7 +1956,7 @@
           <a:p>
             <a:fld id="{6A0B1158-10A5-914F-89B8-F5589B8ED6C9}" type="datetimeFigureOut">
               <a:rPr lang="en-US" smtClean="0"/>
-              <a:t>8/25/20</a:t>
+              <a:t>8/26/20</a:t>
             </a:fld>
             <a:endParaRPr lang="en-US"/>
           </a:p>
@@ -2069,7 +2069,7 @@
           <a:p>
             <a:fld id="{6A0B1158-10A5-914F-89B8-F5589B8ED6C9}" type="datetimeFigureOut">
               <a:rPr lang="en-US" smtClean="0"/>
-              <a:t>8/25/20</a:t>
+              <a:t>8/26/20</a:t>
             </a:fld>
             <a:endParaRPr lang="en-US"/>
           </a:p>
@@ -2380,7 +2380,7 @@
           <a:p>
             <a:fld id="{6A0B1158-10A5-914F-89B8-F5589B8ED6C9}" type="datetimeFigureOut">
               <a:rPr lang="en-US" smtClean="0"/>
-              <a:t>8/25/20</a:t>
+              <a:t>8/26/20</a:t>
             </a:fld>
             <a:endParaRPr lang="en-US"/>
           </a:p>
@@ -2668,7 +2668,7 @@
           <a:p>
             <a:fld id="{6A0B1158-10A5-914F-89B8-F5589B8ED6C9}" type="datetimeFigureOut">
               <a:rPr lang="en-US" smtClean="0"/>
-              <a:t>8/25/20</a:t>
+              <a:t>8/26/20</a:t>
             </a:fld>
             <a:endParaRPr lang="en-US"/>
           </a:p>
@@ -2909,7 +2909,7 @@
           <a:p>
             <a:fld id="{6A0B1158-10A5-914F-89B8-F5589B8ED6C9}" type="datetimeFigureOut">
               <a:rPr lang="en-US" smtClean="0"/>
-              <a:t>8/25/20</a:t>
+              <a:t>8/26/20</a:t>
             </a:fld>
             <a:endParaRPr lang="en-US"/>
           </a:p>
@@ -3328,6 +3328,556 @@
       </p:grpSpPr>
       <p:sp>
         <p:nvSpPr>
+          <p:cNvPr id="33" name="Rectangle 46">
+            <a:extLst>
+              <a:ext uri="{FF2B5EF4-FFF2-40B4-BE49-F238E27FC236}">
+                <a16:creationId xmlns:a16="http://schemas.microsoft.com/office/drawing/2014/main" id="{94A65431-F72C-474E-9D0D-88111969E48C}"/>
+              </a:ext>
+            </a:extLst>
+          </p:cNvPr>
+          <p:cNvSpPr>
+            <a:spLocks noChangeArrowheads="1"/>
+          </p:cNvSpPr>
+          <p:nvPr/>
+        </p:nvSpPr>
+        <p:spPr bwMode="auto">
+          <a:xfrm>
+            <a:off x="2874189" y="457200"/>
+            <a:ext cx="1452561" cy="564208"/>
+          </a:xfrm>
+          <a:prstGeom prst="rect">
+            <a:avLst/>
+          </a:prstGeom>
+          <a:solidFill>
+            <a:srgbClr val="FFFFFF"/>
+          </a:solidFill>
+          <a:ln>
+            <a:noFill/>
+          </a:ln>
+          <a:extLst>
+            <a:ext uri="{91240B29-F687-4F45-9708-019B960494DF}">
+              <a14:hiddenLine xmlns:a14="http://schemas.microsoft.com/office/drawing/2010/main" w="9525">
+                <a:solidFill>
+                  <a:srgbClr val="000000"/>
+                </a:solidFill>
+                <a:miter lim="800000"/>
+                <a:headEnd/>
+                <a:tailEnd/>
+              </a14:hiddenLine>
+            </a:ext>
+          </a:extLst>
+        </p:spPr>
+        <p:txBody>
+          <a:bodyPr vert="horz" wrap="square" lIns="91440" tIns="45720" rIns="91440" bIns="45720" numCol="1" anchor="t" anchorCtr="0" compatLnSpc="1">
+            <a:prstTxWarp prst="textNoShape">
+              <a:avLst/>
+            </a:prstTxWarp>
+          </a:bodyPr>
+          <a:lstStyle/>
+          <a:p>
+            <a:pPr marL="0" marR="0" lvl="0" indent="0" algn="l" defTabSz="914400" rtl="0" eaLnBrk="0" fontAlgn="base" latinLnBrk="0" hangingPunct="0">
+              <a:lnSpc>
+                <a:spcPct val="100000"/>
+              </a:lnSpc>
+              <a:spcBef>
+                <a:spcPct val="0"/>
+              </a:spcBef>
+              <a:spcAft>
+                <a:spcPct val="0"/>
+              </a:spcAft>
+              <a:buClrTx/>
+              <a:buSzTx/>
+              <a:buFontTx/>
+              <a:buNone/>
+              <a:tabLst/>
+            </a:pPr>
+            <a:endParaRPr kumimoji="0" lang="en-US" altLang="en-US" sz="900" b="0" i="0" u="none" strike="noStrike" cap="none" normalizeH="0" baseline="0" dirty="0">
+              <a:ln>
+                <a:noFill/>
+              </a:ln>
+              <a:solidFill>
+                <a:schemeClr val="tx1"/>
+              </a:solidFill>
+              <a:effectLst/>
+              <a:latin typeface="Arial" panose="020B0604020202020204" pitchFamily="34" charset="0"/>
+              <a:ea typeface="Times New Roman" panose="02020603050405020304" pitchFamily="18" charset="0"/>
+            </a:endParaRPr>
+          </a:p>
+          <a:p>
+            <a:pPr marL="0" marR="0" lvl="0" indent="0" algn="ctr" defTabSz="914400" rtl="0" eaLnBrk="0" fontAlgn="base" latinLnBrk="0" hangingPunct="0">
+              <a:lnSpc>
+                <a:spcPct val="100000"/>
+              </a:lnSpc>
+              <a:spcBef>
+                <a:spcPct val="0"/>
+              </a:spcBef>
+              <a:spcAft>
+                <a:spcPct val="0"/>
+              </a:spcAft>
+              <a:buClrTx/>
+              <a:buSzTx/>
+              <a:buFontTx/>
+              <a:buNone/>
+              <a:tabLst/>
+            </a:pPr>
+            <a:r>
+              <a:rPr kumimoji="0" lang="en-US" altLang="en-US" sz="900" b="0" i="0" u="none" strike="noStrike" cap="none" normalizeH="0" baseline="0" dirty="0">
+                <a:ln>
+                  <a:noFill/>
+                </a:ln>
+                <a:solidFill>
+                  <a:schemeClr val="tx1"/>
+                </a:solidFill>
+                <a:effectLst/>
+                <a:latin typeface="Arial" panose="020B0604020202020204" pitchFamily="34" charset="0"/>
+                <a:ea typeface="Times New Roman" panose="02020603050405020304" pitchFamily="18" charset="0"/>
+              </a:rPr>
+              <a:t>Document Repository:</a:t>
+            </a:r>
+            <a:br>
+              <a:rPr kumimoji="0" lang="en-US" altLang="en-US" sz="900" b="0" i="0" u="none" strike="noStrike" cap="none" normalizeH="0" baseline="0" dirty="0">
+                <a:ln>
+                  <a:noFill/>
+                </a:ln>
+                <a:solidFill>
+                  <a:schemeClr val="tx1"/>
+                </a:solidFill>
+                <a:effectLst/>
+                <a:latin typeface="Arial" panose="020B0604020202020204" pitchFamily="34" charset="0"/>
+                <a:ea typeface="Times New Roman" panose="02020603050405020304" pitchFamily="18" charset="0"/>
+              </a:rPr>
+            </a:br>
+            <a:r>
+              <a:rPr kumimoji="0" lang="en-US" altLang="en-US" sz="900" b="0" i="1" u="none" strike="noStrike" cap="none" normalizeH="0" baseline="0" dirty="0">
+                <a:ln>
+                  <a:noFill/>
+                </a:ln>
+                <a:solidFill>
+                  <a:schemeClr val="tx1"/>
+                </a:solidFill>
+                <a:effectLst/>
+                <a:latin typeface="Arial" panose="020B0604020202020204" pitchFamily="34" charset="0"/>
+                <a:ea typeface="Times New Roman" panose="02020603050405020304" pitchFamily="18" charset="0"/>
+              </a:rPr>
+              <a:t>(Cardiology Network)</a:t>
+            </a:r>
+            <a:endParaRPr kumimoji="0" lang="en-US" altLang="en-US" sz="1800" b="0" i="0" u="none" strike="noStrike" cap="none" normalizeH="0" baseline="0" dirty="0">
+              <a:ln>
+                <a:noFill/>
+              </a:ln>
+              <a:solidFill>
+                <a:schemeClr val="tx1"/>
+              </a:solidFill>
+              <a:effectLst/>
+              <a:latin typeface="Arial" panose="020B0604020202020204" pitchFamily="34" charset="0"/>
+            </a:endParaRPr>
+          </a:p>
+        </p:txBody>
+      </p:sp>
+      <p:sp>
+        <p:nvSpPr>
+          <p:cNvPr id="34" name="Rectangle 37">
+            <a:extLst>
+              <a:ext uri="{FF2B5EF4-FFF2-40B4-BE49-F238E27FC236}">
+                <a16:creationId xmlns:a16="http://schemas.microsoft.com/office/drawing/2014/main" id="{191FC7F3-DE0F-534A-8875-40E87753F150}"/>
+              </a:ext>
+            </a:extLst>
+          </p:cNvPr>
+          <p:cNvSpPr>
+            <a:spLocks noChangeArrowheads="1"/>
+          </p:cNvSpPr>
+          <p:nvPr/>
+        </p:nvSpPr>
+        <p:spPr bwMode="auto">
+          <a:xfrm>
+            <a:off x="1477962" y="457200"/>
+            <a:ext cx="1186763" cy="338138"/>
+          </a:xfrm>
+          <a:prstGeom prst="rect">
+            <a:avLst/>
+          </a:prstGeom>
+          <a:solidFill>
+            <a:srgbClr val="FFFFFF"/>
+          </a:solidFill>
+          <a:ln>
+            <a:noFill/>
+          </a:ln>
+          <a:extLst>
+            <a:ext uri="{91240B29-F687-4F45-9708-019B960494DF}">
+              <a14:hiddenLine xmlns:a14="http://schemas.microsoft.com/office/drawing/2010/main" w="9525">
+                <a:solidFill>
+                  <a:srgbClr val="000000"/>
+                </a:solidFill>
+                <a:miter lim="800000"/>
+                <a:headEnd/>
+                <a:tailEnd/>
+              </a14:hiddenLine>
+            </a:ext>
+          </a:extLst>
+        </p:spPr>
+        <p:txBody>
+          <a:bodyPr vert="horz" wrap="square" lIns="91440" tIns="45720" rIns="91440" bIns="45720" numCol="1" anchor="t" anchorCtr="0" compatLnSpc="1">
+            <a:prstTxWarp prst="textNoShape">
+              <a:avLst/>
+            </a:prstTxWarp>
+          </a:bodyPr>
+          <a:lstStyle/>
+          <a:p>
+            <a:pPr marL="0" marR="0" lvl="0" indent="0" algn="l" defTabSz="914400" rtl="0" eaLnBrk="0" fontAlgn="base" latinLnBrk="0" hangingPunct="0">
+              <a:lnSpc>
+                <a:spcPct val="100000"/>
+              </a:lnSpc>
+              <a:spcBef>
+                <a:spcPct val="0"/>
+              </a:spcBef>
+              <a:spcAft>
+                <a:spcPct val="0"/>
+              </a:spcAft>
+              <a:buClrTx/>
+              <a:buSzTx/>
+              <a:buFontTx/>
+              <a:buNone/>
+              <a:tabLst/>
+            </a:pPr>
+            <a:endParaRPr kumimoji="0" lang="fr-FR" altLang="en-US" sz="900" b="0" i="0" u="none" strike="noStrike" cap="none" normalizeH="0" baseline="0" dirty="0">
+              <a:ln>
+                <a:noFill/>
+              </a:ln>
+              <a:solidFill>
+                <a:schemeClr val="tx1"/>
+              </a:solidFill>
+              <a:effectLst/>
+              <a:latin typeface="Arial" panose="020B0604020202020204" pitchFamily="34" charset="0"/>
+              <a:ea typeface="Times New Roman" panose="02020603050405020304" pitchFamily="18" charset="0"/>
+            </a:endParaRPr>
+          </a:p>
+          <a:p>
+            <a:pPr marL="0" marR="0" lvl="0" indent="0" algn="ctr" defTabSz="914400" rtl="0" eaLnBrk="0" fontAlgn="base" latinLnBrk="0" hangingPunct="0">
+              <a:lnSpc>
+                <a:spcPct val="100000"/>
+              </a:lnSpc>
+              <a:spcBef>
+                <a:spcPct val="0"/>
+              </a:spcBef>
+              <a:spcAft>
+                <a:spcPct val="0"/>
+              </a:spcAft>
+              <a:buClrTx/>
+              <a:buSzTx/>
+              <a:buFontTx/>
+              <a:buNone/>
+              <a:tabLst/>
+            </a:pPr>
+            <a:r>
+              <a:rPr kumimoji="0" lang="fr-FR" altLang="en-US" sz="900" b="0" i="0" u="none" strike="noStrike" cap="none" normalizeH="0" baseline="0" dirty="0">
+                <a:ln>
+                  <a:noFill/>
+                </a:ln>
+                <a:solidFill>
+                  <a:schemeClr val="tx1"/>
+                </a:solidFill>
+                <a:effectLst/>
+                <a:latin typeface="Arial" panose="020B0604020202020204" pitchFamily="34" charset="0"/>
+                <a:ea typeface="Times New Roman" panose="02020603050405020304" pitchFamily="18" charset="0"/>
+              </a:rPr>
+              <a:t>Document Source: </a:t>
+            </a:r>
+            <a:br>
+              <a:rPr kumimoji="0" lang="fr-FR" altLang="en-US" sz="900" b="0" i="0" u="none" strike="noStrike" cap="none" normalizeH="0" baseline="0" dirty="0">
+                <a:ln>
+                  <a:noFill/>
+                </a:ln>
+                <a:solidFill>
+                  <a:schemeClr val="tx1"/>
+                </a:solidFill>
+                <a:effectLst/>
+                <a:latin typeface="Arial" panose="020B0604020202020204" pitchFamily="34" charset="0"/>
+                <a:ea typeface="Times New Roman" panose="02020603050405020304" pitchFamily="18" charset="0"/>
+              </a:rPr>
+            </a:br>
+            <a:r>
+              <a:rPr kumimoji="0" lang="fr-FR" altLang="en-US" sz="900" b="0" i="1" u="none" strike="noStrike" cap="none" normalizeH="0" baseline="0" dirty="0">
+                <a:ln>
+                  <a:noFill/>
+                </a:ln>
+                <a:solidFill>
+                  <a:schemeClr val="tx1"/>
+                </a:solidFill>
+                <a:effectLst/>
+                <a:latin typeface="Arial" panose="020B0604020202020204" pitchFamily="34" charset="0"/>
+                <a:ea typeface="Times New Roman" panose="02020603050405020304" pitchFamily="18" charset="0"/>
+              </a:rPr>
+              <a:t>(PCP EHR-CR)</a:t>
+            </a:r>
+            <a:endParaRPr kumimoji="0" lang="fr-FR" altLang="en-US" sz="1800" b="0" i="0" u="none" strike="noStrike" cap="none" normalizeH="0" baseline="0" dirty="0">
+              <a:ln>
+                <a:noFill/>
+              </a:ln>
+              <a:solidFill>
+                <a:schemeClr val="tx1"/>
+              </a:solidFill>
+              <a:effectLst/>
+              <a:latin typeface="Arial" panose="020B0604020202020204" pitchFamily="34" charset="0"/>
+            </a:endParaRPr>
+          </a:p>
+        </p:txBody>
+      </p:sp>
+      <p:sp>
+        <p:nvSpPr>
+          <p:cNvPr id="45" name="Rectangle 38">
+            <a:extLst>
+              <a:ext uri="{FF2B5EF4-FFF2-40B4-BE49-F238E27FC236}">
+                <a16:creationId xmlns:a16="http://schemas.microsoft.com/office/drawing/2014/main" id="{29529D65-E136-044A-9AB9-037D4CA837AD}"/>
+              </a:ext>
+            </a:extLst>
+          </p:cNvPr>
+          <p:cNvSpPr>
+            <a:spLocks noChangeArrowheads="1"/>
+          </p:cNvSpPr>
+          <p:nvPr/>
+        </p:nvSpPr>
+        <p:spPr bwMode="auto">
+          <a:xfrm>
+            <a:off x="66674" y="457200"/>
+            <a:ext cx="1527175" cy="421158"/>
+          </a:xfrm>
+          <a:prstGeom prst="rect">
+            <a:avLst/>
+          </a:prstGeom>
+          <a:solidFill>
+            <a:srgbClr val="FFFFFF"/>
+          </a:solidFill>
+          <a:ln>
+            <a:noFill/>
+          </a:ln>
+          <a:extLst>
+            <a:ext uri="{91240B29-F687-4F45-9708-019B960494DF}">
+              <a14:hiddenLine xmlns:a14="http://schemas.microsoft.com/office/drawing/2010/main" w="9525">
+                <a:solidFill>
+                  <a:srgbClr val="000000"/>
+                </a:solidFill>
+                <a:miter lim="800000"/>
+                <a:headEnd/>
+                <a:tailEnd/>
+              </a14:hiddenLine>
+            </a:ext>
+          </a:extLst>
+        </p:spPr>
+        <p:txBody>
+          <a:bodyPr vert="horz" wrap="square" lIns="91440" tIns="45720" rIns="91440" bIns="45720" numCol="1" anchor="t" anchorCtr="0" compatLnSpc="1">
+            <a:prstTxWarp prst="textNoShape">
+              <a:avLst/>
+            </a:prstTxWarp>
+          </a:bodyPr>
+          <a:lstStyle/>
+          <a:p>
+            <a:pPr marL="0" marR="0" lvl="0" indent="0" algn="l" defTabSz="914400" rtl="0" eaLnBrk="0" fontAlgn="base" latinLnBrk="0" hangingPunct="0">
+              <a:lnSpc>
+                <a:spcPct val="100000"/>
+              </a:lnSpc>
+              <a:spcBef>
+                <a:spcPct val="0"/>
+              </a:spcBef>
+              <a:spcAft>
+                <a:spcPct val="0"/>
+              </a:spcAft>
+              <a:buClrTx/>
+              <a:buSzTx/>
+              <a:buFontTx/>
+              <a:buNone/>
+              <a:tabLst/>
+            </a:pPr>
+            <a:endParaRPr kumimoji="0" lang="en-US" altLang="en-US" sz="900" b="0" i="0" u="none" strike="noStrike" cap="none" normalizeH="0" baseline="0" dirty="0">
+              <a:ln>
+                <a:noFill/>
+              </a:ln>
+              <a:solidFill>
+                <a:schemeClr val="tx1"/>
+              </a:solidFill>
+              <a:effectLst/>
+              <a:latin typeface="Arial" panose="020B0604020202020204" pitchFamily="34" charset="0"/>
+              <a:ea typeface="Times New Roman" panose="02020603050405020304" pitchFamily="18" charset="0"/>
+            </a:endParaRPr>
+          </a:p>
+          <a:p>
+            <a:pPr marL="0" marR="0" lvl="0" indent="0" algn="ctr" defTabSz="914400" rtl="0" eaLnBrk="0" fontAlgn="base" latinLnBrk="0" hangingPunct="0">
+              <a:lnSpc>
+                <a:spcPct val="100000"/>
+              </a:lnSpc>
+              <a:spcBef>
+                <a:spcPct val="0"/>
+              </a:spcBef>
+              <a:spcAft>
+                <a:spcPct val="0"/>
+              </a:spcAft>
+              <a:buClrTx/>
+              <a:buSzTx/>
+              <a:buFontTx/>
+              <a:buNone/>
+              <a:tabLst/>
+            </a:pPr>
+            <a:r>
+              <a:rPr kumimoji="0" lang="en-US" altLang="en-US" sz="900" b="0" i="0" u="none" strike="noStrike" cap="none" normalizeH="0" baseline="0" dirty="0">
+                <a:ln>
+                  <a:noFill/>
+                </a:ln>
+                <a:solidFill>
+                  <a:schemeClr val="tx1"/>
+                </a:solidFill>
+                <a:effectLst/>
+                <a:latin typeface="Arial" panose="020B0604020202020204" pitchFamily="34" charset="0"/>
+                <a:ea typeface="Times New Roman" panose="02020603050405020304" pitchFamily="18" charset="0"/>
+              </a:rPr>
+              <a:t>Document Consumer:</a:t>
+            </a:r>
+            <a:br>
+              <a:rPr kumimoji="0" lang="en-US" altLang="en-US" sz="900" b="0" i="1" u="none" strike="noStrike" cap="none" normalizeH="0" baseline="0" dirty="0">
+                <a:ln>
+                  <a:noFill/>
+                </a:ln>
+                <a:solidFill>
+                  <a:schemeClr val="tx1"/>
+                </a:solidFill>
+                <a:effectLst/>
+                <a:latin typeface="Arial" panose="020B0604020202020204" pitchFamily="34" charset="0"/>
+                <a:ea typeface="Times New Roman" panose="02020603050405020304" pitchFamily="18" charset="0"/>
+              </a:rPr>
+            </a:br>
+            <a:r>
+              <a:rPr kumimoji="0" lang="en-US" altLang="en-US" sz="900" b="0" i="1" u="none" strike="noStrike" cap="none" normalizeH="0" baseline="0" dirty="0">
+                <a:ln>
+                  <a:noFill/>
+                </a:ln>
+                <a:solidFill>
+                  <a:schemeClr val="tx1"/>
+                </a:solidFill>
+                <a:effectLst/>
+                <a:latin typeface="Arial" panose="020B0604020202020204" pitchFamily="34" charset="0"/>
+                <a:ea typeface="Times New Roman" panose="02020603050405020304" pitchFamily="18" charset="0"/>
+              </a:rPr>
+              <a:t>(PCP EHR-CR)</a:t>
+            </a:r>
+            <a:endParaRPr kumimoji="0" lang="en-US" altLang="en-US" sz="1800" b="0" i="0" u="none" strike="noStrike" cap="none" normalizeH="0" baseline="0" dirty="0">
+              <a:ln>
+                <a:noFill/>
+              </a:ln>
+              <a:solidFill>
+                <a:schemeClr val="tx1"/>
+              </a:solidFill>
+              <a:effectLst/>
+              <a:latin typeface="Arial" panose="020B0604020202020204" pitchFamily="34" charset="0"/>
+            </a:endParaRPr>
+          </a:p>
+        </p:txBody>
+      </p:sp>
+      <p:sp>
+        <p:nvSpPr>
+          <p:cNvPr id="35" name="Rectangle 45">
+            <a:extLst>
+              <a:ext uri="{FF2B5EF4-FFF2-40B4-BE49-F238E27FC236}">
+                <a16:creationId xmlns:a16="http://schemas.microsoft.com/office/drawing/2014/main" id="{DB60165E-20BD-3C4D-9B8B-42AA2CBB8F94}"/>
+              </a:ext>
+            </a:extLst>
+          </p:cNvPr>
+          <p:cNvSpPr>
+            <a:spLocks noChangeArrowheads="1"/>
+          </p:cNvSpPr>
+          <p:nvPr/>
+        </p:nvSpPr>
+        <p:spPr bwMode="auto">
+          <a:xfrm>
+            <a:off x="4318812" y="563755"/>
+            <a:ext cx="1423165" cy="443702"/>
+          </a:xfrm>
+          <a:prstGeom prst="rect">
+            <a:avLst/>
+          </a:prstGeom>
+          <a:solidFill>
+            <a:srgbClr val="FFFFFF"/>
+          </a:solidFill>
+          <a:ln>
+            <a:noFill/>
+          </a:ln>
+          <a:extLst>
+            <a:ext uri="{91240B29-F687-4F45-9708-019B960494DF}">
+              <a14:hiddenLine xmlns:a14="http://schemas.microsoft.com/office/drawing/2010/main" w="9525">
+                <a:solidFill>
+                  <a:srgbClr val="000000"/>
+                </a:solidFill>
+                <a:miter lim="800000"/>
+                <a:headEnd/>
+                <a:tailEnd/>
+              </a14:hiddenLine>
+            </a:ext>
+          </a:extLst>
+        </p:spPr>
+        <p:txBody>
+          <a:bodyPr vert="horz" wrap="square" lIns="91440" tIns="45720" rIns="91440" bIns="45720" numCol="1" anchor="t" anchorCtr="0" compatLnSpc="1">
+            <a:prstTxWarp prst="textNoShape">
+              <a:avLst/>
+            </a:prstTxWarp>
+          </a:bodyPr>
+          <a:lstStyle/>
+          <a:p>
+            <a:pPr marL="0" marR="0" lvl="0" indent="0" algn="ctr" defTabSz="914400" rtl="0" eaLnBrk="0" fontAlgn="base" latinLnBrk="0" hangingPunct="0">
+              <a:lnSpc>
+                <a:spcPct val="100000"/>
+              </a:lnSpc>
+              <a:spcBef>
+                <a:spcPct val="0"/>
+              </a:spcBef>
+              <a:spcAft>
+                <a:spcPct val="0"/>
+              </a:spcAft>
+              <a:buClrTx/>
+              <a:buSzTx/>
+              <a:buFontTx/>
+              <a:buNone/>
+              <a:tabLst/>
+            </a:pPr>
+            <a:r>
+              <a:rPr kumimoji="0" lang="en-US" altLang="en-US" sz="900" b="0" i="0" u="none" strike="noStrike" cap="none" normalizeH="0" baseline="0" dirty="0">
+                <a:ln>
+                  <a:noFill/>
+                </a:ln>
+                <a:solidFill>
+                  <a:schemeClr val="tx1"/>
+                </a:solidFill>
+                <a:effectLst/>
+                <a:latin typeface="Arial" panose="020B0604020202020204" pitchFamily="34" charset="0"/>
+                <a:ea typeface="Times New Roman" panose="02020603050405020304" pitchFamily="18" charset="0"/>
+              </a:rPr>
+              <a:t>Document Registry: </a:t>
+            </a:r>
+            <a:r>
+              <a:rPr kumimoji="0" lang="en-US" altLang="en-US" sz="900" b="0" i="1" u="none" strike="noStrike" cap="none" normalizeH="0" baseline="0" dirty="0">
+                <a:ln>
+                  <a:noFill/>
+                </a:ln>
+                <a:solidFill>
+                  <a:schemeClr val="tx1"/>
+                </a:solidFill>
+                <a:effectLst/>
+                <a:latin typeface="Arial" panose="020B0604020202020204" pitchFamily="34" charset="0"/>
+                <a:ea typeface="Times New Roman" panose="02020603050405020304" pitchFamily="18" charset="0"/>
+              </a:rPr>
+              <a:t>(Cardiology Network)</a:t>
+            </a:r>
+            <a:endParaRPr kumimoji="0" lang="en-US" altLang="en-US" sz="1800" b="0" i="0" u="none" strike="noStrike" cap="none" normalizeH="0" baseline="0" dirty="0">
+              <a:ln>
+                <a:noFill/>
+              </a:ln>
+              <a:solidFill>
+                <a:schemeClr val="tx1"/>
+              </a:solidFill>
+              <a:effectLst/>
+              <a:latin typeface="Arial" panose="020B0604020202020204" pitchFamily="34" charset="0"/>
+            </a:endParaRPr>
+          </a:p>
+        </p:txBody>
+      </p:sp>
+      <p:sp>
+        <p:nvSpPr>
           <p:cNvPr id="31" name="Line 71">
             <a:extLst>
               <a:ext uri="{FF2B5EF4-FFF2-40B4-BE49-F238E27FC236}">
@@ -3428,408 +3978,6 @@
           <a:lstStyle/>
           <a:p>
             <a:endParaRPr lang="en-US"/>
-          </a:p>
-        </p:txBody>
-      </p:sp>
-      <p:sp>
-        <p:nvSpPr>
-          <p:cNvPr id="33" name="Rectangle 46">
-            <a:extLst>
-              <a:ext uri="{FF2B5EF4-FFF2-40B4-BE49-F238E27FC236}">
-                <a16:creationId xmlns:a16="http://schemas.microsoft.com/office/drawing/2014/main" id="{94A65431-F72C-474E-9D0D-88111969E48C}"/>
-              </a:ext>
-            </a:extLst>
-          </p:cNvPr>
-          <p:cNvSpPr>
-            <a:spLocks noChangeArrowheads="1"/>
-          </p:cNvSpPr>
-          <p:nvPr/>
-        </p:nvSpPr>
-        <p:spPr bwMode="auto">
-          <a:xfrm>
-            <a:off x="2874189" y="457200"/>
-            <a:ext cx="1452561" cy="564208"/>
-          </a:xfrm>
-          <a:prstGeom prst="rect">
-            <a:avLst/>
-          </a:prstGeom>
-          <a:solidFill>
-            <a:srgbClr val="FFFFFF"/>
-          </a:solidFill>
-          <a:ln>
-            <a:noFill/>
-          </a:ln>
-          <a:extLst>
-            <a:ext uri="{91240B29-F687-4F45-9708-019B960494DF}">
-              <a14:hiddenLine xmlns:a14="http://schemas.microsoft.com/office/drawing/2010/main" w="9525">
-                <a:solidFill>
-                  <a:srgbClr val="000000"/>
-                </a:solidFill>
-                <a:miter lim="800000"/>
-                <a:headEnd/>
-                <a:tailEnd/>
-              </a14:hiddenLine>
-            </a:ext>
-          </a:extLst>
-        </p:spPr>
-        <p:txBody>
-          <a:bodyPr vert="horz" wrap="square" lIns="91440" tIns="45720" rIns="91440" bIns="45720" numCol="1" anchor="t" anchorCtr="0" compatLnSpc="1">
-            <a:prstTxWarp prst="textNoShape">
-              <a:avLst/>
-            </a:prstTxWarp>
-          </a:bodyPr>
-          <a:lstStyle/>
-          <a:p>
-            <a:pPr marL="0" marR="0" lvl="0" indent="0" algn="l" defTabSz="914400" rtl="0" eaLnBrk="0" fontAlgn="base" latinLnBrk="0" hangingPunct="0">
-              <a:lnSpc>
-                <a:spcPct val="100000"/>
-              </a:lnSpc>
-              <a:spcBef>
-                <a:spcPct val="0"/>
-              </a:spcBef>
-              <a:spcAft>
-                <a:spcPct val="0"/>
-              </a:spcAft>
-              <a:buClrTx/>
-              <a:buSzTx/>
-              <a:buFontTx/>
-              <a:buNone/>
-              <a:tabLst/>
-            </a:pPr>
-            <a:endParaRPr kumimoji="0" lang="en-US" altLang="en-US" sz="900" b="0" i="0" u="none" strike="noStrike" cap="none" normalizeH="0" baseline="0" dirty="0">
-              <a:ln>
-                <a:noFill/>
-              </a:ln>
-              <a:solidFill>
-                <a:schemeClr val="tx1"/>
-              </a:solidFill>
-              <a:effectLst/>
-              <a:latin typeface="Arial" panose="020B0604020202020204" pitchFamily="34" charset="0"/>
-              <a:ea typeface="Times New Roman" panose="02020603050405020304" pitchFamily="18" charset="0"/>
-            </a:endParaRPr>
-          </a:p>
-          <a:p>
-            <a:pPr marL="0" marR="0" lvl="0" indent="0" algn="ctr" defTabSz="914400" rtl="0" eaLnBrk="0" fontAlgn="base" latinLnBrk="0" hangingPunct="0">
-              <a:lnSpc>
-                <a:spcPct val="100000"/>
-              </a:lnSpc>
-              <a:spcBef>
-                <a:spcPct val="0"/>
-              </a:spcBef>
-              <a:spcAft>
-                <a:spcPct val="0"/>
-              </a:spcAft>
-              <a:buClrTx/>
-              <a:buSzTx/>
-              <a:buFontTx/>
-              <a:buNone/>
-              <a:tabLst/>
-            </a:pPr>
-            <a:r>
-              <a:rPr kumimoji="0" lang="en-US" altLang="en-US" sz="900" b="0" i="0" u="none" strike="noStrike" cap="none" normalizeH="0" baseline="0" dirty="0">
-                <a:ln>
-                  <a:noFill/>
-                </a:ln>
-                <a:solidFill>
-                  <a:schemeClr val="tx1"/>
-                </a:solidFill>
-                <a:effectLst/>
-                <a:latin typeface="Arial" panose="020B0604020202020204" pitchFamily="34" charset="0"/>
-                <a:ea typeface="Times New Roman" panose="02020603050405020304" pitchFamily="18" charset="0"/>
-              </a:rPr>
-              <a:t>Document Repository:</a:t>
-            </a:r>
-            <a:br>
-              <a:rPr kumimoji="0" lang="en-US" altLang="en-US" sz="900" b="0" i="0" u="none" strike="noStrike" cap="none" normalizeH="0" baseline="0" dirty="0">
-                <a:ln>
-                  <a:noFill/>
-                </a:ln>
-                <a:solidFill>
-                  <a:schemeClr val="tx1"/>
-                </a:solidFill>
-                <a:effectLst/>
-                <a:latin typeface="Arial" panose="020B0604020202020204" pitchFamily="34" charset="0"/>
-                <a:ea typeface="Times New Roman" panose="02020603050405020304" pitchFamily="18" charset="0"/>
-              </a:rPr>
-            </a:br>
-            <a:r>
-              <a:rPr kumimoji="0" lang="en-US" altLang="en-US" sz="900" b="0" i="1" u="none" strike="noStrike" cap="none" normalizeH="0" baseline="0" dirty="0">
-                <a:ln>
-                  <a:noFill/>
-                </a:ln>
-                <a:solidFill>
-                  <a:schemeClr val="tx1"/>
-                </a:solidFill>
-                <a:effectLst/>
-                <a:latin typeface="Arial" panose="020B0604020202020204" pitchFamily="34" charset="0"/>
-                <a:ea typeface="Times New Roman" panose="02020603050405020304" pitchFamily="18" charset="0"/>
-              </a:rPr>
-              <a:t>(Cardiology Network)</a:t>
-            </a:r>
-            <a:endParaRPr kumimoji="0" lang="en-US" altLang="en-US" sz="1800" b="0" i="0" u="none" strike="noStrike" cap="none" normalizeH="0" baseline="0" dirty="0">
-              <a:ln>
-                <a:noFill/>
-              </a:ln>
-              <a:solidFill>
-                <a:schemeClr val="tx1"/>
-              </a:solidFill>
-              <a:effectLst/>
-              <a:latin typeface="Arial" panose="020B0604020202020204" pitchFamily="34" charset="0"/>
-            </a:endParaRPr>
-          </a:p>
-        </p:txBody>
-      </p:sp>
-      <p:sp>
-        <p:nvSpPr>
-          <p:cNvPr id="34" name="Rectangle 37">
-            <a:extLst>
-              <a:ext uri="{FF2B5EF4-FFF2-40B4-BE49-F238E27FC236}">
-                <a16:creationId xmlns:a16="http://schemas.microsoft.com/office/drawing/2014/main" id="{191FC7F3-DE0F-534A-8875-40E87753F150}"/>
-              </a:ext>
-            </a:extLst>
-          </p:cNvPr>
-          <p:cNvSpPr>
-            <a:spLocks noChangeArrowheads="1"/>
-          </p:cNvSpPr>
-          <p:nvPr/>
-        </p:nvSpPr>
-        <p:spPr bwMode="auto">
-          <a:xfrm>
-            <a:off x="1477962" y="457200"/>
-            <a:ext cx="1186763" cy="338138"/>
-          </a:xfrm>
-          <a:prstGeom prst="rect">
-            <a:avLst/>
-          </a:prstGeom>
-          <a:solidFill>
-            <a:srgbClr val="FFFFFF"/>
-          </a:solidFill>
-          <a:ln>
-            <a:noFill/>
-          </a:ln>
-          <a:extLst>
-            <a:ext uri="{91240B29-F687-4F45-9708-019B960494DF}">
-              <a14:hiddenLine xmlns:a14="http://schemas.microsoft.com/office/drawing/2010/main" w="9525">
-                <a:solidFill>
-                  <a:srgbClr val="000000"/>
-                </a:solidFill>
-                <a:miter lim="800000"/>
-                <a:headEnd/>
-                <a:tailEnd/>
-              </a14:hiddenLine>
-            </a:ext>
-          </a:extLst>
-        </p:spPr>
-        <p:txBody>
-          <a:bodyPr vert="horz" wrap="square" lIns="91440" tIns="45720" rIns="91440" bIns="45720" numCol="1" anchor="t" anchorCtr="0" compatLnSpc="1">
-            <a:prstTxWarp prst="textNoShape">
-              <a:avLst/>
-            </a:prstTxWarp>
-          </a:bodyPr>
-          <a:lstStyle/>
-          <a:p>
-            <a:pPr marL="0" marR="0" lvl="0" indent="0" algn="l" defTabSz="914400" rtl="0" eaLnBrk="0" fontAlgn="base" latinLnBrk="0" hangingPunct="0">
-              <a:lnSpc>
-                <a:spcPct val="100000"/>
-              </a:lnSpc>
-              <a:spcBef>
-                <a:spcPct val="0"/>
-              </a:spcBef>
-              <a:spcAft>
-                <a:spcPct val="0"/>
-              </a:spcAft>
-              <a:buClrTx/>
-              <a:buSzTx/>
-              <a:buFontTx/>
-              <a:buNone/>
-              <a:tabLst/>
-            </a:pPr>
-            <a:endParaRPr kumimoji="0" lang="fr-FR" altLang="en-US" sz="900" b="0" i="0" u="none" strike="noStrike" cap="none" normalizeH="0" baseline="0" dirty="0">
-              <a:ln>
-                <a:noFill/>
-              </a:ln>
-              <a:solidFill>
-                <a:schemeClr val="tx1"/>
-              </a:solidFill>
-              <a:effectLst/>
-              <a:latin typeface="Arial" panose="020B0604020202020204" pitchFamily="34" charset="0"/>
-              <a:ea typeface="Times New Roman" panose="02020603050405020304" pitchFamily="18" charset="0"/>
-            </a:endParaRPr>
-          </a:p>
-          <a:p>
-            <a:pPr marL="0" marR="0" lvl="0" indent="0" algn="ctr" defTabSz="914400" rtl="0" eaLnBrk="0" fontAlgn="base" latinLnBrk="0" hangingPunct="0">
-              <a:lnSpc>
-                <a:spcPct val="100000"/>
-              </a:lnSpc>
-              <a:spcBef>
-                <a:spcPct val="0"/>
-              </a:spcBef>
-              <a:spcAft>
-                <a:spcPct val="0"/>
-              </a:spcAft>
-              <a:buClrTx/>
-              <a:buSzTx/>
-              <a:buFontTx/>
-              <a:buNone/>
-              <a:tabLst/>
-            </a:pPr>
-            <a:r>
-              <a:rPr kumimoji="0" lang="fr-FR" altLang="en-US" sz="900" b="0" i="0" u="none" strike="noStrike" cap="none" normalizeH="0" baseline="0" dirty="0">
-                <a:ln>
-                  <a:noFill/>
-                </a:ln>
-                <a:solidFill>
-                  <a:schemeClr val="tx1"/>
-                </a:solidFill>
-                <a:effectLst/>
-                <a:latin typeface="Arial" panose="020B0604020202020204" pitchFamily="34" charset="0"/>
-                <a:ea typeface="Times New Roman" panose="02020603050405020304" pitchFamily="18" charset="0"/>
-              </a:rPr>
-              <a:t>Document Source: </a:t>
-            </a:r>
-            <a:br>
-              <a:rPr kumimoji="0" lang="fr-FR" altLang="en-US" sz="900" b="0" i="0" u="none" strike="noStrike" cap="none" normalizeH="0" baseline="0" dirty="0">
-                <a:ln>
-                  <a:noFill/>
-                </a:ln>
-                <a:solidFill>
-                  <a:schemeClr val="tx1"/>
-                </a:solidFill>
-                <a:effectLst/>
-                <a:latin typeface="Arial" panose="020B0604020202020204" pitchFamily="34" charset="0"/>
-                <a:ea typeface="Times New Roman" panose="02020603050405020304" pitchFamily="18" charset="0"/>
-              </a:rPr>
-            </a:br>
-            <a:r>
-              <a:rPr kumimoji="0" lang="fr-FR" altLang="en-US" sz="900" b="0" i="1" u="none" strike="noStrike" cap="none" normalizeH="0" baseline="0" dirty="0">
-                <a:ln>
-                  <a:noFill/>
-                </a:ln>
-                <a:solidFill>
-                  <a:schemeClr val="tx1"/>
-                </a:solidFill>
-                <a:effectLst/>
-                <a:latin typeface="Arial" panose="020B0604020202020204" pitchFamily="34" charset="0"/>
-                <a:ea typeface="Times New Roman" panose="02020603050405020304" pitchFamily="18" charset="0"/>
-              </a:rPr>
-              <a:t>(PCP EHR-CR)</a:t>
-            </a:r>
-            <a:endParaRPr kumimoji="0" lang="fr-FR" altLang="en-US" sz="1800" b="0" i="0" u="none" strike="noStrike" cap="none" normalizeH="0" baseline="0" dirty="0">
-              <a:ln>
-                <a:noFill/>
-              </a:ln>
-              <a:solidFill>
-                <a:schemeClr val="tx1"/>
-              </a:solidFill>
-              <a:effectLst/>
-              <a:latin typeface="Arial" panose="020B0604020202020204" pitchFamily="34" charset="0"/>
-            </a:endParaRPr>
-          </a:p>
-        </p:txBody>
-      </p:sp>
-      <p:sp>
-        <p:nvSpPr>
-          <p:cNvPr id="35" name="Rectangle 45">
-            <a:extLst>
-              <a:ext uri="{FF2B5EF4-FFF2-40B4-BE49-F238E27FC236}">
-                <a16:creationId xmlns:a16="http://schemas.microsoft.com/office/drawing/2014/main" id="{DB60165E-20BD-3C4D-9B8B-42AA2CBB8F94}"/>
-              </a:ext>
-            </a:extLst>
-          </p:cNvPr>
-          <p:cNvSpPr>
-            <a:spLocks noChangeArrowheads="1"/>
-          </p:cNvSpPr>
-          <p:nvPr/>
-        </p:nvSpPr>
-        <p:spPr bwMode="auto">
-          <a:xfrm>
-            <a:off x="4318812" y="563755"/>
-            <a:ext cx="1423165" cy="443702"/>
-          </a:xfrm>
-          <a:prstGeom prst="rect">
-            <a:avLst/>
-          </a:prstGeom>
-          <a:solidFill>
-            <a:srgbClr val="FFFFFF"/>
-          </a:solidFill>
-          <a:ln>
-            <a:noFill/>
-          </a:ln>
-          <a:extLst>
-            <a:ext uri="{91240B29-F687-4F45-9708-019B960494DF}">
-              <a14:hiddenLine xmlns:a14="http://schemas.microsoft.com/office/drawing/2010/main" w="9525">
-                <a:solidFill>
-                  <a:srgbClr val="000000"/>
-                </a:solidFill>
-                <a:miter lim="800000"/>
-                <a:headEnd/>
-                <a:tailEnd/>
-              </a14:hiddenLine>
-            </a:ext>
-          </a:extLst>
-        </p:spPr>
-        <p:txBody>
-          <a:bodyPr vert="horz" wrap="square" lIns="91440" tIns="45720" rIns="91440" bIns="45720" numCol="1" anchor="t" anchorCtr="0" compatLnSpc="1">
-            <a:prstTxWarp prst="textNoShape">
-              <a:avLst/>
-            </a:prstTxWarp>
-          </a:bodyPr>
-          <a:lstStyle/>
-          <a:p>
-            <a:pPr marL="0" marR="0" lvl="0" indent="0" algn="ctr" defTabSz="914400" rtl="0" eaLnBrk="0" fontAlgn="base" latinLnBrk="0" hangingPunct="0">
-              <a:lnSpc>
-                <a:spcPct val="100000"/>
-              </a:lnSpc>
-              <a:spcBef>
-                <a:spcPct val="0"/>
-              </a:spcBef>
-              <a:spcAft>
-                <a:spcPct val="0"/>
-              </a:spcAft>
-              <a:buClrTx/>
-              <a:buSzTx/>
-              <a:buFontTx/>
-              <a:buNone/>
-              <a:tabLst/>
-            </a:pPr>
-            <a:r>
-              <a:rPr kumimoji="0" lang="en-US" altLang="en-US" sz="900" b="0" i="0" u="none" strike="noStrike" cap="none" normalizeH="0" baseline="0" dirty="0">
-                <a:ln>
-                  <a:noFill/>
-                </a:ln>
-                <a:solidFill>
-                  <a:schemeClr val="tx1"/>
-                </a:solidFill>
-                <a:effectLst/>
-                <a:latin typeface="Arial" panose="020B0604020202020204" pitchFamily="34" charset="0"/>
-                <a:ea typeface="Times New Roman" panose="02020603050405020304" pitchFamily="18" charset="0"/>
-              </a:rPr>
-              <a:t>Document Registry: </a:t>
-            </a:r>
-            <a:r>
-              <a:rPr kumimoji="0" lang="en-US" altLang="en-US" sz="900" b="0" i="1" u="none" strike="noStrike" cap="none" normalizeH="0" baseline="0" dirty="0">
-                <a:ln>
-                  <a:noFill/>
-                </a:ln>
-                <a:solidFill>
-                  <a:schemeClr val="tx1"/>
-                </a:solidFill>
-                <a:effectLst/>
-                <a:latin typeface="Arial" panose="020B0604020202020204" pitchFamily="34" charset="0"/>
-                <a:ea typeface="Times New Roman" panose="02020603050405020304" pitchFamily="18" charset="0"/>
-              </a:rPr>
-              <a:t>(Cardiology Network)</a:t>
-            </a:r>
-            <a:endParaRPr kumimoji="0" lang="en-US" altLang="en-US" sz="1800" b="0" i="0" u="none" strike="noStrike" cap="none" normalizeH="0" baseline="0" dirty="0">
-              <a:ln>
-                <a:noFill/>
-              </a:ln>
-              <a:solidFill>
-                <a:schemeClr val="tx1"/>
-              </a:solidFill>
-              <a:effectLst/>
-              <a:latin typeface="Arial" panose="020B0604020202020204" pitchFamily="34" charset="0"/>
-            </a:endParaRPr>
           </a:p>
         </p:txBody>
       </p:sp>
@@ -4360,154 +4508,6 @@
                 <a:cs typeface="Arial" panose="020B0604020202020204" pitchFamily="34" charset="0"/>
               </a:rPr>
               <a:t>9. Register Document Set</a:t>
-            </a:r>
-            <a:endParaRPr kumimoji="0" lang="en-US" altLang="en-US" sz="1800" b="0" i="0" u="none" strike="noStrike" cap="none" normalizeH="0" baseline="0" dirty="0">
-              <a:ln>
-                <a:noFill/>
-              </a:ln>
-              <a:solidFill>
-                <a:schemeClr val="tx1"/>
-              </a:solidFill>
-              <a:effectLst/>
-              <a:latin typeface="Arial" panose="020B0604020202020204" pitchFamily="34" charset="0"/>
-            </a:endParaRPr>
-          </a:p>
-        </p:txBody>
-      </p:sp>
-      <p:sp>
-        <p:nvSpPr>
-          <p:cNvPr id="45" name="Rectangle 38">
-            <a:extLst>
-              <a:ext uri="{FF2B5EF4-FFF2-40B4-BE49-F238E27FC236}">
-                <a16:creationId xmlns:a16="http://schemas.microsoft.com/office/drawing/2014/main" id="{29529D65-E136-044A-9AB9-037D4CA837AD}"/>
-              </a:ext>
-            </a:extLst>
-          </p:cNvPr>
-          <p:cNvSpPr>
-            <a:spLocks noChangeArrowheads="1"/>
-          </p:cNvSpPr>
-          <p:nvPr/>
-        </p:nvSpPr>
-        <p:spPr bwMode="auto">
-          <a:xfrm>
-            <a:off x="66674" y="457200"/>
-            <a:ext cx="1527175" cy="421158"/>
-          </a:xfrm>
-          <a:prstGeom prst="rect">
-            <a:avLst/>
-          </a:prstGeom>
-          <a:solidFill>
-            <a:srgbClr val="FFFFFF"/>
-          </a:solidFill>
-          <a:ln>
-            <a:noFill/>
-          </a:ln>
-          <a:extLst>
-            <a:ext uri="{91240B29-F687-4F45-9708-019B960494DF}">
-              <a14:hiddenLine xmlns:a14="http://schemas.microsoft.com/office/drawing/2010/main" w="9525">
-                <a:solidFill>
-                  <a:srgbClr val="000000"/>
-                </a:solidFill>
-                <a:miter lim="800000"/>
-                <a:headEnd/>
-                <a:tailEnd/>
-              </a14:hiddenLine>
-            </a:ext>
-          </a:extLst>
-        </p:spPr>
-        <p:txBody>
-          <a:bodyPr vert="horz" wrap="square" lIns="91440" tIns="45720" rIns="91440" bIns="45720" numCol="1" anchor="t" anchorCtr="0" compatLnSpc="1">
-            <a:prstTxWarp prst="textNoShape">
-              <a:avLst/>
-            </a:prstTxWarp>
-          </a:bodyPr>
-          <a:lstStyle/>
-          <a:p>
-            <a:pPr marL="0" marR="0" lvl="0" indent="0" algn="l" defTabSz="914400" rtl="0" eaLnBrk="0" fontAlgn="base" latinLnBrk="0" hangingPunct="0">
-              <a:lnSpc>
-                <a:spcPct val="100000"/>
-              </a:lnSpc>
-              <a:spcBef>
-                <a:spcPct val="0"/>
-              </a:spcBef>
-              <a:spcAft>
-                <a:spcPct val="0"/>
-              </a:spcAft>
-              <a:buClrTx/>
-              <a:buSzTx/>
-              <a:buFontTx/>
-              <a:buNone/>
-              <a:tabLst/>
-            </a:pPr>
-            <a:endParaRPr kumimoji="0" lang="en-US" altLang="en-US" sz="900" b="0" i="0" u="none" strike="noStrike" cap="none" normalizeH="0" baseline="0" dirty="0">
-              <a:ln>
-                <a:noFill/>
-              </a:ln>
-              <a:solidFill>
-                <a:schemeClr val="tx1"/>
-              </a:solidFill>
-              <a:effectLst/>
-              <a:latin typeface="Arial" panose="020B0604020202020204" pitchFamily="34" charset="0"/>
-              <a:ea typeface="Times New Roman" panose="02020603050405020304" pitchFamily="18" charset="0"/>
-            </a:endParaRPr>
-          </a:p>
-          <a:p>
-            <a:pPr marL="0" marR="0" lvl="0" indent="0" algn="ctr" defTabSz="914400" rtl="0" eaLnBrk="0" fontAlgn="base" latinLnBrk="0" hangingPunct="0">
-              <a:lnSpc>
-                <a:spcPct val="100000"/>
-              </a:lnSpc>
-              <a:spcBef>
-                <a:spcPct val="0"/>
-              </a:spcBef>
-              <a:spcAft>
-                <a:spcPct val="0"/>
-              </a:spcAft>
-              <a:buClrTx/>
-              <a:buSzTx/>
-              <a:buFontTx/>
-              <a:buNone/>
-              <a:tabLst/>
-            </a:pPr>
-            <a:r>
-              <a:rPr kumimoji="0" lang="en-US" altLang="en-US" sz="900" b="0" i="0" u="none" strike="noStrike" cap="none" normalizeH="0" baseline="0" dirty="0">
-                <a:ln>
-                  <a:noFill/>
-                </a:ln>
-                <a:solidFill>
-                  <a:schemeClr val="tx1"/>
-                </a:solidFill>
-                <a:effectLst/>
-                <a:latin typeface="Arial" panose="020B0604020202020204" pitchFamily="34" charset="0"/>
-                <a:ea typeface="Times New Roman" panose="02020603050405020304" pitchFamily="18" charset="0"/>
-              </a:rPr>
-              <a:t>Document Consumer:</a:t>
-            </a:r>
-            <a:br>
-              <a:rPr kumimoji="0" lang="en-US" altLang="en-US" sz="900" b="0" i="1" u="none" strike="noStrike" cap="none" normalizeH="0" baseline="0" dirty="0">
-                <a:ln>
-                  <a:noFill/>
-                </a:ln>
-                <a:solidFill>
-                  <a:schemeClr val="tx1"/>
-                </a:solidFill>
-                <a:effectLst/>
-                <a:latin typeface="Arial" panose="020B0604020202020204" pitchFamily="34" charset="0"/>
-                <a:ea typeface="Times New Roman" panose="02020603050405020304" pitchFamily="18" charset="0"/>
-              </a:rPr>
-            </a:br>
-            <a:r>
-              <a:rPr kumimoji="0" lang="en-US" altLang="en-US" sz="900" b="0" i="1" u="none" strike="noStrike" cap="none" normalizeH="0" baseline="0" dirty="0">
-                <a:ln>
-                  <a:noFill/>
-                </a:ln>
-                <a:solidFill>
-                  <a:schemeClr val="tx1"/>
-                </a:solidFill>
-                <a:effectLst/>
-                <a:latin typeface="Arial" panose="020B0604020202020204" pitchFamily="34" charset="0"/>
-                <a:ea typeface="Times New Roman" panose="02020603050405020304" pitchFamily="18" charset="0"/>
-              </a:rPr>
-              <a:t>(PCP EHR-CR)</a:t>
             </a:r>
             <a:endParaRPr kumimoji="0" lang="en-US" altLang="en-US" sz="1800" b="0" i="0" u="none" strike="noStrike" cap="none" normalizeH="0" baseline="0" dirty="0">
               <a:ln>

--- a/ITI/TF/Volume1/media/Figure_10.3-3.pptx
+++ b/ITI/TF/Volume1/media/Figure_10.3-3.pptx
@@ -259,7 +259,7 @@
           <a:p>
             <a:fld id="{6A0B1158-10A5-914F-89B8-F5589B8ED6C9}" type="datetimeFigureOut">
               <a:rPr lang="en-US" smtClean="0"/>
-              <a:t>8/25/20</a:t>
+              <a:t>8/26/2020</a:t>
             </a:fld>
             <a:endParaRPr lang="en-US"/>
           </a:p>
@@ -457,7 +457,7 @@
           <a:p>
             <a:fld id="{6A0B1158-10A5-914F-89B8-F5589B8ED6C9}" type="datetimeFigureOut">
               <a:rPr lang="en-US" smtClean="0"/>
-              <a:t>8/25/20</a:t>
+              <a:t>8/26/2020</a:t>
             </a:fld>
             <a:endParaRPr lang="en-US"/>
           </a:p>
@@ -665,7 +665,7 @@
           <a:p>
             <a:fld id="{6A0B1158-10A5-914F-89B8-F5589B8ED6C9}" type="datetimeFigureOut">
               <a:rPr lang="en-US" smtClean="0"/>
-              <a:t>8/25/20</a:t>
+              <a:t>8/26/2020</a:t>
             </a:fld>
             <a:endParaRPr lang="en-US"/>
           </a:p>
@@ -863,7 +863,7 @@
           <a:p>
             <a:fld id="{6A0B1158-10A5-914F-89B8-F5589B8ED6C9}" type="datetimeFigureOut">
               <a:rPr lang="en-US" smtClean="0"/>
-              <a:t>8/25/20</a:t>
+              <a:t>8/26/2020</a:t>
             </a:fld>
             <a:endParaRPr lang="en-US"/>
           </a:p>
@@ -1138,7 +1138,7 @@
           <a:p>
             <a:fld id="{6A0B1158-10A5-914F-89B8-F5589B8ED6C9}" type="datetimeFigureOut">
               <a:rPr lang="en-US" smtClean="0"/>
-              <a:t>8/25/20</a:t>
+              <a:t>8/26/2020</a:t>
             </a:fld>
             <a:endParaRPr lang="en-US"/>
           </a:p>
@@ -1403,7 +1403,7 @@
           <a:p>
             <a:fld id="{6A0B1158-10A5-914F-89B8-F5589B8ED6C9}" type="datetimeFigureOut">
               <a:rPr lang="en-US" smtClean="0"/>
-              <a:t>8/25/20</a:t>
+              <a:t>8/26/2020</a:t>
             </a:fld>
             <a:endParaRPr lang="en-US"/>
           </a:p>
@@ -1815,7 +1815,7 @@
           <a:p>
             <a:fld id="{6A0B1158-10A5-914F-89B8-F5589B8ED6C9}" type="datetimeFigureOut">
               <a:rPr lang="en-US" smtClean="0"/>
-              <a:t>8/25/20</a:t>
+              <a:t>8/26/2020</a:t>
             </a:fld>
             <a:endParaRPr lang="en-US"/>
           </a:p>
@@ -1956,7 +1956,7 @@
           <a:p>
             <a:fld id="{6A0B1158-10A5-914F-89B8-F5589B8ED6C9}" type="datetimeFigureOut">
               <a:rPr lang="en-US" smtClean="0"/>
-              <a:t>8/25/20</a:t>
+              <a:t>8/26/2020</a:t>
             </a:fld>
             <a:endParaRPr lang="en-US"/>
           </a:p>
@@ -2069,7 +2069,7 @@
           <a:p>
             <a:fld id="{6A0B1158-10A5-914F-89B8-F5589B8ED6C9}" type="datetimeFigureOut">
               <a:rPr lang="en-US" smtClean="0"/>
-              <a:t>8/25/20</a:t>
+              <a:t>8/26/2020</a:t>
             </a:fld>
             <a:endParaRPr lang="en-US"/>
           </a:p>
@@ -2380,7 +2380,7 @@
           <a:p>
             <a:fld id="{6A0B1158-10A5-914F-89B8-F5589B8ED6C9}" type="datetimeFigureOut">
               <a:rPr lang="en-US" smtClean="0"/>
-              <a:t>8/25/20</a:t>
+              <a:t>8/26/2020</a:t>
             </a:fld>
             <a:endParaRPr lang="en-US"/>
           </a:p>
@@ -2668,7 +2668,7 @@
           <a:p>
             <a:fld id="{6A0B1158-10A5-914F-89B8-F5589B8ED6C9}" type="datetimeFigureOut">
               <a:rPr lang="en-US" smtClean="0"/>
-              <a:t>8/25/20</a:t>
+              <a:t>8/26/2020</a:t>
             </a:fld>
             <a:endParaRPr lang="en-US"/>
           </a:p>
@@ -2909,7 +2909,7 @@
           <a:p>
             <a:fld id="{6A0B1158-10A5-914F-89B8-F5589B8ED6C9}" type="datetimeFigureOut">
               <a:rPr lang="en-US" smtClean="0"/>
-              <a:t>8/25/20</a:t>
+              <a:t>8/26/2020</a:t>
             </a:fld>
             <a:endParaRPr lang="en-US"/>
           </a:p>
@@ -3326,207 +3326,197 @@
           <a:chExt cx="0" cy="0"/>
         </a:xfrm>
       </p:grpSpPr>
-      <p:sp>
-        <p:nvSpPr>
-          <p:cNvPr id="31" name="Line 71">
-            <a:extLst>
-              <a:ext uri="{FF2B5EF4-FFF2-40B4-BE49-F238E27FC236}">
-                <a16:creationId xmlns:a16="http://schemas.microsoft.com/office/drawing/2014/main" id="{311E393B-D7A3-2348-8B8B-624BBEAC1B9E}"/>
-              </a:ext>
-            </a:extLst>
-          </p:cNvPr>
-          <p:cNvSpPr>
-            <a:spLocks noChangeShapeType="1"/>
-          </p:cNvSpPr>
+      <p:grpSp>
+        <p:nvGrpSpPr>
+          <p:cNvPr id="3" name="Group 2">
+            <a:extLst>
+              <a:ext uri="{FF2B5EF4-FFF2-40B4-BE49-F238E27FC236}">
+                <a16:creationId xmlns:a16="http://schemas.microsoft.com/office/drawing/2014/main" id="{139F99F5-A21E-4223-8E69-44B3DE902FF4}"/>
+              </a:ext>
+            </a:extLst>
+          </p:cNvPr>
+          <p:cNvGrpSpPr/>
           <p:nvPr/>
-        </p:nvSpPr>
-        <p:spPr bwMode="auto">
-          <a:xfrm flipH="1">
-            <a:off x="5019675" y="958904"/>
-            <a:ext cx="0" cy="1992313"/>
+        </p:nvGrpSpPr>
+        <p:grpSpPr>
+          <a:xfrm>
+            <a:off x="185529" y="344557"/>
+            <a:ext cx="11880005" cy="5989982"/>
+            <a:chOff x="185529" y="344557"/>
+            <a:chExt cx="11880005" cy="5989982"/>
           </a:xfrm>
-          <a:prstGeom prst="line">
-            <a:avLst/>
-          </a:prstGeom>
-          <a:noFill/>
-          <a:ln w="9525">
+        </p:grpSpPr>
+        <p:sp>
+          <p:nvSpPr>
+            <p:cNvPr id="31" name="Line 71">
+              <a:extLst>
+                <a:ext uri="{FF2B5EF4-FFF2-40B4-BE49-F238E27FC236}">
+                  <a16:creationId xmlns:a16="http://schemas.microsoft.com/office/drawing/2014/main" id="{311E393B-D7A3-2348-8B8B-624BBEAC1B9E}"/>
+                </a:ext>
+              </a:extLst>
+            </p:cNvPr>
+            <p:cNvSpPr>
+              <a:spLocks noChangeShapeType="1"/>
+            </p:cNvSpPr>
+            <p:nvPr/>
+          </p:nvSpPr>
+          <p:spPr bwMode="auto">
+            <a:xfrm flipH="1">
+              <a:off x="10412747" y="1534456"/>
+              <a:ext cx="0" cy="4059191"/>
+            </a:xfrm>
+            <a:prstGeom prst="line">
+              <a:avLst/>
+            </a:prstGeom>
+            <a:noFill/>
+            <a:ln w="9525">
+              <a:solidFill>
+                <a:srgbClr val="000000"/>
+              </a:solidFill>
+              <a:prstDash val="sysDot"/>
+              <a:round/>
+              <a:headEnd/>
+              <a:tailEnd/>
+            </a:ln>
+            <a:extLst>
+              <a:ext uri="{909E8E84-426E-40DD-AFC4-6F175D3DCCD1}">
+                <a14:hiddenFill xmlns:a14="http://schemas.microsoft.com/office/drawing/2010/main">
+                  <a:noFill/>
+                </a14:hiddenFill>
+              </a:ext>
+            </a:extLst>
+          </p:spPr>
+          <p:txBody>
+            <a:bodyPr vert="horz" wrap="square" lIns="91440" tIns="45720" rIns="91440" bIns="45720" numCol="1" anchor="t" anchorCtr="0" compatLnSpc="1">
+              <a:prstTxWarp prst="textNoShape">
+                <a:avLst/>
+              </a:prstTxWarp>
+            </a:bodyPr>
+            <a:lstStyle/>
+            <a:p>
+              <a:endParaRPr lang="en-US" sz="4400"/>
+            </a:p>
+          </p:txBody>
+        </p:sp>
+        <p:sp>
+          <p:nvSpPr>
+            <p:cNvPr id="32" name="Rectangle 47">
+              <a:extLst>
+                <a:ext uri="{FF2B5EF4-FFF2-40B4-BE49-F238E27FC236}">
+                  <a16:creationId xmlns:a16="http://schemas.microsoft.com/office/drawing/2014/main" id="{B5F6F0B5-EABA-1545-8496-A6D7501D37C2}"/>
+                </a:ext>
+              </a:extLst>
+            </p:cNvPr>
+            <p:cNvSpPr>
+              <a:spLocks noChangeArrowheads="1"/>
+            </p:cNvSpPr>
+            <p:nvPr/>
+          </p:nvSpPr>
+          <p:spPr bwMode="auto">
+            <a:xfrm>
+              <a:off x="185529" y="344557"/>
+              <a:ext cx="11880005" cy="5989982"/>
+            </a:xfrm>
+            <a:prstGeom prst="rect">
+              <a:avLst/>
+            </a:prstGeom>
+            <a:noFill/>
+            <a:ln w="9525">
+              <a:solidFill>
+                <a:srgbClr val="000000"/>
+              </a:solidFill>
+              <a:miter lim="800000"/>
+              <a:headEnd/>
+              <a:tailEnd/>
+            </a:ln>
+            <a:extLst>
+              <a:ext uri="{909E8E84-426E-40DD-AFC4-6F175D3DCCD1}">
+                <a14:hiddenFill xmlns:a14="http://schemas.microsoft.com/office/drawing/2010/main">
+                  <a:solidFill>
+                    <a:srgbClr val="FFFFFF"/>
+                  </a:solidFill>
+                </a14:hiddenFill>
+              </a:ext>
+            </a:extLst>
+          </p:spPr>
+          <p:txBody>
+            <a:bodyPr vert="horz" wrap="square" lIns="91440" tIns="45720" rIns="91440" bIns="45720" numCol="1" anchor="t" anchorCtr="0" compatLnSpc="1">
+              <a:prstTxWarp prst="textNoShape">
+                <a:avLst/>
+              </a:prstTxWarp>
+            </a:bodyPr>
+            <a:lstStyle/>
+            <a:p>
+              <a:endParaRPr lang="en-US" sz="4400"/>
+            </a:p>
+          </p:txBody>
+        </p:sp>
+        <p:sp>
+          <p:nvSpPr>
+            <p:cNvPr id="33" name="Rectangle 46">
+              <a:extLst>
+                <a:ext uri="{FF2B5EF4-FFF2-40B4-BE49-F238E27FC236}">
+                  <a16:creationId xmlns:a16="http://schemas.microsoft.com/office/drawing/2014/main" id="{94A65431-F72C-474E-9D0D-88111969E48C}"/>
+                </a:ext>
+              </a:extLst>
+            </p:cNvPr>
+            <p:cNvSpPr>
+              <a:spLocks noChangeArrowheads="1"/>
+            </p:cNvSpPr>
+            <p:nvPr/>
+          </p:nvSpPr>
+          <p:spPr bwMode="auto">
+            <a:xfrm>
+              <a:off x="6041477" y="512271"/>
+              <a:ext cx="2959486" cy="1149532"/>
+            </a:xfrm>
+            <a:prstGeom prst="rect">
+              <a:avLst/>
+            </a:prstGeom>
             <a:solidFill>
-              <a:srgbClr val="000000"/>
+              <a:srgbClr val="FFFFFF"/>
             </a:solidFill>
-            <a:prstDash val="sysDot"/>
-            <a:round/>
-            <a:headEnd/>
-            <a:tailEnd/>
-          </a:ln>
-          <a:extLst>
-            <a:ext uri="{909E8E84-426E-40DD-AFC4-6F175D3DCCD1}">
-              <a14:hiddenFill xmlns:a14="http://schemas.microsoft.com/office/drawing/2010/main">
-                <a:noFill/>
-              </a14:hiddenFill>
-            </a:ext>
-          </a:extLst>
-        </p:spPr>
-        <p:txBody>
-          <a:bodyPr vert="horz" wrap="square" lIns="91440" tIns="45720" rIns="91440" bIns="45720" numCol="1" anchor="t" anchorCtr="0" compatLnSpc="1">
-            <a:prstTxWarp prst="textNoShape">
-              <a:avLst/>
-            </a:prstTxWarp>
-          </a:bodyPr>
-          <a:lstStyle/>
-          <a:p>
-            <a:endParaRPr lang="en-US"/>
-          </a:p>
-        </p:txBody>
-      </p:sp>
-      <p:sp>
-        <p:nvSpPr>
-          <p:cNvPr id="32" name="Rectangle 47">
-            <a:extLst>
-              <a:ext uri="{FF2B5EF4-FFF2-40B4-BE49-F238E27FC236}">
-                <a16:creationId xmlns:a16="http://schemas.microsoft.com/office/drawing/2014/main" id="{B5F6F0B5-EABA-1545-8496-A6D7501D37C2}"/>
-              </a:ext>
-            </a:extLst>
-          </p:cNvPr>
-          <p:cNvSpPr>
-            <a:spLocks noChangeArrowheads="1"/>
-          </p:cNvSpPr>
-          <p:nvPr/>
-        </p:nvSpPr>
-        <p:spPr bwMode="auto">
-          <a:xfrm>
-            <a:off x="0" y="457200"/>
-            <a:ext cx="5830888" cy="2746375"/>
-          </a:xfrm>
-          <a:prstGeom prst="rect">
-            <a:avLst/>
-          </a:prstGeom>
-          <a:noFill/>
-          <a:ln w="9525">
-            <a:solidFill>
-              <a:srgbClr val="000000"/>
-            </a:solidFill>
-            <a:miter lim="800000"/>
-            <a:headEnd/>
-            <a:tailEnd/>
-          </a:ln>
-          <a:extLst>
-            <a:ext uri="{909E8E84-426E-40DD-AFC4-6F175D3DCCD1}">
-              <a14:hiddenFill xmlns:a14="http://schemas.microsoft.com/office/drawing/2010/main">
-                <a:solidFill>
-                  <a:srgbClr val="FFFFFF"/>
-                </a:solidFill>
-              </a14:hiddenFill>
-            </a:ext>
-          </a:extLst>
-        </p:spPr>
-        <p:txBody>
-          <a:bodyPr vert="horz" wrap="square" lIns="91440" tIns="45720" rIns="91440" bIns="45720" numCol="1" anchor="t" anchorCtr="0" compatLnSpc="1">
-            <a:prstTxWarp prst="textNoShape">
-              <a:avLst/>
-            </a:prstTxWarp>
-          </a:bodyPr>
-          <a:lstStyle/>
-          <a:p>
-            <a:endParaRPr lang="en-US"/>
-          </a:p>
-        </p:txBody>
-      </p:sp>
-      <p:sp>
-        <p:nvSpPr>
-          <p:cNvPr id="33" name="Rectangle 46">
-            <a:extLst>
-              <a:ext uri="{FF2B5EF4-FFF2-40B4-BE49-F238E27FC236}">
-                <a16:creationId xmlns:a16="http://schemas.microsoft.com/office/drawing/2014/main" id="{94A65431-F72C-474E-9D0D-88111969E48C}"/>
-              </a:ext>
-            </a:extLst>
-          </p:cNvPr>
-          <p:cNvSpPr>
-            <a:spLocks noChangeArrowheads="1"/>
-          </p:cNvSpPr>
-          <p:nvPr/>
-        </p:nvSpPr>
-        <p:spPr bwMode="auto">
-          <a:xfrm>
-            <a:off x="2874189" y="457200"/>
-            <a:ext cx="1452561" cy="564208"/>
-          </a:xfrm>
-          <a:prstGeom prst="rect">
-            <a:avLst/>
-          </a:prstGeom>
-          <a:solidFill>
-            <a:srgbClr val="FFFFFF"/>
-          </a:solidFill>
-          <a:ln>
-            <a:noFill/>
-          </a:ln>
-          <a:extLst>
-            <a:ext uri="{91240B29-F687-4F45-9708-019B960494DF}">
-              <a14:hiddenLine xmlns:a14="http://schemas.microsoft.com/office/drawing/2010/main" w="9525">
-                <a:solidFill>
-                  <a:srgbClr val="000000"/>
-                </a:solidFill>
-                <a:miter lim="800000"/>
-                <a:headEnd/>
-                <a:tailEnd/>
-              </a14:hiddenLine>
-            </a:ext>
-          </a:extLst>
-        </p:spPr>
-        <p:txBody>
-          <a:bodyPr vert="horz" wrap="square" lIns="91440" tIns="45720" rIns="91440" bIns="45720" numCol="1" anchor="t" anchorCtr="0" compatLnSpc="1">
-            <a:prstTxWarp prst="textNoShape">
-              <a:avLst/>
-            </a:prstTxWarp>
-          </a:bodyPr>
-          <a:lstStyle/>
-          <a:p>
-            <a:pPr marL="0" marR="0" lvl="0" indent="0" algn="l" defTabSz="914400" rtl="0" eaLnBrk="0" fontAlgn="base" latinLnBrk="0" hangingPunct="0">
-              <a:lnSpc>
-                <a:spcPct val="100000"/>
-              </a:lnSpc>
-              <a:spcBef>
-                <a:spcPct val="0"/>
-              </a:spcBef>
-              <a:spcAft>
-                <a:spcPct val="0"/>
-              </a:spcAft>
-              <a:buClrTx/>
-              <a:buSzTx/>
-              <a:buFontTx/>
-              <a:buNone/>
-              <a:tabLst/>
-            </a:pPr>
-            <a:endParaRPr kumimoji="0" lang="en-US" altLang="en-US" sz="900" b="0" i="0" u="none" strike="noStrike" cap="none" normalizeH="0" baseline="0" dirty="0">
-              <a:ln>
-                <a:noFill/>
-              </a:ln>
-              <a:solidFill>
-                <a:schemeClr val="tx1"/>
-              </a:solidFill>
-              <a:effectLst/>
-              <a:latin typeface="Arial" panose="020B0604020202020204" pitchFamily="34" charset="0"/>
-              <a:ea typeface="Times New Roman" panose="02020603050405020304" pitchFamily="18" charset="0"/>
-            </a:endParaRPr>
-          </a:p>
-          <a:p>
-            <a:pPr marL="0" marR="0" lvl="0" indent="0" algn="ctr" defTabSz="914400" rtl="0" eaLnBrk="0" fontAlgn="base" latinLnBrk="0" hangingPunct="0">
-              <a:lnSpc>
-                <a:spcPct val="100000"/>
-              </a:lnSpc>
-              <a:spcBef>
-                <a:spcPct val="0"/>
-              </a:spcBef>
-              <a:spcAft>
-                <a:spcPct val="0"/>
-              </a:spcAft>
-              <a:buClrTx/>
-              <a:buSzTx/>
-              <a:buFontTx/>
-              <a:buNone/>
-              <a:tabLst/>
-            </a:pPr>
-            <a:r>
-              <a:rPr kumimoji="0" lang="en-US" altLang="en-US" sz="900" b="0" i="0" u="none" strike="noStrike" cap="none" normalizeH="0" baseline="0" dirty="0">
+            <a:ln>
+              <a:noFill/>
+            </a:ln>
+            <a:extLst>
+              <a:ext uri="{91240B29-F687-4F45-9708-019B960494DF}">
+                <a14:hiddenLine xmlns:a14="http://schemas.microsoft.com/office/drawing/2010/main" w="9525">
+                  <a:solidFill>
+                    <a:srgbClr val="000000"/>
+                  </a:solidFill>
+                  <a:miter lim="800000"/>
+                  <a:headEnd/>
+                  <a:tailEnd/>
+                </a14:hiddenLine>
+              </a:ext>
+            </a:extLst>
+          </p:spPr>
+          <p:txBody>
+            <a:bodyPr vert="horz" wrap="square" lIns="91440" tIns="45720" rIns="91440" bIns="45720" numCol="1" anchor="t" anchorCtr="0" compatLnSpc="1">
+              <a:prstTxWarp prst="textNoShape">
+                <a:avLst/>
+              </a:prstTxWarp>
+            </a:bodyPr>
+            <a:lstStyle/>
+            <a:p>
+              <a:pPr marL="0" marR="0" lvl="0" indent="0" algn="l" defTabSz="914400" rtl="0" eaLnBrk="0" fontAlgn="base" latinLnBrk="0" hangingPunct="0">
+                <a:lnSpc>
+                  <a:spcPct val="100000"/>
+                </a:lnSpc>
+                <a:spcBef>
+                  <a:spcPct val="0"/>
+                </a:spcBef>
+                <a:spcAft>
+                  <a:spcPct val="0"/>
+                </a:spcAft>
+                <a:buClrTx/>
+                <a:buSzTx/>
+                <a:buFontTx/>
+                <a:buNone/>
+                <a:tabLst/>
+              </a:pPr>
+              <a:endParaRPr kumimoji="0" lang="en-US" altLang="en-US" b="0" i="0" u="none" strike="noStrike" cap="none" normalizeH="0" baseline="0" dirty="0">
                 <a:ln>
                   <a:noFill/>
                 </a:ln>
@@ -3536,11 +3526,145 @@
                 <a:effectLst/>
                 <a:latin typeface="Arial" panose="020B0604020202020204" pitchFamily="34" charset="0"/>
                 <a:ea typeface="Times New Roman" panose="02020603050405020304" pitchFamily="18" charset="0"/>
-              </a:rPr>
-              <a:t>Document Repository:</a:t>
-            </a:r>
-            <a:br>
-              <a:rPr kumimoji="0" lang="en-US" altLang="en-US" sz="900" b="0" i="0" u="none" strike="noStrike" cap="none" normalizeH="0" baseline="0" dirty="0">
+              </a:endParaRPr>
+            </a:p>
+            <a:p>
+              <a:pPr marL="0" marR="0" lvl="0" indent="0" algn="ctr" defTabSz="914400" rtl="0" eaLnBrk="0" fontAlgn="base" latinLnBrk="0" hangingPunct="0">
+                <a:lnSpc>
+                  <a:spcPct val="100000"/>
+                </a:lnSpc>
+                <a:spcBef>
+                  <a:spcPct val="0"/>
+                </a:spcBef>
+                <a:spcAft>
+                  <a:spcPct val="0"/>
+                </a:spcAft>
+                <a:buClrTx/>
+                <a:buSzTx/>
+                <a:buFontTx/>
+                <a:buNone/>
+                <a:tabLst/>
+              </a:pPr>
+              <a:r>
+                <a:rPr kumimoji="0" lang="en-US" altLang="en-US" b="0" i="0" u="none" strike="noStrike" cap="none" normalizeH="0" baseline="0" dirty="0">
+                  <a:ln>
+                    <a:noFill/>
+                  </a:ln>
+                  <a:solidFill>
+                    <a:schemeClr val="tx1"/>
+                  </a:solidFill>
+                  <a:effectLst/>
+                  <a:latin typeface="Arial" panose="020B0604020202020204" pitchFamily="34" charset="0"/>
+                  <a:ea typeface="Times New Roman" panose="02020603050405020304" pitchFamily="18" charset="0"/>
+                </a:rPr>
+                <a:t>Document Repository:</a:t>
+              </a:r>
+              <a:br>
+                <a:rPr kumimoji="0" lang="en-US" altLang="en-US" b="0" i="0" u="none" strike="noStrike" cap="none" normalizeH="0" baseline="0" dirty="0">
+                  <a:ln>
+                    <a:noFill/>
+                  </a:ln>
+                  <a:solidFill>
+                    <a:schemeClr val="tx1"/>
+                  </a:solidFill>
+                  <a:effectLst/>
+                  <a:latin typeface="Arial" panose="020B0604020202020204" pitchFamily="34" charset="0"/>
+                  <a:ea typeface="Times New Roman" panose="02020603050405020304" pitchFamily="18" charset="0"/>
+                </a:rPr>
+              </a:br>
+              <a:r>
+                <a:rPr kumimoji="0" lang="en-US" altLang="en-US" b="0" i="1" u="none" strike="noStrike" cap="none" normalizeH="0" baseline="0" dirty="0">
+                  <a:ln>
+                    <a:noFill/>
+                  </a:ln>
+                  <a:solidFill>
+                    <a:schemeClr val="tx1"/>
+                  </a:solidFill>
+                  <a:effectLst/>
+                  <a:latin typeface="Arial" panose="020B0604020202020204" pitchFamily="34" charset="0"/>
+                  <a:ea typeface="Times New Roman" panose="02020603050405020304" pitchFamily="18" charset="0"/>
+                </a:rPr>
+                <a:t>(Cardiology Network)</a:t>
+              </a:r>
+              <a:endParaRPr kumimoji="0" lang="en-US" altLang="en-US" sz="4400" b="0" i="0" u="none" strike="noStrike" cap="none" normalizeH="0" baseline="0" dirty="0">
+                <a:ln>
+                  <a:noFill/>
+                </a:ln>
+                <a:solidFill>
+                  <a:schemeClr val="tx1"/>
+                </a:solidFill>
+                <a:effectLst/>
+                <a:latin typeface="Arial" panose="020B0604020202020204" pitchFamily="34" charset="0"/>
+              </a:endParaRPr>
+            </a:p>
+          </p:txBody>
+        </p:sp>
+        <p:sp>
+          <p:nvSpPr>
+            <p:cNvPr id="34" name="Rectangle 37">
+              <a:extLst>
+                <a:ext uri="{FF2B5EF4-FFF2-40B4-BE49-F238E27FC236}">
+                  <a16:creationId xmlns:a16="http://schemas.microsoft.com/office/drawing/2014/main" id="{191FC7F3-DE0F-534A-8875-40E87753F150}"/>
+                </a:ext>
+              </a:extLst>
+            </p:cNvPr>
+            <p:cNvSpPr>
+              <a:spLocks noChangeArrowheads="1"/>
+            </p:cNvSpPr>
+            <p:nvPr/>
+          </p:nvSpPr>
+          <p:spPr bwMode="auto">
+            <a:xfrm>
+              <a:off x="3196768" y="512271"/>
+              <a:ext cx="2417942" cy="688931"/>
+            </a:xfrm>
+            <a:prstGeom prst="rect">
+              <a:avLst/>
+            </a:prstGeom>
+            <a:solidFill>
+              <a:srgbClr val="FFFFFF"/>
+            </a:solidFill>
+            <a:ln>
+              <a:noFill/>
+            </a:ln>
+            <a:extLst>
+              <a:ext uri="{91240B29-F687-4F45-9708-019B960494DF}">
+                <a14:hiddenLine xmlns:a14="http://schemas.microsoft.com/office/drawing/2010/main" w="9525">
+                  <a:solidFill>
+                    <a:srgbClr val="000000"/>
+                  </a:solidFill>
+                  <a:miter lim="800000"/>
+                  <a:headEnd/>
+                  <a:tailEnd/>
+                </a14:hiddenLine>
+              </a:ext>
+            </a:extLst>
+          </p:spPr>
+          <p:txBody>
+            <a:bodyPr vert="horz" wrap="square" lIns="91440" tIns="45720" rIns="91440" bIns="45720" numCol="1" anchor="t" anchorCtr="0" compatLnSpc="1">
+              <a:prstTxWarp prst="textNoShape">
+                <a:avLst/>
+              </a:prstTxWarp>
+            </a:bodyPr>
+            <a:lstStyle/>
+            <a:p>
+              <a:pPr marL="0" marR="0" lvl="0" indent="0" algn="l" defTabSz="914400" rtl="0" eaLnBrk="0" fontAlgn="base" latinLnBrk="0" hangingPunct="0">
+                <a:lnSpc>
+                  <a:spcPct val="100000"/>
+                </a:lnSpc>
+                <a:spcBef>
+                  <a:spcPct val="0"/>
+                </a:spcBef>
+                <a:spcAft>
+                  <a:spcPct val="0"/>
+                </a:spcAft>
+                <a:buClrTx/>
+                <a:buSzTx/>
+                <a:buFontTx/>
+                <a:buNone/>
+                <a:tabLst/>
+              </a:pPr>
+              <a:endParaRPr kumimoji="0" lang="fr-FR" altLang="en-US" b="0" i="0" u="none" strike="noStrike" cap="none" normalizeH="0" baseline="0" dirty="0">
                 <a:ln>
                   <a:noFill/>
                 </a:ln>
@@ -3550,10 +3674,792 @@
                 <a:effectLst/>
                 <a:latin typeface="Arial" panose="020B0604020202020204" pitchFamily="34" charset="0"/>
                 <a:ea typeface="Times New Roman" panose="02020603050405020304" pitchFamily="18" charset="0"/>
-              </a:rPr>
-            </a:br>
-            <a:r>
-              <a:rPr kumimoji="0" lang="en-US" altLang="en-US" sz="900" b="0" i="1" u="none" strike="noStrike" cap="none" normalizeH="0" baseline="0" dirty="0">
+              </a:endParaRPr>
+            </a:p>
+            <a:p>
+              <a:pPr marL="0" marR="0" lvl="0" indent="0" algn="ctr" defTabSz="914400" rtl="0" eaLnBrk="0" fontAlgn="base" latinLnBrk="0" hangingPunct="0">
+                <a:lnSpc>
+                  <a:spcPct val="100000"/>
+                </a:lnSpc>
+                <a:spcBef>
+                  <a:spcPct val="0"/>
+                </a:spcBef>
+                <a:spcAft>
+                  <a:spcPct val="0"/>
+                </a:spcAft>
+                <a:buClrTx/>
+                <a:buSzTx/>
+                <a:buFontTx/>
+                <a:buNone/>
+                <a:tabLst/>
+              </a:pPr>
+              <a:r>
+                <a:rPr kumimoji="0" lang="fr-FR" altLang="en-US" b="0" i="0" u="none" strike="noStrike" cap="none" normalizeH="0" baseline="0" dirty="0">
+                  <a:ln>
+                    <a:noFill/>
+                  </a:ln>
+                  <a:solidFill>
+                    <a:schemeClr val="tx1"/>
+                  </a:solidFill>
+                  <a:effectLst/>
+                  <a:latin typeface="Arial" panose="020B0604020202020204" pitchFamily="34" charset="0"/>
+                  <a:ea typeface="Times New Roman" panose="02020603050405020304" pitchFamily="18" charset="0"/>
+                </a:rPr>
+                <a:t>Document Source: </a:t>
+              </a:r>
+              <a:br>
+                <a:rPr kumimoji="0" lang="fr-FR" altLang="en-US" b="0" i="0" u="none" strike="noStrike" cap="none" normalizeH="0" baseline="0" dirty="0">
+                  <a:ln>
+                    <a:noFill/>
+                  </a:ln>
+                  <a:solidFill>
+                    <a:schemeClr val="tx1"/>
+                  </a:solidFill>
+                  <a:effectLst/>
+                  <a:latin typeface="Arial" panose="020B0604020202020204" pitchFamily="34" charset="0"/>
+                  <a:ea typeface="Times New Roman" panose="02020603050405020304" pitchFamily="18" charset="0"/>
+                </a:rPr>
+              </a:br>
+              <a:r>
+                <a:rPr kumimoji="0" lang="fr-FR" altLang="en-US" b="0" i="1" u="none" strike="noStrike" cap="none" normalizeH="0" baseline="0" dirty="0">
+                  <a:ln>
+                    <a:noFill/>
+                  </a:ln>
+                  <a:solidFill>
+                    <a:schemeClr val="tx1"/>
+                  </a:solidFill>
+                  <a:effectLst/>
+                  <a:latin typeface="Arial" panose="020B0604020202020204" pitchFamily="34" charset="0"/>
+                  <a:ea typeface="Times New Roman" panose="02020603050405020304" pitchFamily="18" charset="0"/>
+                </a:rPr>
+                <a:t>(PCP EHR-CR)</a:t>
+              </a:r>
+              <a:endParaRPr kumimoji="0" lang="fr-FR" altLang="en-US" sz="4400" b="0" i="0" u="none" strike="noStrike" cap="none" normalizeH="0" baseline="0" dirty="0">
+                <a:ln>
+                  <a:noFill/>
+                </a:ln>
+                <a:solidFill>
+                  <a:schemeClr val="tx1"/>
+                </a:solidFill>
+                <a:effectLst/>
+                <a:latin typeface="Arial" panose="020B0604020202020204" pitchFamily="34" charset="0"/>
+              </a:endParaRPr>
+            </a:p>
+          </p:txBody>
+        </p:sp>
+        <p:sp>
+          <p:nvSpPr>
+            <p:cNvPr id="35" name="Rectangle 45">
+              <a:extLst>
+                <a:ext uri="{FF2B5EF4-FFF2-40B4-BE49-F238E27FC236}">
+                  <a16:creationId xmlns:a16="http://schemas.microsoft.com/office/drawing/2014/main" id="{DB60165E-20BD-3C4D-9B8B-42AA2CBB8F94}"/>
+                </a:ext>
+              </a:extLst>
+            </p:cNvPr>
+            <p:cNvSpPr>
+              <a:spLocks noChangeArrowheads="1"/>
+            </p:cNvSpPr>
+            <p:nvPr/>
+          </p:nvSpPr>
+          <p:spPr bwMode="auto">
+            <a:xfrm>
+              <a:off x="8984790" y="729369"/>
+              <a:ext cx="2899594" cy="904010"/>
+            </a:xfrm>
+            <a:prstGeom prst="rect">
+              <a:avLst/>
+            </a:prstGeom>
+            <a:solidFill>
+              <a:srgbClr val="FFFFFF"/>
+            </a:solidFill>
+            <a:ln>
+              <a:noFill/>
+            </a:ln>
+            <a:extLst>
+              <a:ext uri="{91240B29-F687-4F45-9708-019B960494DF}">
+                <a14:hiddenLine xmlns:a14="http://schemas.microsoft.com/office/drawing/2010/main" w="9525">
+                  <a:solidFill>
+                    <a:srgbClr val="000000"/>
+                  </a:solidFill>
+                  <a:miter lim="800000"/>
+                  <a:headEnd/>
+                  <a:tailEnd/>
+                </a14:hiddenLine>
+              </a:ext>
+            </a:extLst>
+          </p:spPr>
+          <p:txBody>
+            <a:bodyPr vert="horz" wrap="square" lIns="91440" tIns="45720" rIns="91440" bIns="45720" numCol="1" anchor="t" anchorCtr="0" compatLnSpc="1">
+              <a:prstTxWarp prst="textNoShape">
+                <a:avLst/>
+              </a:prstTxWarp>
+            </a:bodyPr>
+            <a:lstStyle/>
+            <a:p>
+              <a:pPr marL="0" marR="0" lvl="0" indent="0" algn="ctr" defTabSz="914400" rtl="0" eaLnBrk="0" fontAlgn="base" latinLnBrk="0" hangingPunct="0">
+                <a:lnSpc>
+                  <a:spcPct val="100000"/>
+                </a:lnSpc>
+                <a:spcBef>
+                  <a:spcPct val="0"/>
+                </a:spcBef>
+                <a:spcAft>
+                  <a:spcPct val="0"/>
+                </a:spcAft>
+                <a:buClrTx/>
+                <a:buSzTx/>
+                <a:buFontTx/>
+                <a:buNone/>
+                <a:tabLst/>
+              </a:pPr>
+              <a:r>
+                <a:rPr kumimoji="0" lang="en-US" altLang="en-US" b="0" i="0" u="none" strike="noStrike" cap="none" normalizeH="0" baseline="0" dirty="0">
+                  <a:ln>
+                    <a:noFill/>
+                  </a:ln>
+                  <a:solidFill>
+                    <a:schemeClr val="tx1"/>
+                  </a:solidFill>
+                  <a:effectLst/>
+                  <a:latin typeface="Arial" panose="020B0604020202020204" pitchFamily="34" charset="0"/>
+                  <a:ea typeface="Times New Roman" panose="02020603050405020304" pitchFamily="18" charset="0"/>
+                </a:rPr>
+                <a:t>Document Registry: </a:t>
+              </a:r>
+              <a:r>
+                <a:rPr kumimoji="0" lang="en-US" altLang="en-US" b="0" i="1" u="none" strike="noStrike" cap="none" normalizeH="0" baseline="0" dirty="0">
+                  <a:ln>
+                    <a:noFill/>
+                  </a:ln>
+                  <a:solidFill>
+                    <a:schemeClr val="tx1"/>
+                  </a:solidFill>
+                  <a:effectLst/>
+                  <a:latin typeface="Arial" panose="020B0604020202020204" pitchFamily="34" charset="0"/>
+                  <a:ea typeface="Times New Roman" panose="02020603050405020304" pitchFamily="18" charset="0"/>
+                </a:rPr>
+                <a:t>(Cardiology Network)</a:t>
+              </a:r>
+              <a:endParaRPr kumimoji="0" lang="en-US" altLang="en-US" sz="4400" b="0" i="0" u="none" strike="noStrike" cap="none" normalizeH="0" baseline="0" dirty="0">
+                <a:ln>
+                  <a:noFill/>
+                </a:ln>
+                <a:solidFill>
+                  <a:schemeClr val="tx1"/>
+                </a:solidFill>
+                <a:effectLst/>
+                <a:latin typeface="Arial" panose="020B0604020202020204" pitchFamily="34" charset="0"/>
+              </a:endParaRPr>
+            </a:p>
+          </p:txBody>
+        </p:sp>
+        <p:sp>
+          <p:nvSpPr>
+            <p:cNvPr id="36" name="Line 70">
+              <a:extLst>
+                <a:ext uri="{FF2B5EF4-FFF2-40B4-BE49-F238E27FC236}">
+                  <a16:creationId xmlns:a16="http://schemas.microsoft.com/office/drawing/2014/main" id="{31B89592-9DFA-B549-BC12-A8B0A5904E23}"/>
+                </a:ext>
+              </a:extLst>
+            </p:cNvPr>
+            <p:cNvSpPr>
+              <a:spLocks noChangeShapeType="1"/>
+            </p:cNvSpPr>
+            <p:nvPr/>
+          </p:nvSpPr>
+          <p:spPr bwMode="auto">
+            <a:xfrm flipH="1">
+              <a:off x="4270595" y="1682838"/>
+              <a:ext cx="19406" cy="4059191"/>
+            </a:xfrm>
+            <a:prstGeom prst="line">
+              <a:avLst/>
+            </a:prstGeom>
+            <a:noFill/>
+            <a:ln w="9525">
+              <a:solidFill>
+                <a:srgbClr val="000000"/>
+              </a:solidFill>
+              <a:prstDash val="sysDot"/>
+              <a:round/>
+              <a:headEnd/>
+              <a:tailEnd/>
+            </a:ln>
+            <a:extLst>
+              <a:ext uri="{909E8E84-426E-40DD-AFC4-6F175D3DCCD1}">
+                <a14:hiddenFill xmlns:a14="http://schemas.microsoft.com/office/drawing/2010/main">
+                  <a:noFill/>
+                </a14:hiddenFill>
+              </a:ext>
+            </a:extLst>
+          </p:spPr>
+          <p:txBody>
+            <a:bodyPr vert="horz" wrap="square" lIns="91440" tIns="45720" rIns="91440" bIns="45720" numCol="1" anchor="t" anchorCtr="0" compatLnSpc="1">
+              <a:prstTxWarp prst="textNoShape">
+                <a:avLst/>
+              </a:prstTxWarp>
+            </a:bodyPr>
+            <a:lstStyle/>
+            <a:p>
+              <a:endParaRPr lang="en-US" sz="4400"/>
+            </a:p>
+          </p:txBody>
+        </p:sp>
+        <p:sp>
+          <p:nvSpPr>
+            <p:cNvPr id="37" name="Line 69">
+              <a:extLst>
+                <a:ext uri="{FF2B5EF4-FFF2-40B4-BE49-F238E27FC236}">
+                  <a16:creationId xmlns:a16="http://schemas.microsoft.com/office/drawing/2014/main" id="{6EADE1BB-03C1-2D43-8D60-97AE3C0C3C0D}"/>
+                </a:ext>
+              </a:extLst>
+            </p:cNvPr>
+            <p:cNvSpPr>
+              <a:spLocks noChangeShapeType="1"/>
+            </p:cNvSpPr>
+            <p:nvPr/>
+          </p:nvSpPr>
+          <p:spPr bwMode="auto">
+            <a:xfrm>
+              <a:off x="7443555" y="1583917"/>
+              <a:ext cx="0" cy="4078598"/>
+            </a:xfrm>
+            <a:prstGeom prst="line">
+              <a:avLst/>
+            </a:prstGeom>
+            <a:noFill/>
+            <a:ln w="9525">
+              <a:solidFill>
+                <a:srgbClr val="000000"/>
+              </a:solidFill>
+              <a:prstDash val="sysDot"/>
+              <a:round/>
+              <a:headEnd/>
+              <a:tailEnd/>
+            </a:ln>
+            <a:extLst>
+              <a:ext uri="{909E8E84-426E-40DD-AFC4-6F175D3DCCD1}">
+                <a14:hiddenFill xmlns:a14="http://schemas.microsoft.com/office/drawing/2010/main">
+                  <a:noFill/>
+                </a14:hiddenFill>
+              </a:ext>
+            </a:extLst>
+          </p:spPr>
+          <p:txBody>
+            <a:bodyPr vert="horz" wrap="square" lIns="91440" tIns="45720" rIns="91440" bIns="45720" numCol="1" anchor="t" anchorCtr="0" compatLnSpc="1">
+              <a:prstTxWarp prst="textNoShape">
+                <a:avLst/>
+              </a:prstTxWarp>
+            </a:bodyPr>
+            <a:lstStyle/>
+            <a:p>
+              <a:endParaRPr lang="en-US" sz="4400"/>
+            </a:p>
+          </p:txBody>
+        </p:sp>
+        <p:sp>
+          <p:nvSpPr>
+            <p:cNvPr id="38" name="Rectangle 68">
+              <a:extLst>
+                <a:ext uri="{FF2B5EF4-FFF2-40B4-BE49-F238E27FC236}">
+                  <a16:creationId xmlns:a16="http://schemas.microsoft.com/office/drawing/2014/main" id="{006A642A-FC24-2541-8145-6B55FBF3A904}"/>
+                </a:ext>
+              </a:extLst>
+            </p:cNvPr>
+            <p:cNvSpPr>
+              <a:spLocks noChangeArrowheads="1"/>
+            </p:cNvSpPr>
+            <p:nvPr/>
+          </p:nvSpPr>
+          <p:spPr bwMode="auto">
+            <a:xfrm>
+              <a:off x="4154156" y="5150209"/>
+              <a:ext cx="232878" cy="931511"/>
+            </a:xfrm>
+            <a:prstGeom prst="rect">
+              <a:avLst/>
+            </a:prstGeom>
+            <a:solidFill>
+              <a:srgbClr val="FFFFFF"/>
+            </a:solidFill>
+            <a:ln w="9525">
+              <a:solidFill>
+                <a:srgbClr val="000000"/>
+              </a:solidFill>
+              <a:miter lim="800000"/>
+              <a:headEnd/>
+              <a:tailEnd/>
+            </a:ln>
+          </p:spPr>
+          <p:txBody>
+            <a:bodyPr vert="horz" wrap="square" lIns="91440" tIns="45720" rIns="91440" bIns="45720" numCol="1" anchor="t" anchorCtr="0" compatLnSpc="1">
+              <a:prstTxWarp prst="textNoShape">
+                <a:avLst/>
+              </a:prstTxWarp>
+            </a:bodyPr>
+            <a:lstStyle/>
+            <a:p>
+              <a:endParaRPr lang="en-US" sz="4400"/>
+            </a:p>
+          </p:txBody>
+        </p:sp>
+        <p:sp>
+          <p:nvSpPr>
+            <p:cNvPr id="39" name="Rectangle 67">
+              <a:extLst>
+                <a:ext uri="{FF2B5EF4-FFF2-40B4-BE49-F238E27FC236}">
+                  <a16:creationId xmlns:a16="http://schemas.microsoft.com/office/drawing/2014/main" id="{A8574EB2-5E46-9E40-BD00-944461514F28}"/>
+                </a:ext>
+              </a:extLst>
+            </p:cNvPr>
+            <p:cNvSpPr>
+              <a:spLocks noChangeArrowheads="1"/>
+            </p:cNvSpPr>
+            <p:nvPr/>
+          </p:nvSpPr>
+          <p:spPr bwMode="auto">
+            <a:xfrm>
+              <a:off x="7271187" y="5260485"/>
+              <a:ext cx="232878" cy="782728"/>
+            </a:xfrm>
+            <a:prstGeom prst="rect">
+              <a:avLst/>
+            </a:prstGeom>
+            <a:solidFill>
+              <a:srgbClr val="FFFFFF"/>
+            </a:solidFill>
+            <a:ln w="9525">
+              <a:solidFill>
+                <a:srgbClr val="000000"/>
+              </a:solidFill>
+              <a:miter lim="800000"/>
+              <a:headEnd/>
+              <a:tailEnd/>
+            </a:ln>
+          </p:spPr>
+          <p:txBody>
+            <a:bodyPr vert="horz" wrap="square" lIns="91440" tIns="45720" rIns="91440" bIns="45720" numCol="1" anchor="t" anchorCtr="0" compatLnSpc="1">
+              <a:prstTxWarp prst="textNoShape">
+                <a:avLst/>
+              </a:prstTxWarp>
+            </a:bodyPr>
+            <a:lstStyle/>
+            <a:p>
+              <a:endParaRPr lang="en-US" sz="4400"/>
+            </a:p>
+          </p:txBody>
+        </p:sp>
+        <p:sp>
+          <p:nvSpPr>
+            <p:cNvPr id="40" name="Rectangle 66">
+              <a:extLst>
+                <a:ext uri="{FF2B5EF4-FFF2-40B4-BE49-F238E27FC236}">
+                  <a16:creationId xmlns:a16="http://schemas.microsoft.com/office/drawing/2014/main" id="{7A2BAADA-509B-6C44-BB9F-1FA5CD8D7A48}"/>
+                </a:ext>
+              </a:extLst>
+            </p:cNvPr>
+            <p:cNvSpPr>
+              <a:spLocks noChangeArrowheads="1"/>
+            </p:cNvSpPr>
+            <p:nvPr/>
+          </p:nvSpPr>
+          <p:spPr bwMode="auto">
+            <a:xfrm>
+              <a:off x="10280137" y="5507788"/>
+              <a:ext cx="232878" cy="572492"/>
+            </a:xfrm>
+            <a:prstGeom prst="rect">
+              <a:avLst/>
+            </a:prstGeom>
+            <a:solidFill>
+              <a:srgbClr val="FFFFFF"/>
+            </a:solidFill>
+            <a:ln w="9525">
+              <a:solidFill>
+                <a:srgbClr val="000000"/>
+              </a:solidFill>
+              <a:miter lim="800000"/>
+              <a:headEnd/>
+              <a:tailEnd/>
+            </a:ln>
+          </p:spPr>
+          <p:txBody>
+            <a:bodyPr vert="horz" wrap="square" lIns="91440" tIns="45720" rIns="91440" bIns="45720" numCol="1" anchor="t" anchorCtr="0" compatLnSpc="1">
+              <a:prstTxWarp prst="textNoShape">
+                <a:avLst/>
+              </a:prstTxWarp>
+            </a:bodyPr>
+            <a:lstStyle/>
+            <a:p>
+              <a:endParaRPr lang="en-US" sz="4400"/>
+            </a:p>
+          </p:txBody>
+        </p:sp>
+        <p:sp>
+          <p:nvSpPr>
+            <p:cNvPr id="41" name="Line 65">
+              <a:extLst>
+                <a:ext uri="{FF2B5EF4-FFF2-40B4-BE49-F238E27FC236}">
+                  <a16:creationId xmlns:a16="http://schemas.microsoft.com/office/drawing/2014/main" id="{5FADBCAC-A654-304A-BB43-8137E0F65015}"/>
+                </a:ext>
+              </a:extLst>
+            </p:cNvPr>
+            <p:cNvSpPr>
+              <a:spLocks noChangeShapeType="1"/>
+            </p:cNvSpPr>
+            <p:nvPr/>
+          </p:nvSpPr>
+          <p:spPr bwMode="auto">
+            <a:xfrm>
+              <a:off x="4403205" y="5639683"/>
+              <a:ext cx="2872160" cy="3235"/>
+            </a:xfrm>
+            <a:prstGeom prst="line">
+              <a:avLst/>
+            </a:prstGeom>
+            <a:noFill/>
+            <a:ln w="6350">
+              <a:solidFill>
+                <a:srgbClr val="000000"/>
+              </a:solidFill>
+              <a:round/>
+              <a:headEnd/>
+              <a:tailEnd type="triangle" w="med" len="med"/>
+            </a:ln>
+            <a:extLst>
+              <a:ext uri="{909E8E84-426E-40DD-AFC4-6F175D3DCCD1}">
+                <a14:hiddenFill xmlns:a14="http://schemas.microsoft.com/office/drawing/2010/main">
+                  <a:noFill/>
+                </a14:hiddenFill>
+              </a:ext>
+            </a:extLst>
+          </p:spPr>
+          <p:txBody>
+            <a:bodyPr vert="horz" wrap="square" lIns="91440" tIns="45720" rIns="91440" bIns="45720" numCol="1" anchor="t" anchorCtr="0" compatLnSpc="1">
+              <a:prstTxWarp prst="textNoShape">
+                <a:avLst/>
+              </a:prstTxWarp>
+            </a:bodyPr>
+            <a:lstStyle/>
+            <a:p>
+              <a:endParaRPr lang="en-US" sz="4400"/>
+            </a:p>
+          </p:txBody>
+        </p:sp>
+        <p:sp>
+          <p:nvSpPr>
+            <p:cNvPr id="42" name="Text Box 64">
+              <a:extLst>
+                <a:ext uri="{FF2B5EF4-FFF2-40B4-BE49-F238E27FC236}">
+                  <a16:creationId xmlns:a16="http://schemas.microsoft.com/office/drawing/2014/main" id="{173D505C-8068-0142-9737-B4F4BBE337AE}"/>
+                </a:ext>
+              </a:extLst>
+            </p:cNvPr>
+            <p:cNvSpPr txBox="1">
+              <a:spLocks noChangeArrowheads="1"/>
+            </p:cNvSpPr>
+            <p:nvPr/>
+          </p:nvSpPr>
+          <p:spPr bwMode="auto">
+            <a:xfrm>
+              <a:off x="4649738" y="5029669"/>
+              <a:ext cx="2448447" cy="983262"/>
+            </a:xfrm>
+            <a:prstGeom prst="rect">
+              <a:avLst/>
+            </a:prstGeom>
+            <a:noFill/>
+            <a:ln>
+              <a:noFill/>
+            </a:ln>
+            <a:extLst>
+              <a:ext uri="{909E8E84-426E-40DD-AFC4-6F175D3DCCD1}">
+                <a14:hiddenFill xmlns:a14="http://schemas.microsoft.com/office/drawing/2010/main">
+                  <a:solidFill>
+                    <a:srgbClr val="FFFFFF"/>
+                  </a:solidFill>
+                </a14:hiddenFill>
+              </a:ext>
+              <a:ext uri="{91240B29-F687-4F45-9708-019B960494DF}">
+                <a14:hiddenLine xmlns:a14="http://schemas.microsoft.com/office/drawing/2010/main" w="9525">
+                  <a:solidFill>
+                    <a:srgbClr val="000000"/>
+                  </a:solidFill>
+                  <a:miter lim="800000"/>
+                  <a:headEnd/>
+                  <a:tailEnd/>
+                </a14:hiddenLine>
+              </a:ext>
+            </a:extLst>
+          </p:spPr>
+          <p:txBody>
+            <a:bodyPr vert="horz" wrap="square" lIns="91440" tIns="45720" rIns="91440" bIns="45720" numCol="1" anchor="t" anchorCtr="0" compatLnSpc="1">
+              <a:prstTxWarp prst="textNoShape">
+                <a:avLst/>
+              </a:prstTxWarp>
+            </a:bodyPr>
+            <a:lstStyle/>
+            <a:p>
+              <a:pPr marL="0" marR="0" lvl="0" indent="0" algn="ctr" defTabSz="914400" rtl="0" eaLnBrk="0" fontAlgn="base" latinLnBrk="0" hangingPunct="0">
+                <a:lnSpc>
+                  <a:spcPct val="100000"/>
+                </a:lnSpc>
+                <a:spcBef>
+                  <a:spcPct val="0"/>
+                </a:spcBef>
+                <a:spcAft>
+                  <a:spcPct val="0"/>
+                </a:spcAft>
+                <a:buClrTx/>
+                <a:buSzTx/>
+                <a:buFontTx/>
+                <a:buNone/>
+                <a:tabLst/>
+              </a:pPr>
+              <a:r>
+                <a:rPr kumimoji="0" lang="en-US" altLang="en-US" sz="1600" b="0" i="0" u="none" strike="noStrike" cap="none" normalizeH="0" baseline="0" dirty="0">
+                  <a:ln>
+                    <a:noFill/>
+                  </a:ln>
+                  <a:solidFill>
+                    <a:schemeClr val="tx1"/>
+                  </a:solidFill>
+                  <a:effectLst/>
+                  <a:latin typeface="Times New Roman" panose="02020603050405020304" pitchFamily="18" charset="0"/>
+                  <a:ea typeface="Times New Roman" panose="02020603050405020304" pitchFamily="18" charset="0"/>
+                  <a:cs typeface="Times New Roman" panose="02020603050405020304" pitchFamily="18" charset="0"/>
+                </a:rPr>
+                <a:t>8. Provide and Register Document Set</a:t>
+              </a:r>
+              <a:endParaRPr kumimoji="0" lang="en-US" altLang="en-US" sz="4400" b="0" i="0" u="none" strike="noStrike" cap="none" normalizeH="0" baseline="0" dirty="0">
+                <a:ln>
+                  <a:noFill/>
+                </a:ln>
+                <a:solidFill>
+                  <a:schemeClr val="tx1"/>
+                </a:solidFill>
+                <a:effectLst/>
+                <a:latin typeface="Times New Roman" panose="02020603050405020304" pitchFamily="18" charset="0"/>
+                <a:cs typeface="Times New Roman" panose="02020603050405020304" pitchFamily="18" charset="0"/>
+              </a:endParaRPr>
+            </a:p>
+          </p:txBody>
+        </p:sp>
+        <p:sp>
+          <p:nvSpPr>
+            <p:cNvPr id="43" name="Line 63">
+              <a:extLst>
+                <a:ext uri="{FF2B5EF4-FFF2-40B4-BE49-F238E27FC236}">
+                  <a16:creationId xmlns:a16="http://schemas.microsoft.com/office/drawing/2014/main" id="{BA2CFEBD-24AF-3049-AA99-BF2171A046AF}"/>
+                </a:ext>
+              </a:extLst>
+            </p:cNvPr>
+            <p:cNvSpPr>
+              <a:spLocks noChangeShapeType="1"/>
+            </p:cNvSpPr>
+            <p:nvPr/>
+          </p:nvSpPr>
+          <p:spPr bwMode="auto">
+            <a:xfrm>
+              <a:off x="7540587" y="5837525"/>
+              <a:ext cx="2739550" cy="0"/>
+            </a:xfrm>
+            <a:prstGeom prst="line">
+              <a:avLst/>
+            </a:prstGeom>
+            <a:noFill/>
+            <a:ln w="9525">
+              <a:solidFill>
+                <a:srgbClr val="000000"/>
+              </a:solidFill>
+              <a:round/>
+              <a:headEnd/>
+              <a:tailEnd type="triangle" w="med" len="med"/>
+            </a:ln>
+            <a:extLst>
+              <a:ext uri="{909E8E84-426E-40DD-AFC4-6F175D3DCCD1}">
+                <a14:hiddenFill xmlns:a14="http://schemas.microsoft.com/office/drawing/2010/main">
+                  <a:noFill/>
+                </a14:hiddenFill>
+              </a:ext>
+            </a:extLst>
+          </p:spPr>
+          <p:txBody>
+            <a:bodyPr vert="horz" wrap="square" lIns="91440" tIns="45720" rIns="91440" bIns="45720" numCol="1" anchor="t" anchorCtr="0" compatLnSpc="1">
+              <a:prstTxWarp prst="textNoShape">
+                <a:avLst/>
+              </a:prstTxWarp>
+            </a:bodyPr>
+            <a:lstStyle/>
+            <a:p>
+              <a:endParaRPr lang="en-US" sz="4400"/>
+            </a:p>
+          </p:txBody>
+        </p:sp>
+        <p:sp>
+          <p:nvSpPr>
+            <p:cNvPr id="44" name="Text Box 62">
+              <a:extLst>
+                <a:ext uri="{FF2B5EF4-FFF2-40B4-BE49-F238E27FC236}">
+                  <a16:creationId xmlns:a16="http://schemas.microsoft.com/office/drawing/2014/main" id="{1CAAEC66-819E-9245-A59F-AE216C5F5EF0}"/>
+                </a:ext>
+              </a:extLst>
+            </p:cNvPr>
+            <p:cNvSpPr txBox="1">
+              <a:spLocks noChangeArrowheads="1"/>
+            </p:cNvSpPr>
+            <p:nvPr/>
+          </p:nvSpPr>
+          <p:spPr bwMode="auto">
+            <a:xfrm>
+              <a:off x="7618531" y="5441841"/>
+              <a:ext cx="2605047" cy="892698"/>
+            </a:xfrm>
+            <a:prstGeom prst="rect">
+              <a:avLst/>
+            </a:prstGeom>
+            <a:noFill/>
+            <a:ln>
+              <a:noFill/>
+            </a:ln>
+            <a:extLst>
+              <a:ext uri="{909E8E84-426E-40DD-AFC4-6F175D3DCCD1}">
+                <a14:hiddenFill xmlns:a14="http://schemas.microsoft.com/office/drawing/2010/main">
+                  <a:solidFill>
+                    <a:srgbClr val="FFFFFF"/>
+                  </a:solidFill>
+                </a14:hiddenFill>
+              </a:ext>
+              <a:ext uri="{91240B29-F687-4F45-9708-019B960494DF}">
+                <a14:hiddenLine xmlns:a14="http://schemas.microsoft.com/office/drawing/2010/main" w="9525">
+                  <a:solidFill>
+                    <a:srgbClr val="000000"/>
+                  </a:solidFill>
+                  <a:miter lim="800000"/>
+                  <a:headEnd/>
+                  <a:tailEnd/>
+                </a14:hiddenLine>
+              </a:ext>
+            </a:extLst>
+          </p:spPr>
+          <p:txBody>
+            <a:bodyPr vert="horz" wrap="square" lIns="91440" tIns="45720" rIns="91440" bIns="45720" numCol="1" anchor="t" anchorCtr="0" compatLnSpc="1">
+              <a:prstTxWarp prst="textNoShape">
+                <a:avLst/>
+              </a:prstTxWarp>
+            </a:bodyPr>
+            <a:lstStyle/>
+            <a:p>
+              <a:pPr marL="0" marR="0" lvl="0" indent="0" algn="ctr" defTabSz="914400" rtl="0" eaLnBrk="0" fontAlgn="base" latinLnBrk="0" hangingPunct="0">
+                <a:lnSpc>
+                  <a:spcPct val="100000"/>
+                </a:lnSpc>
+                <a:spcBef>
+                  <a:spcPct val="0"/>
+                </a:spcBef>
+                <a:spcAft>
+                  <a:spcPct val="0"/>
+                </a:spcAft>
+                <a:buClrTx/>
+                <a:buSzTx/>
+                <a:buFontTx/>
+                <a:buNone/>
+                <a:tabLst/>
+              </a:pPr>
+              <a:r>
+                <a:rPr kumimoji="0" lang="en-US" altLang="en-US" sz="1600" b="0" i="0" u="none" strike="noStrike" cap="none" normalizeH="0" baseline="0" dirty="0">
+                  <a:ln>
+                    <a:noFill/>
+                  </a:ln>
+                  <a:solidFill>
+                    <a:schemeClr val="tx1"/>
+                  </a:solidFill>
+                  <a:effectLst/>
+                  <a:latin typeface="Times New Roman" panose="02020603050405020304" pitchFamily="18" charset="0"/>
+                  <a:ea typeface="Times New Roman" panose="02020603050405020304" pitchFamily="18" charset="0"/>
+                  <a:cs typeface="Arial" panose="020B0604020202020204" pitchFamily="34" charset="0"/>
+                </a:rPr>
+                <a:t>9. Register Document Set</a:t>
+              </a:r>
+              <a:endParaRPr kumimoji="0" lang="en-US" altLang="en-US" sz="4400" b="0" i="0" u="none" strike="noStrike" cap="none" normalizeH="0" baseline="0" dirty="0">
+                <a:ln>
+                  <a:noFill/>
+                </a:ln>
+                <a:solidFill>
+                  <a:schemeClr val="tx1"/>
+                </a:solidFill>
+                <a:effectLst/>
+                <a:latin typeface="Arial" panose="020B0604020202020204" pitchFamily="34" charset="0"/>
+              </a:endParaRPr>
+            </a:p>
+          </p:txBody>
+        </p:sp>
+        <p:sp>
+          <p:nvSpPr>
+            <p:cNvPr id="45" name="Rectangle 38">
+              <a:extLst>
+                <a:ext uri="{FF2B5EF4-FFF2-40B4-BE49-F238E27FC236}">
+                  <a16:creationId xmlns:a16="http://schemas.microsoft.com/office/drawing/2014/main" id="{29529D65-E136-044A-9AB9-037D4CA837AD}"/>
+                </a:ext>
+              </a:extLst>
+            </p:cNvPr>
+            <p:cNvSpPr>
+              <a:spLocks noChangeArrowheads="1"/>
+            </p:cNvSpPr>
+            <p:nvPr/>
+          </p:nvSpPr>
+          <p:spPr bwMode="auto">
+            <a:xfrm>
+              <a:off x="321372" y="512271"/>
+              <a:ext cx="3111507" cy="858078"/>
+            </a:xfrm>
+            <a:prstGeom prst="rect">
+              <a:avLst/>
+            </a:prstGeom>
+            <a:solidFill>
+              <a:srgbClr val="FFFFFF"/>
+            </a:solidFill>
+            <a:ln>
+              <a:noFill/>
+            </a:ln>
+            <a:extLst>
+              <a:ext uri="{91240B29-F687-4F45-9708-019B960494DF}">
+                <a14:hiddenLine xmlns:a14="http://schemas.microsoft.com/office/drawing/2010/main" w="9525">
+                  <a:solidFill>
+                    <a:srgbClr val="000000"/>
+                  </a:solidFill>
+                  <a:miter lim="800000"/>
+                  <a:headEnd/>
+                  <a:tailEnd/>
+                </a14:hiddenLine>
+              </a:ext>
+            </a:extLst>
+          </p:spPr>
+          <p:txBody>
+            <a:bodyPr vert="horz" wrap="square" lIns="91440" tIns="45720" rIns="91440" bIns="45720" numCol="1" anchor="t" anchorCtr="0" compatLnSpc="1">
+              <a:prstTxWarp prst="textNoShape">
+                <a:avLst/>
+              </a:prstTxWarp>
+            </a:bodyPr>
+            <a:lstStyle/>
+            <a:p>
+              <a:pPr marL="0" marR="0" lvl="0" indent="0" algn="l" defTabSz="914400" rtl="0" eaLnBrk="0" fontAlgn="base" latinLnBrk="0" hangingPunct="0">
+                <a:lnSpc>
+                  <a:spcPct val="100000"/>
+                </a:lnSpc>
+                <a:spcBef>
+                  <a:spcPct val="0"/>
+                </a:spcBef>
+                <a:spcAft>
+                  <a:spcPct val="0"/>
+                </a:spcAft>
+                <a:buClrTx/>
+                <a:buSzTx/>
+                <a:buFontTx/>
+                <a:buNone/>
+                <a:tabLst/>
+              </a:pPr>
+              <a:endParaRPr kumimoji="0" lang="en-US" altLang="en-US" b="0" i="0" u="none" strike="noStrike" cap="none" normalizeH="0" baseline="0" dirty="0">
                 <a:ln>
                   <a:noFill/>
                 </a:ln>
@@ -3563,118 +4469,67 @@
                 <a:effectLst/>
                 <a:latin typeface="Arial" panose="020B0604020202020204" pitchFamily="34" charset="0"/>
                 <a:ea typeface="Times New Roman" panose="02020603050405020304" pitchFamily="18" charset="0"/>
-              </a:rPr>
-              <a:t>(Cardiology Network)</a:t>
-            </a:r>
-            <a:endParaRPr kumimoji="0" lang="en-US" altLang="en-US" sz="1800" b="0" i="0" u="none" strike="noStrike" cap="none" normalizeH="0" baseline="0" dirty="0">
-              <a:ln>
-                <a:noFill/>
-              </a:ln>
-              <a:solidFill>
-                <a:schemeClr val="tx1"/>
-              </a:solidFill>
-              <a:effectLst/>
-              <a:latin typeface="Arial" panose="020B0604020202020204" pitchFamily="34" charset="0"/>
-            </a:endParaRPr>
-          </a:p>
-        </p:txBody>
-      </p:sp>
-      <p:sp>
-        <p:nvSpPr>
-          <p:cNvPr id="34" name="Rectangle 37">
-            <a:extLst>
-              <a:ext uri="{FF2B5EF4-FFF2-40B4-BE49-F238E27FC236}">
-                <a16:creationId xmlns:a16="http://schemas.microsoft.com/office/drawing/2014/main" id="{191FC7F3-DE0F-534A-8875-40E87753F150}"/>
-              </a:ext>
-            </a:extLst>
-          </p:cNvPr>
-          <p:cNvSpPr>
-            <a:spLocks noChangeArrowheads="1"/>
-          </p:cNvSpPr>
-          <p:nvPr/>
-        </p:nvSpPr>
-        <p:spPr bwMode="auto">
-          <a:xfrm>
-            <a:off x="1477962" y="457200"/>
-            <a:ext cx="1186763" cy="338138"/>
-          </a:xfrm>
-          <a:prstGeom prst="rect">
-            <a:avLst/>
-          </a:prstGeom>
-          <a:solidFill>
-            <a:srgbClr val="FFFFFF"/>
-          </a:solidFill>
-          <a:ln>
-            <a:noFill/>
-          </a:ln>
-          <a:extLst>
-            <a:ext uri="{91240B29-F687-4F45-9708-019B960494DF}">
-              <a14:hiddenLine xmlns:a14="http://schemas.microsoft.com/office/drawing/2010/main" w="9525">
-                <a:solidFill>
-                  <a:srgbClr val="000000"/>
-                </a:solidFill>
-                <a:miter lim="800000"/>
-                <a:headEnd/>
-                <a:tailEnd/>
-              </a14:hiddenLine>
-            </a:ext>
-          </a:extLst>
-        </p:spPr>
-        <p:txBody>
-          <a:bodyPr vert="horz" wrap="square" lIns="91440" tIns="45720" rIns="91440" bIns="45720" numCol="1" anchor="t" anchorCtr="0" compatLnSpc="1">
-            <a:prstTxWarp prst="textNoShape">
-              <a:avLst/>
-            </a:prstTxWarp>
-          </a:bodyPr>
-          <a:lstStyle/>
-          <a:p>
-            <a:pPr marL="0" marR="0" lvl="0" indent="0" algn="l" defTabSz="914400" rtl="0" eaLnBrk="0" fontAlgn="base" latinLnBrk="0" hangingPunct="0">
-              <a:lnSpc>
-                <a:spcPct val="100000"/>
-              </a:lnSpc>
-              <a:spcBef>
-                <a:spcPct val="0"/>
-              </a:spcBef>
-              <a:spcAft>
-                <a:spcPct val="0"/>
-              </a:spcAft>
-              <a:buClrTx/>
-              <a:buSzTx/>
-              <a:buFontTx/>
-              <a:buNone/>
-              <a:tabLst/>
-            </a:pPr>
-            <a:endParaRPr kumimoji="0" lang="fr-FR" altLang="en-US" sz="900" b="0" i="0" u="none" strike="noStrike" cap="none" normalizeH="0" baseline="0" dirty="0">
-              <a:ln>
-                <a:noFill/>
-              </a:ln>
-              <a:solidFill>
-                <a:schemeClr val="tx1"/>
-              </a:solidFill>
-              <a:effectLst/>
-              <a:latin typeface="Arial" panose="020B0604020202020204" pitchFamily="34" charset="0"/>
-              <a:ea typeface="Times New Roman" panose="02020603050405020304" pitchFamily="18" charset="0"/>
-            </a:endParaRPr>
-          </a:p>
-          <a:p>
-            <a:pPr marL="0" marR="0" lvl="0" indent="0" algn="ctr" defTabSz="914400" rtl="0" eaLnBrk="0" fontAlgn="base" latinLnBrk="0" hangingPunct="0">
-              <a:lnSpc>
-                <a:spcPct val="100000"/>
-              </a:lnSpc>
-              <a:spcBef>
-                <a:spcPct val="0"/>
-              </a:spcBef>
-              <a:spcAft>
-                <a:spcPct val="0"/>
-              </a:spcAft>
-              <a:buClrTx/>
-              <a:buSzTx/>
-              <a:buFontTx/>
-              <a:buNone/>
-              <a:tabLst/>
-            </a:pPr>
-            <a:r>
-              <a:rPr kumimoji="0" lang="fr-FR" altLang="en-US" sz="900" b="0" i="0" u="none" strike="noStrike" cap="none" normalizeH="0" baseline="0" dirty="0">
+              </a:endParaRPr>
+            </a:p>
+            <a:p>
+              <a:pPr marL="0" marR="0" lvl="0" indent="0" algn="ctr" defTabSz="914400" rtl="0" eaLnBrk="0" fontAlgn="base" latinLnBrk="0" hangingPunct="0">
+                <a:lnSpc>
+                  <a:spcPct val="100000"/>
+                </a:lnSpc>
+                <a:spcBef>
+                  <a:spcPct val="0"/>
+                </a:spcBef>
+                <a:spcAft>
+                  <a:spcPct val="0"/>
+                </a:spcAft>
+                <a:buClrTx/>
+                <a:buSzTx/>
+                <a:buFontTx/>
+                <a:buNone/>
+                <a:tabLst/>
+              </a:pPr>
+              <a:r>
+                <a:rPr kumimoji="0" lang="en-US" altLang="en-US" b="0" i="0" u="none" strike="noStrike" cap="none" normalizeH="0" baseline="0" dirty="0">
+                  <a:ln>
+                    <a:noFill/>
+                  </a:ln>
+                  <a:solidFill>
+                    <a:schemeClr val="tx1"/>
+                  </a:solidFill>
+                  <a:effectLst/>
+                  <a:latin typeface="Arial" panose="020B0604020202020204" pitchFamily="34" charset="0"/>
+                  <a:ea typeface="Times New Roman" panose="02020603050405020304" pitchFamily="18" charset="0"/>
+                </a:rPr>
+                <a:t>Document Consumer:</a:t>
+              </a:r>
+              <a:br>
+                <a:rPr kumimoji="0" lang="en-US" altLang="en-US" b="0" i="1" u="none" strike="noStrike" cap="none" normalizeH="0" baseline="0" dirty="0">
+                  <a:ln>
+                    <a:noFill/>
+                  </a:ln>
+                  <a:solidFill>
+                    <a:schemeClr val="tx1"/>
+                  </a:solidFill>
+                  <a:effectLst/>
+                  <a:latin typeface="Arial" panose="020B0604020202020204" pitchFamily="34" charset="0"/>
+                  <a:ea typeface="Times New Roman" panose="02020603050405020304" pitchFamily="18" charset="0"/>
+                </a:rPr>
+              </a:br>
+              <a:r>
+                <a:rPr kumimoji="0" lang="en-US" altLang="en-US" b="0" i="1" u="none" strike="noStrike" cap="none" normalizeH="0" baseline="0" dirty="0">
+                  <a:ln>
+                    <a:noFill/>
+                  </a:ln>
+                  <a:solidFill>
+                    <a:schemeClr val="tx1"/>
+                  </a:solidFill>
+                  <a:effectLst/>
+                  <a:latin typeface="Arial" panose="020B0604020202020204" pitchFamily="34" charset="0"/>
+                  <a:ea typeface="Times New Roman" panose="02020603050405020304" pitchFamily="18" charset="0"/>
+                </a:rPr>
+                <a:t>(PCP EHR-CR)</a:t>
+              </a:r>
+              <a:endParaRPr kumimoji="0" lang="en-US" altLang="en-US" sz="4400" b="0" i="0" u="none" strike="noStrike" cap="none" normalizeH="0" baseline="0" dirty="0">
                 <a:ln>
                   <a:noFill/>
                 </a:ln>
@@ -3683,521 +4538,199 @@
                 </a:solidFill>
                 <a:effectLst/>
                 <a:latin typeface="Arial" panose="020B0604020202020204" pitchFamily="34" charset="0"/>
-                <a:ea typeface="Times New Roman" panose="02020603050405020304" pitchFamily="18" charset="0"/>
-              </a:rPr>
-              <a:t>Document Source: </a:t>
-            </a:r>
-            <a:br>
-              <a:rPr kumimoji="0" lang="fr-FR" altLang="en-US" sz="900" b="0" i="0" u="none" strike="noStrike" cap="none" normalizeH="0" baseline="0" dirty="0">
-                <a:ln>
+              </a:endParaRPr>
+            </a:p>
+          </p:txBody>
+        </p:sp>
+        <p:sp>
+          <p:nvSpPr>
+            <p:cNvPr id="46" name="Line 44">
+              <a:extLst>
+                <a:ext uri="{FF2B5EF4-FFF2-40B4-BE49-F238E27FC236}">
+                  <a16:creationId xmlns:a16="http://schemas.microsoft.com/office/drawing/2014/main" id="{DACA17F4-4153-A14F-9372-3326356AB931}"/>
+                </a:ext>
+              </a:extLst>
+            </p:cNvPr>
+            <p:cNvSpPr>
+              <a:spLocks noChangeShapeType="1"/>
+            </p:cNvSpPr>
+            <p:nvPr/>
+          </p:nvSpPr>
+          <p:spPr bwMode="auto">
+            <a:xfrm flipH="1">
+              <a:off x="1605436" y="1495533"/>
+              <a:ext cx="2" cy="4240310"/>
+            </a:xfrm>
+            <a:prstGeom prst="line">
+              <a:avLst/>
+            </a:prstGeom>
+            <a:noFill/>
+            <a:ln w="9525">
+              <a:solidFill>
+                <a:srgbClr val="000000"/>
+              </a:solidFill>
+              <a:prstDash val="sysDot"/>
+              <a:round/>
+              <a:headEnd/>
+              <a:tailEnd/>
+            </a:ln>
+            <a:extLst>
+              <a:ext uri="{909E8E84-426E-40DD-AFC4-6F175D3DCCD1}">
+                <a14:hiddenFill xmlns:a14="http://schemas.microsoft.com/office/drawing/2010/main">
                   <a:noFill/>
-                </a:ln>
-                <a:solidFill>
-                  <a:schemeClr val="tx1"/>
-                </a:solidFill>
-                <a:effectLst/>
-                <a:latin typeface="Arial" panose="020B0604020202020204" pitchFamily="34" charset="0"/>
-                <a:ea typeface="Times New Roman" panose="02020603050405020304" pitchFamily="18" charset="0"/>
-              </a:rPr>
-            </a:br>
-            <a:r>
-              <a:rPr kumimoji="0" lang="fr-FR" altLang="en-US" sz="900" b="0" i="1" u="none" strike="noStrike" cap="none" normalizeH="0" baseline="0" dirty="0">
-                <a:ln>
+                </a14:hiddenFill>
+              </a:ext>
+            </a:extLst>
+          </p:spPr>
+          <p:txBody>
+            <a:bodyPr vert="horz" wrap="square" lIns="91440" tIns="45720" rIns="91440" bIns="45720" numCol="1" anchor="t" anchorCtr="0" compatLnSpc="1">
+              <a:prstTxWarp prst="textNoShape">
+                <a:avLst/>
+              </a:prstTxWarp>
+            </a:bodyPr>
+            <a:lstStyle/>
+            <a:p>
+              <a:endParaRPr lang="en-US" sz="4400"/>
+            </a:p>
+          </p:txBody>
+        </p:sp>
+        <p:sp>
+          <p:nvSpPr>
+            <p:cNvPr id="47" name="Line 43">
+              <a:extLst>
+                <a:ext uri="{FF2B5EF4-FFF2-40B4-BE49-F238E27FC236}">
+                  <a16:creationId xmlns:a16="http://schemas.microsoft.com/office/drawing/2014/main" id="{28B7FA60-411C-B34D-91D8-F79360252241}"/>
+                </a:ext>
+              </a:extLst>
+            </p:cNvPr>
+            <p:cNvSpPr>
+              <a:spLocks noChangeShapeType="1"/>
+            </p:cNvSpPr>
+            <p:nvPr/>
+          </p:nvSpPr>
+          <p:spPr bwMode="auto">
+            <a:xfrm>
+              <a:off x="1750986" y="2012575"/>
+              <a:ext cx="8542089" cy="0"/>
+            </a:xfrm>
+            <a:prstGeom prst="line">
+              <a:avLst/>
+            </a:prstGeom>
+            <a:noFill/>
+            <a:ln w="9525">
+              <a:solidFill>
+                <a:srgbClr val="000000"/>
+              </a:solidFill>
+              <a:round/>
+              <a:headEnd/>
+              <a:tailEnd type="triangle" w="med" len="med"/>
+            </a:ln>
+            <a:extLst>
+              <a:ext uri="{909E8E84-426E-40DD-AFC4-6F175D3DCCD1}">
+                <a14:hiddenFill xmlns:a14="http://schemas.microsoft.com/office/drawing/2010/main">
                   <a:noFill/>
-                </a:ln>
-                <a:solidFill>
-                  <a:schemeClr val="tx1"/>
-                </a:solidFill>
-                <a:effectLst/>
-                <a:latin typeface="Arial" panose="020B0604020202020204" pitchFamily="34" charset="0"/>
-                <a:ea typeface="Times New Roman" panose="02020603050405020304" pitchFamily="18" charset="0"/>
-              </a:rPr>
-              <a:t>(PCP EHR-CR)</a:t>
-            </a:r>
-            <a:endParaRPr kumimoji="0" lang="fr-FR" altLang="en-US" sz="1800" b="0" i="0" u="none" strike="noStrike" cap="none" normalizeH="0" baseline="0" dirty="0">
-              <a:ln>
-                <a:noFill/>
-              </a:ln>
-              <a:solidFill>
-                <a:schemeClr val="tx1"/>
-              </a:solidFill>
-              <a:effectLst/>
-              <a:latin typeface="Arial" panose="020B0604020202020204" pitchFamily="34" charset="0"/>
-            </a:endParaRPr>
-          </a:p>
-        </p:txBody>
-      </p:sp>
-      <p:sp>
-        <p:nvSpPr>
-          <p:cNvPr id="35" name="Rectangle 45">
-            <a:extLst>
-              <a:ext uri="{FF2B5EF4-FFF2-40B4-BE49-F238E27FC236}">
-                <a16:creationId xmlns:a16="http://schemas.microsoft.com/office/drawing/2014/main" id="{DB60165E-20BD-3C4D-9B8B-42AA2CBB8F94}"/>
-              </a:ext>
-            </a:extLst>
-          </p:cNvPr>
-          <p:cNvSpPr>
-            <a:spLocks noChangeArrowheads="1"/>
-          </p:cNvSpPr>
-          <p:nvPr/>
-        </p:nvSpPr>
-        <p:spPr bwMode="auto">
-          <a:xfrm>
-            <a:off x="4318812" y="563755"/>
-            <a:ext cx="1423165" cy="443702"/>
-          </a:xfrm>
-          <a:prstGeom prst="rect">
-            <a:avLst/>
-          </a:prstGeom>
-          <a:solidFill>
-            <a:srgbClr val="FFFFFF"/>
-          </a:solidFill>
-          <a:ln>
+                </a14:hiddenFill>
+              </a:ext>
+            </a:extLst>
+          </p:spPr>
+          <p:txBody>
+            <a:bodyPr vert="horz" wrap="square" lIns="91440" tIns="45720" rIns="91440" bIns="45720" numCol="1" anchor="t" anchorCtr="0" compatLnSpc="1">
+              <a:prstTxWarp prst="textNoShape">
+                <a:avLst/>
+              </a:prstTxWarp>
+            </a:bodyPr>
+            <a:lstStyle/>
+            <a:p>
+              <a:endParaRPr lang="en-US" sz="4400"/>
+            </a:p>
+          </p:txBody>
+        </p:sp>
+        <p:sp>
+          <p:nvSpPr>
+            <p:cNvPr id="48" name="Text Box 42">
+              <a:extLst>
+                <a:ext uri="{FF2B5EF4-FFF2-40B4-BE49-F238E27FC236}">
+                  <a16:creationId xmlns:a16="http://schemas.microsoft.com/office/drawing/2014/main" id="{2742E0D4-67B4-044F-A9C7-C645FEAE0007}"/>
+                </a:ext>
+              </a:extLst>
+            </p:cNvPr>
+            <p:cNvSpPr txBox="1">
+              <a:spLocks noChangeArrowheads="1"/>
+            </p:cNvSpPr>
+            <p:nvPr/>
+          </p:nvSpPr>
+          <p:spPr bwMode="auto">
+            <a:xfrm>
+              <a:off x="4681365" y="1616890"/>
+              <a:ext cx="2791303" cy="530444"/>
+            </a:xfrm>
+            <a:prstGeom prst="rect">
+              <a:avLst/>
+            </a:prstGeom>
             <a:noFill/>
-          </a:ln>
-          <a:extLst>
-            <a:ext uri="{91240B29-F687-4F45-9708-019B960494DF}">
-              <a14:hiddenLine xmlns:a14="http://schemas.microsoft.com/office/drawing/2010/main" w="9525">
-                <a:solidFill>
-                  <a:srgbClr val="000000"/>
-                </a:solidFill>
-                <a:miter lim="800000"/>
-                <a:headEnd/>
-                <a:tailEnd/>
-              </a14:hiddenLine>
-            </a:ext>
-          </a:extLst>
-        </p:spPr>
-        <p:txBody>
-          <a:bodyPr vert="horz" wrap="square" lIns="91440" tIns="45720" rIns="91440" bIns="45720" numCol="1" anchor="t" anchorCtr="0" compatLnSpc="1">
-            <a:prstTxWarp prst="textNoShape">
-              <a:avLst/>
-            </a:prstTxWarp>
-          </a:bodyPr>
-          <a:lstStyle/>
-          <a:p>
-            <a:pPr marL="0" marR="0" lvl="0" indent="0" algn="ctr" defTabSz="914400" rtl="0" eaLnBrk="0" fontAlgn="base" latinLnBrk="0" hangingPunct="0">
-              <a:lnSpc>
-                <a:spcPct val="100000"/>
-              </a:lnSpc>
-              <a:spcBef>
-                <a:spcPct val="0"/>
-              </a:spcBef>
-              <a:spcAft>
-                <a:spcPct val="0"/>
-              </a:spcAft>
-              <a:buClrTx/>
-              <a:buSzTx/>
-              <a:buFontTx/>
-              <a:buNone/>
-              <a:tabLst/>
-            </a:pPr>
-            <a:r>
-              <a:rPr kumimoji="0" lang="en-US" altLang="en-US" sz="900" b="0" i="0" u="none" strike="noStrike" cap="none" normalizeH="0" baseline="0" dirty="0">
-                <a:ln>
-                  <a:noFill/>
-                </a:ln>
-                <a:solidFill>
-                  <a:schemeClr val="tx1"/>
-                </a:solidFill>
-                <a:effectLst/>
-                <a:latin typeface="Arial" panose="020B0604020202020204" pitchFamily="34" charset="0"/>
-                <a:ea typeface="Times New Roman" panose="02020603050405020304" pitchFamily="18" charset="0"/>
-              </a:rPr>
-              <a:t>Document Registry: </a:t>
-            </a:r>
-            <a:r>
-              <a:rPr kumimoji="0" lang="en-US" altLang="en-US" sz="900" b="0" i="1" u="none" strike="noStrike" cap="none" normalizeH="0" baseline="0" dirty="0">
-                <a:ln>
-                  <a:noFill/>
-                </a:ln>
-                <a:solidFill>
-                  <a:schemeClr val="tx1"/>
-                </a:solidFill>
-                <a:effectLst/>
-                <a:latin typeface="Arial" panose="020B0604020202020204" pitchFamily="34" charset="0"/>
-                <a:ea typeface="Times New Roman" panose="02020603050405020304" pitchFamily="18" charset="0"/>
-              </a:rPr>
-              <a:t>(Cardiology Network)</a:t>
-            </a:r>
-            <a:endParaRPr kumimoji="0" lang="en-US" altLang="en-US" sz="1800" b="0" i="0" u="none" strike="noStrike" cap="none" normalizeH="0" baseline="0" dirty="0">
-              <a:ln>
-                <a:noFill/>
-              </a:ln>
-              <a:solidFill>
-                <a:schemeClr val="tx1"/>
-              </a:solidFill>
-              <a:effectLst/>
-              <a:latin typeface="Arial" panose="020B0604020202020204" pitchFamily="34" charset="0"/>
-            </a:endParaRPr>
-          </a:p>
-        </p:txBody>
-      </p:sp>
-      <p:sp>
-        <p:nvSpPr>
-          <p:cNvPr id="36" name="Line 70">
-            <a:extLst>
-              <a:ext uri="{FF2B5EF4-FFF2-40B4-BE49-F238E27FC236}">
-                <a16:creationId xmlns:a16="http://schemas.microsoft.com/office/drawing/2014/main" id="{31B89592-9DFA-B549-BC12-A8B0A5904E23}"/>
-              </a:ext>
-            </a:extLst>
-          </p:cNvPr>
-          <p:cNvSpPr>
-            <a:spLocks noChangeShapeType="1"/>
-          </p:cNvSpPr>
-          <p:nvPr/>
-        </p:nvSpPr>
-        <p:spPr bwMode="auto">
-          <a:xfrm flipH="1">
-            <a:off x="2005013" y="1031732"/>
-            <a:ext cx="9525" cy="1992313"/>
-          </a:xfrm>
-          <a:prstGeom prst="line">
-            <a:avLst/>
-          </a:prstGeom>
-          <a:noFill/>
-          <a:ln w="9525">
-            <a:solidFill>
-              <a:srgbClr val="000000"/>
-            </a:solidFill>
-            <a:prstDash val="sysDot"/>
-            <a:round/>
-            <a:headEnd/>
-            <a:tailEnd/>
-          </a:ln>
-          <a:extLst>
-            <a:ext uri="{909E8E84-426E-40DD-AFC4-6F175D3DCCD1}">
-              <a14:hiddenFill xmlns:a14="http://schemas.microsoft.com/office/drawing/2010/main">
-                <a:noFill/>
-              </a14:hiddenFill>
-            </a:ext>
-          </a:extLst>
-        </p:spPr>
-        <p:txBody>
-          <a:bodyPr vert="horz" wrap="square" lIns="91440" tIns="45720" rIns="91440" bIns="45720" numCol="1" anchor="t" anchorCtr="0" compatLnSpc="1">
-            <a:prstTxWarp prst="textNoShape">
-              <a:avLst/>
-            </a:prstTxWarp>
-          </a:bodyPr>
-          <a:lstStyle/>
-          <a:p>
-            <a:endParaRPr lang="en-US"/>
-          </a:p>
-        </p:txBody>
-      </p:sp>
-      <p:sp>
-        <p:nvSpPr>
-          <p:cNvPr id="37" name="Line 69">
-            <a:extLst>
-              <a:ext uri="{FF2B5EF4-FFF2-40B4-BE49-F238E27FC236}">
-                <a16:creationId xmlns:a16="http://schemas.microsoft.com/office/drawing/2014/main" id="{6EADE1BB-03C1-2D43-8D60-97AE3C0C3C0D}"/>
-              </a:ext>
-            </a:extLst>
-          </p:cNvPr>
-          <p:cNvSpPr>
-            <a:spLocks noChangeShapeType="1"/>
-          </p:cNvSpPr>
-          <p:nvPr/>
-        </p:nvSpPr>
-        <p:spPr bwMode="auto">
-          <a:xfrm>
-            <a:off x="3562350" y="983180"/>
-            <a:ext cx="0" cy="2001838"/>
-          </a:xfrm>
-          <a:prstGeom prst="line">
-            <a:avLst/>
-          </a:prstGeom>
-          <a:noFill/>
-          <a:ln w="9525">
-            <a:solidFill>
-              <a:srgbClr val="000000"/>
-            </a:solidFill>
-            <a:prstDash val="sysDot"/>
-            <a:round/>
-            <a:headEnd/>
-            <a:tailEnd/>
-          </a:ln>
-          <a:extLst>
-            <a:ext uri="{909E8E84-426E-40DD-AFC4-6F175D3DCCD1}">
-              <a14:hiddenFill xmlns:a14="http://schemas.microsoft.com/office/drawing/2010/main">
-                <a:noFill/>
-              </a14:hiddenFill>
-            </a:ext>
-          </a:extLst>
-        </p:spPr>
-        <p:txBody>
-          <a:bodyPr vert="horz" wrap="square" lIns="91440" tIns="45720" rIns="91440" bIns="45720" numCol="1" anchor="t" anchorCtr="0" compatLnSpc="1">
-            <a:prstTxWarp prst="textNoShape">
-              <a:avLst/>
-            </a:prstTxWarp>
-          </a:bodyPr>
-          <a:lstStyle/>
-          <a:p>
-            <a:endParaRPr lang="en-US"/>
-          </a:p>
-        </p:txBody>
-      </p:sp>
-      <p:sp>
-        <p:nvSpPr>
-          <p:cNvPr id="38" name="Rectangle 68">
-            <a:extLst>
-              <a:ext uri="{FF2B5EF4-FFF2-40B4-BE49-F238E27FC236}">
-                <a16:creationId xmlns:a16="http://schemas.microsoft.com/office/drawing/2014/main" id="{006A642A-FC24-2541-8145-6B55FBF3A904}"/>
-              </a:ext>
-            </a:extLst>
-          </p:cNvPr>
-          <p:cNvSpPr>
-            <a:spLocks noChangeArrowheads="1"/>
-          </p:cNvSpPr>
-          <p:nvPr/>
-        </p:nvSpPr>
-        <p:spPr bwMode="auto">
-          <a:xfrm>
-            <a:off x="1947863" y="2733571"/>
-            <a:ext cx="114300" cy="457200"/>
-          </a:xfrm>
-          <a:prstGeom prst="rect">
-            <a:avLst/>
-          </a:prstGeom>
-          <a:solidFill>
-            <a:srgbClr val="FFFFFF"/>
-          </a:solidFill>
-          <a:ln w="9525">
-            <a:solidFill>
-              <a:srgbClr val="000000"/>
-            </a:solidFill>
-            <a:miter lim="800000"/>
-            <a:headEnd/>
-            <a:tailEnd/>
-          </a:ln>
-        </p:spPr>
-        <p:txBody>
-          <a:bodyPr vert="horz" wrap="square" lIns="91440" tIns="45720" rIns="91440" bIns="45720" numCol="1" anchor="t" anchorCtr="0" compatLnSpc="1">
-            <a:prstTxWarp prst="textNoShape">
-              <a:avLst/>
-            </a:prstTxWarp>
-          </a:bodyPr>
-          <a:lstStyle/>
-          <a:p>
-            <a:endParaRPr lang="en-US"/>
-          </a:p>
-        </p:txBody>
-      </p:sp>
-      <p:sp>
-        <p:nvSpPr>
-          <p:cNvPr id="39" name="Rectangle 67">
-            <a:extLst>
-              <a:ext uri="{FF2B5EF4-FFF2-40B4-BE49-F238E27FC236}">
-                <a16:creationId xmlns:a16="http://schemas.microsoft.com/office/drawing/2014/main" id="{A8574EB2-5E46-9E40-BD00-944461514F28}"/>
-              </a:ext>
-            </a:extLst>
-          </p:cNvPr>
-          <p:cNvSpPr>
-            <a:spLocks noChangeArrowheads="1"/>
-          </p:cNvSpPr>
-          <p:nvPr/>
-        </p:nvSpPr>
-        <p:spPr bwMode="auto">
-          <a:xfrm>
-            <a:off x="3477749" y="2787696"/>
-            <a:ext cx="114300" cy="384175"/>
-          </a:xfrm>
-          <a:prstGeom prst="rect">
-            <a:avLst/>
-          </a:prstGeom>
-          <a:solidFill>
-            <a:srgbClr val="FFFFFF"/>
-          </a:solidFill>
-          <a:ln w="9525">
-            <a:solidFill>
-              <a:srgbClr val="000000"/>
-            </a:solidFill>
-            <a:miter lim="800000"/>
-            <a:headEnd/>
-            <a:tailEnd/>
-          </a:ln>
-        </p:spPr>
-        <p:txBody>
-          <a:bodyPr vert="horz" wrap="square" lIns="91440" tIns="45720" rIns="91440" bIns="45720" numCol="1" anchor="t" anchorCtr="0" compatLnSpc="1">
-            <a:prstTxWarp prst="textNoShape">
-              <a:avLst/>
-            </a:prstTxWarp>
-          </a:bodyPr>
-          <a:lstStyle/>
-          <a:p>
-            <a:endParaRPr lang="en-US"/>
-          </a:p>
-        </p:txBody>
-      </p:sp>
-      <p:sp>
-        <p:nvSpPr>
-          <p:cNvPr id="40" name="Rectangle 66">
-            <a:extLst>
-              <a:ext uri="{FF2B5EF4-FFF2-40B4-BE49-F238E27FC236}">
-                <a16:creationId xmlns:a16="http://schemas.microsoft.com/office/drawing/2014/main" id="{7A2BAADA-509B-6C44-BB9F-1FA5CD8D7A48}"/>
-              </a:ext>
-            </a:extLst>
-          </p:cNvPr>
-          <p:cNvSpPr>
-            <a:spLocks noChangeArrowheads="1"/>
-          </p:cNvSpPr>
-          <p:nvPr/>
-        </p:nvSpPr>
-        <p:spPr bwMode="auto">
-          <a:xfrm>
-            <a:off x="4954588" y="2909076"/>
-            <a:ext cx="114300" cy="280988"/>
-          </a:xfrm>
-          <a:prstGeom prst="rect">
-            <a:avLst/>
-          </a:prstGeom>
-          <a:solidFill>
-            <a:srgbClr val="FFFFFF"/>
-          </a:solidFill>
-          <a:ln w="9525">
-            <a:solidFill>
-              <a:srgbClr val="000000"/>
-            </a:solidFill>
-            <a:miter lim="800000"/>
-            <a:headEnd/>
-            <a:tailEnd/>
-          </a:ln>
-        </p:spPr>
-        <p:txBody>
-          <a:bodyPr vert="horz" wrap="square" lIns="91440" tIns="45720" rIns="91440" bIns="45720" numCol="1" anchor="t" anchorCtr="0" compatLnSpc="1">
-            <a:prstTxWarp prst="textNoShape">
-              <a:avLst/>
-            </a:prstTxWarp>
-          </a:bodyPr>
-          <a:lstStyle/>
-          <a:p>
-            <a:endParaRPr lang="en-US"/>
-          </a:p>
-        </p:txBody>
-      </p:sp>
-      <p:sp>
-        <p:nvSpPr>
-          <p:cNvPr id="41" name="Line 65">
-            <a:extLst>
-              <a:ext uri="{FF2B5EF4-FFF2-40B4-BE49-F238E27FC236}">
-                <a16:creationId xmlns:a16="http://schemas.microsoft.com/office/drawing/2014/main" id="{5FADBCAC-A654-304A-BB43-8137E0F65015}"/>
-              </a:ext>
-            </a:extLst>
-          </p:cNvPr>
-          <p:cNvSpPr>
-            <a:spLocks noChangeShapeType="1"/>
-          </p:cNvSpPr>
-          <p:nvPr/>
-        </p:nvSpPr>
-        <p:spPr bwMode="auto">
-          <a:xfrm>
-            <a:off x="2070100" y="2973812"/>
-            <a:ext cx="1409700" cy="1588"/>
-          </a:xfrm>
-          <a:prstGeom prst="line">
-            <a:avLst/>
-          </a:prstGeom>
-          <a:noFill/>
-          <a:ln w="6350">
-            <a:solidFill>
-              <a:srgbClr val="000000"/>
-            </a:solidFill>
-            <a:round/>
-            <a:headEnd/>
-            <a:tailEnd type="triangle" w="med" len="med"/>
-          </a:ln>
-          <a:extLst>
-            <a:ext uri="{909E8E84-426E-40DD-AFC4-6F175D3DCCD1}">
-              <a14:hiddenFill xmlns:a14="http://schemas.microsoft.com/office/drawing/2010/main">
-                <a:noFill/>
-              </a14:hiddenFill>
-            </a:ext>
-          </a:extLst>
-        </p:spPr>
-        <p:txBody>
-          <a:bodyPr vert="horz" wrap="square" lIns="91440" tIns="45720" rIns="91440" bIns="45720" numCol="1" anchor="t" anchorCtr="0" compatLnSpc="1">
-            <a:prstTxWarp prst="textNoShape">
-              <a:avLst/>
-            </a:prstTxWarp>
-          </a:bodyPr>
-          <a:lstStyle/>
-          <a:p>
-            <a:endParaRPr lang="en-US"/>
-          </a:p>
-        </p:txBody>
-      </p:sp>
-      <p:sp>
-        <p:nvSpPr>
-          <p:cNvPr id="42" name="Text Box 64">
-            <a:extLst>
-              <a:ext uri="{FF2B5EF4-FFF2-40B4-BE49-F238E27FC236}">
-                <a16:creationId xmlns:a16="http://schemas.microsoft.com/office/drawing/2014/main" id="{173D505C-8068-0142-9737-B4F4BBE337AE}"/>
-              </a:ext>
-            </a:extLst>
-          </p:cNvPr>
-          <p:cNvSpPr txBox="1">
-            <a:spLocks noChangeArrowheads="1"/>
-          </p:cNvSpPr>
-          <p:nvPr/>
-        </p:nvSpPr>
-        <p:spPr bwMode="auto">
-          <a:xfrm>
-            <a:off x="2191102" y="2674408"/>
-            <a:ext cx="1201735" cy="482600"/>
-          </a:xfrm>
-          <a:prstGeom prst="rect">
-            <a:avLst/>
-          </a:prstGeom>
-          <a:noFill/>
-          <a:ln>
-            <a:noFill/>
-          </a:ln>
-          <a:extLst>
-            <a:ext uri="{909E8E84-426E-40DD-AFC4-6F175D3DCCD1}">
-              <a14:hiddenFill xmlns:a14="http://schemas.microsoft.com/office/drawing/2010/main">
-                <a:solidFill>
-                  <a:srgbClr val="FFFFFF"/>
-                </a:solidFill>
-              </a14:hiddenFill>
-            </a:ext>
-            <a:ext uri="{91240B29-F687-4F45-9708-019B960494DF}">
-              <a14:hiddenLine xmlns:a14="http://schemas.microsoft.com/office/drawing/2010/main" w="9525">
-                <a:solidFill>
-                  <a:srgbClr val="000000"/>
-                </a:solidFill>
-                <a:miter lim="800000"/>
-                <a:headEnd/>
-                <a:tailEnd/>
-              </a14:hiddenLine>
-            </a:ext>
-          </a:extLst>
-        </p:spPr>
-        <p:txBody>
-          <a:bodyPr vert="horz" wrap="square" lIns="91440" tIns="45720" rIns="91440" bIns="45720" numCol="1" anchor="t" anchorCtr="0" compatLnSpc="1">
-            <a:prstTxWarp prst="textNoShape">
-              <a:avLst/>
-            </a:prstTxWarp>
-          </a:bodyPr>
-          <a:lstStyle/>
-          <a:p>
-            <a:pPr marL="0" marR="0" lvl="0" indent="0" algn="ctr" defTabSz="914400" rtl="0" eaLnBrk="0" fontAlgn="base" latinLnBrk="0" hangingPunct="0">
-              <a:lnSpc>
-                <a:spcPct val="100000"/>
-              </a:lnSpc>
-              <a:spcBef>
-                <a:spcPct val="0"/>
-              </a:spcBef>
-              <a:spcAft>
-                <a:spcPct val="0"/>
-              </a:spcAft>
-              <a:buClrTx/>
-              <a:buSzTx/>
-              <a:buFontTx/>
-              <a:buNone/>
-              <a:tabLst/>
-            </a:pPr>
-            <a:r>
-              <a:rPr kumimoji="0" lang="en-US" altLang="en-US" sz="800" b="0" i="0" u="none" strike="noStrike" cap="none" normalizeH="0" baseline="0" dirty="0">
+            <a:ln>
+              <a:noFill/>
+            </a:ln>
+            <a:extLst>
+              <a:ext uri="{909E8E84-426E-40DD-AFC4-6F175D3DCCD1}">
+                <a14:hiddenFill xmlns:a14="http://schemas.microsoft.com/office/drawing/2010/main">
+                  <a:solidFill>
+                    <a:srgbClr val="FFFFFF"/>
+                  </a:solidFill>
+                </a14:hiddenFill>
+              </a:ext>
+              <a:ext uri="{91240B29-F687-4F45-9708-019B960494DF}">
+                <a14:hiddenLine xmlns:a14="http://schemas.microsoft.com/office/drawing/2010/main" w="9525">
+                  <a:solidFill>
+                    <a:srgbClr val="000000"/>
+                  </a:solidFill>
+                  <a:miter lim="800000"/>
+                  <a:headEnd/>
+                  <a:tailEnd/>
+                </a14:hiddenLine>
+              </a:ext>
+            </a:extLst>
+          </p:spPr>
+          <p:txBody>
+            <a:bodyPr vert="horz" wrap="square" lIns="91440" tIns="45720" rIns="91440" bIns="45720" numCol="1" anchor="t" anchorCtr="0" compatLnSpc="1">
+              <a:prstTxWarp prst="textNoShape">
+                <a:avLst/>
+              </a:prstTxWarp>
+            </a:bodyPr>
+            <a:lstStyle/>
+            <a:p>
+              <a:pPr marL="0" marR="0" lvl="0" indent="0" algn="ctr" defTabSz="914400" rtl="0" eaLnBrk="0" fontAlgn="base" latinLnBrk="0" hangingPunct="0">
+                <a:lnSpc>
+                  <a:spcPct val="100000"/>
+                </a:lnSpc>
+                <a:spcBef>
+                  <a:spcPct val="0"/>
+                </a:spcBef>
+                <a:spcAft>
+                  <a:spcPct val="0"/>
+                </a:spcAft>
+                <a:buClrTx/>
+                <a:buSzTx/>
+                <a:buFontTx/>
+                <a:buNone/>
+                <a:tabLst/>
+              </a:pPr>
+              <a:r>
+                <a:rPr kumimoji="0" lang="en-US" altLang="en-US" sz="1600" b="0" i="0" u="none" strike="noStrike" cap="none" normalizeH="0" baseline="0" dirty="0">
+                  <a:ln>
+                    <a:noFill/>
+                  </a:ln>
+                  <a:solidFill>
+                    <a:schemeClr val="tx1"/>
+                  </a:solidFill>
+                  <a:effectLst/>
+                  <a:latin typeface="Times New Roman" panose="02020603050405020304" pitchFamily="18" charset="0"/>
+                  <a:ea typeface="Times New Roman" panose="02020603050405020304" pitchFamily="18" charset="0"/>
+                  <a:cs typeface="Times New Roman" panose="02020603050405020304" pitchFamily="18" charset="0"/>
+                </a:rPr>
+                <a:t>1. Query Documents</a:t>
+              </a:r>
+              <a:endParaRPr kumimoji="0" lang="en-US" altLang="en-US" sz="4400" b="0" i="0" u="none" strike="noStrike" cap="none" normalizeH="0" baseline="0" dirty="0">
                 <a:ln>
                   <a:noFill/>
                 </a:ln>
@@ -4206,148 +4739,240 @@
                 </a:solidFill>
                 <a:effectLst/>
                 <a:latin typeface="Times New Roman" panose="02020603050405020304" pitchFamily="18" charset="0"/>
-                <a:ea typeface="Times New Roman" panose="02020603050405020304" pitchFamily="18" charset="0"/>
                 <a:cs typeface="Times New Roman" panose="02020603050405020304" pitchFamily="18" charset="0"/>
-              </a:rPr>
-              <a:t>8. Provide and Register Document Set</a:t>
-            </a:r>
-            <a:endParaRPr kumimoji="0" lang="en-US" altLang="en-US" sz="1800" b="0" i="0" u="none" strike="noStrike" cap="none" normalizeH="0" baseline="0" dirty="0">
-              <a:ln>
-                <a:noFill/>
-              </a:ln>
+              </a:endParaRPr>
+            </a:p>
+          </p:txBody>
+        </p:sp>
+        <p:sp>
+          <p:nvSpPr>
+            <p:cNvPr id="49" name="Rectangle 41">
+              <a:extLst>
+                <a:ext uri="{FF2B5EF4-FFF2-40B4-BE49-F238E27FC236}">
+                  <a16:creationId xmlns:a16="http://schemas.microsoft.com/office/drawing/2014/main" id="{1BA81E7B-252B-2A47-88AA-199AA54EFD11}"/>
+                </a:ext>
+              </a:extLst>
+            </p:cNvPr>
+            <p:cNvSpPr>
+              <a:spLocks noChangeArrowheads="1"/>
+            </p:cNvSpPr>
+            <p:nvPr/>
+          </p:nvSpPr>
+          <p:spPr bwMode="auto">
+            <a:xfrm>
+              <a:off x="10293075" y="3743695"/>
+              <a:ext cx="232878" cy="572492"/>
+            </a:xfrm>
+            <a:prstGeom prst="rect">
+              <a:avLst/>
+            </a:prstGeom>
+            <a:solidFill>
+              <a:srgbClr val="FFFFFF"/>
+            </a:solidFill>
+            <a:ln w="9525">
               <a:solidFill>
-                <a:schemeClr val="tx1"/>
+                <a:srgbClr val="000000"/>
               </a:solidFill>
-              <a:effectLst/>
-              <a:latin typeface="Times New Roman" panose="02020603050405020304" pitchFamily="18" charset="0"/>
-              <a:cs typeface="Times New Roman" panose="02020603050405020304" pitchFamily="18" charset="0"/>
-            </a:endParaRPr>
-          </a:p>
-        </p:txBody>
-      </p:sp>
-      <p:sp>
-        <p:nvSpPr>
-          <p:cNvPr id="43" name="Line 63">
-            <a:extLst>
-              <a:ext uri="{FF2B5EF4-FFF2-40B4-BE49-F238E27FC236}">
-                <a16:creationId xmlns:a16="http://schemas.microsoft.com/office/drawing/2014/main" id="{BA2CFEBD-24AF-3049-AA99-BF2171A046AF}"/>
-              </a:ext>
-            </a:extLst>
-          </p:cNvPr>
-          <p:cNvSpPr>
-            <a:spLocks noChangeShapeType="1"/>
-          </p:cNvSpPr>
-          <p:nvPr/>
-        </p:nvSpPr>
-        <p:spPr bwMode="auto">
-          <a:xfrm>
-            <a:off x="3609975" y="3070916"/>
-            <a:ext cx="1344613" cy="0"/>
-          </a:xfrm>
-          <a:prstGeom prst="line">
-            <a:avLst/>
-          </a:prstGeom>
-          <a:noFill/>
-          <a:ln w="9525">
+              <a:miter lim="800000"/>
+              <a:headEnd/>
+              <a:tailEnd/>
+            </a:ln>
+          </p:spPr>
+          <p:txBody>
+            <a:bodyPr vert="horz" wrap="square" lIns="91440" tIns="45720" rIns="91440" bIns="45720" numCol="1" anchor="t" anchorCtr="0" compatLnSpc="1">
+              <a:prstTxWarp prst="textNoShape">
+                <a:avLst/>
+              </a:prstTxWarp>
+            </a:bodyPr>
+            <a:lstStyle/>
+            <a:p>
+              <a:endParaRPr lang="en-US" sz="4400"/>
+            </a:p>
+          </p:txBody>
+        </p:sp>
+        <p:sp>
+          <p:nvSpPr>
+            <p:cNvPr id="50" name="Rectangle 61">
+              <a:extLst>
+                <a:ext uri="{FF2B5EF4-FFF2-40B4-BE49-F238E27FC236}">
+                  <a16:creationId xmlns:a16="http://schemas.microsoft.com/office/drawing/2014/main" id="{6A2F9057-9525-4F43-99CE-AE76EC7BC480}"/>
+                </a:ext>
+              </a:extLst>
+            </p:cNvPr>
+            <p:cNvSpPr>
+              <a:spLocks noChangeArrowheads="1"/>
+            </p:cNvSpPr>
+            <p:nvPr/>
+          </p:nvSpPr>
+          <p:spPr bwMode="auto">
+            <a:xfrm>
+              <a:off x="7317414" y="2095009"/>
+              <a:ext cx="232878" cy="1387565"/>
+            </a:xfrm>
+            <a:prstGeom prst="rect">
+              <a:avLst/>
+            </a:prstGeom>
             <a:solidFill>
-              <a:srgbClr val="000000"/>
+              <a:srgbClr val="FFFFFF"/>
             </a:solidFill>
-            <a:round/>
-            <a:headEnd/>
-            <a:tailEnd type="triangle" w="med" len="med"/>
-          </a:ln>
-          <a:extLst>
-            <a:ext uri="{909E8E84-426E-40DD-AFC4-6F175D3DCCD1}">
-              <a14:hiddenFill xmlns:a14="http://schemas.microsoft.com/office/drawing/2010/main">
-                <a:noFill/>
-              </a14:hiddenFill>
-            </a:ext>
-          </a:extLst>
-        </p:spPr>
-        <p:txBody>
-          <a:bodyPr vert="horz" wrap="square" lIns="91440" tIns="45720" rIns="91440" bIns="45720" numCol="1" anchor="t" anchorCtr="0" compatLnSpc="1">
-            <a:prstTxWarp prst="textNoShape">
+            <a:ln w="9525">
+              <a:solidFill>
+                <a:srgbClr val="000000"/>
+              </a:solidFill>
+              <a:miter lim="800000"/>
+              <a:headEnd/>
+              <a:tailEnd/>
+            </a:ln>
+          </p:spPr>
+          <p:txBody>
+            <a:bodyPr vert="horz" wrap="square" lIns="91440" tIns="45720" rIns="91440" bIns="45720" numCol="1" anchor="t" anchorCtr="0" compatLnSpc="1">
+              <a:prstTxWarp prst="textNoShape">
+                <a:avLst/>
+              </a:prstTxWarp>
+            </a:bodyPr>
+            <a:lstStyle/>
+            <a:p>
+              <a:endParaRPr lang="en-US" sz="4400"/>
+            </a:p>
+          </p:txBody>
+        </p:sp>
+        <p:sp>
+          <p:nvSpPr>
+            <p:cNvPr id="51" name="Line 40">
+              <a:extLst>
+                <a:ext uri="{FF2B5EF4-FFF2-40B4-BE49-F238E27FC236}">
+                  <a16:creationId xmlns:a16="http://schemas.microsoft.com/office/drawing/2014/main" id="{E4E1EEF3-E2EB-7E41-A71E-FDB1ED465B46}"/>
+                </a:ext>
+              </a:extLst>
+            </p:cNvPr>
+            <p:cNvSpPr>
+              <a:spLocks noChangeShapeType="1"/>
+            </p:cNvSpPr>
+            <p:nvPr/>
+          </p:nvSpPr>
+          <p:spPr bwMode="auto">
+            <a:xfrm>
+              <a:off x="1750986" y="2688536"/>
+              <a:ext cx="5537317" cy="0"/>
+            </a:xfrm>
+            <a:prstGeom prst="line">
               <a:avLst/>
-            </a:prstTxWarp>
-          </a:bodyPr>
-          <a:lstStyle/>
-          <a:p>
-            <a:endParaRPr lang="en-US"/>
-          </a:p>
-        </p:txBody>
-      </p:sp>
-      <p:sp>
-        <p:nvSpPr>
-          <p:cNvPr id="44" name="Text Box 62">
-            <a:extLst>
-              <a:ext uri="{FF2B5EF4-FFF2-40B4-BE49-F238E27FC236}">
-                <a16:creationId xmlns:a16="http://schemas.microsoft.com/office/drawing/2014/main" id="{1CAAEC66-819E-9245-A59F-AE216C5F5EF0}"/>
-              </a:ext>
-            </a:extLst>
-          </p:cNvPr>
-          <p:cNvSpPr txBox="1">
-            <a:spLocks noChangeArrowheads="1"/>
-          </p:cNvSpPr>
-          <p:nvPr/>
-        </p:nvSpPr>
-        <p:spPr bwMode="auto">
-          <a:xfrm>
-            <a:off x="3648231" y="2876708"/>
-            <a:ext cx="1278597" cy="438150"/>
-          </a:xfrm>
-          <a:prstGeom prst="rect">
-            <a:avLst/>
-          </a:prstGeom>
-          <a:noFill/>
-          <a:ln>
+            </a:prstGeom>
             <a:noFill/>
-          </a:ln>
-          <a:extLst>
-            <a:ext uri="{909E8E84-426E-40DD-AFC4-6F175D3DCCD1}">
-              <a14:hiddenFill xmlns:a14="http://schemas.microsoft.com/office/drawing/2010/main">
-                <a:solidFill>
-                  <a:srgbClr val="FFFFFF"/>
-                </a:solidFill>
-              </a14:hiddenFill>
-            </a:ext>
-            <a:ext uri="{91240B29-F687-4F45-9708-019B960494DF}">
-              <a14:hiddenLine xmlns:a14="http://schemas.microsoft.com/office/drawing/2010/main" w="9525">
-                <a:solidFill>
-                  <a:srgbClr val="000000"/>
-                </a:solidFill>
-                <a:miter lim="800000"/>
-                <a:headEnd/>
-                <a:tailEnd/>
-              </a14:hiddenLine>
-            </a:ext>
-          </a:extLst>
-        </p:spPr>
-        <p:txBody>
-          <a:bodyPr vert="horz" wrap="square" lIns="91440" tIns="45720" rIns="91440" bIns="45720" numCol="1" anchor="t" anchorCtr="0" compatLnSpc="1">
-            <a:prstTxWarp prst="textNoShape">
+            <a:ln w="9525">
+              <a:solidFill>
+                <a:srgbClr val="000000"/>
+              </a:solidFill>
+              <a:round/>
+              <a:headEnd/>
+              <a:tailEnd type="triangle" w="med" len="med"/>
+            </a:ln>
+            <a:extLst>
+              <a:ext uri="{909E8E84-426E-40DD-AFC4-6F175D3DCCD1}">
+                <a14:hiddenFill xmlns:a14="http://schemas.microsoft.com/office/drawing/2010/main">
+                  <a:noFill/>
+                </a14:hiddenFill>
+              </a:ext>
+            </a:extLst>
+          </p:spPr>
+          <p:txBody>
+            <a:bodyPr vert="horz" wrap="square" lIns="91440" tIns="45720" rIns="91440" bIns="45720" numCol="1" anchor="t" anchorCtr="0" compatLnSpc="1">
+              <a:prstTxWarp prst="textNoShape">
+                <a:avLst/>
+              </a:prstTxWarp>
+            </a:bodyPr>
+            <a:lstStyle/>
+            <a:p>
+              <a:endParaRPr lang="en-US" sz="4400"/>
+            </a:p>
+          </p:txBody>
+        </p:sp>
+        <p:sp>
+          <p:nvSpPr>
+            <p:cNvPr id="52" name="Text Box 39">
+              <a:extLst>
+                <a:ext uri="{FF2B5EF4-FFF2-40B4-BE49-F238E27FC236}">
+                  <a16:creationId xmlns:a16="http://schemas.microsoft.com/office/drawing/2014/main" id="{E22C6102-7623-C645-8695-D522520FEABB}"/>
+                </a:ext>
+              </a:extLst>
+            </p:cNvPr>
+            <p:cNvSpPr txBox="1">
+              <a:spLocks noChangeArrowheads="1"/>
+            </p:cNvSpPr>
+            <p:nvPr/>
+          </p:nvSpPr>
+          <p:spPr bwMode="auto">
+            <a:xfrm>
+              <a:off x="2862224" y="2012573"/>
+              <a:ext cx="2791303" cy="626503"/>
+            </a:xfrm>
+            <a:prstGeom prst="rect">
               <a:avLst/>
-            </a:prstTxWarp>
-          </a:bodyPr>
-          <a:lstStyle/>
-          <a:p>
-            <a:pPr marL="0" marR="0" lvl="0" indent="0" algn="ctr" defTabSz="914400" rtl="0" eaLnBrk="0" fontAlgn="base" latinLnBrk="0" hangingPunct="0">
-              <a:lnSpc>
-                <a:spcPct val="100000"/>
-              </a:lnSpc>
-              <a:spcBef>
-                <a:spcPct val="0"/>
-              </a:spcBef>
-              <a:spcAft>
-                <a:spcPct val="0"/>
-              </a:spcAft>
-              <a:buClrTx/>
-              <a:buSzTx/>
-              <a:buFontTx/>
-              <a:buNone/>
-              <a:tabLst/>
-            </a:pPr>
-            <a:r>
-              <a:rPr kumimoji="0" lang="en-US" altLang="en-US" sz="800" b="0" i="0" u="none" strike="noStrike" cap="none" normalizeH="0" baseline="0" dirty="0">
+            </a:prstGeom>
+            <a:noFill/>
+            <a:ln>
+              <a:noFill/>
+            </a:ln>
+            <a:extLst>
+              <a:ext uri="{909E8E84-426E-40DD-AFC4-6F175D3DCCD1}">
+                <a14:hiddenFill xmlns:a14="http://schemas.microsoft.com/office/drawing/2010/main">
+                  <a:solidFill>
+                    <a:srgbClr val="FFFFFF"/>
+                  </a:solidFill>
+                </a14:hiddenFill>
+              </a:ext>
+              <a:ext uri="{91240B29-F687-4F45-9708-019B960494DF}">
+                <a14:hiddenLine xmlns:a14="http://schemas.microsoft.com/office/drawing/2010/main" w="9525">
+                  <a:solidFill>
+                    <a:srgbClr val="000000"/>
+                  </a:solidFill>
+                  <a:miter lim="800000"/>
+                  <a:headEnd/>
+                  <a:tailEnd/>
+                </a14:hiddenLine>
+              </a:ext>
+            </a:extLst>
+          </p:spPr>
+          <p:txBody>
+            <a:bodyPr vert="horz" wrap="square" lIns="91440" tIns="45720" rIns="91440" bIns="45720" numCol="1" anchor="t" anchorCtr="0" compatLnSpc="1">
+              <a:prstTxWarp prst="textNoShape">
+                <a:avLst/>
+              </a:prstTxWarp>
+            </a:bodyPr>
+            <a:lstStyle/>
+            <a:p>
+              <a:pPr marL="0" marR="0" lvl="0" indent="0" algn="ctr" defTabSz="914400" rtl="0" eaLnBrk="0" fontAlgn="base" latinLnBrk="0" hangingPunct="0">
+                <a:lnSpc>
+                  <a:spcPct val="100000"/>
+                </a:lnSpc>
+                <a:spcBef>
+                  <a:spcPct val="0"/>
+                </a:spcBef>
+                <a:spcAft>
+                  <a:spcPct val="0"/>
+                </a:spcAft>
+                <a:buClrTx/>
+                <a:buSzTx/>
+                <a:buFontTx/>
+                <a:buNone/>
+                <a:tabLst/>
+              </a:pPr>
+              <a:r>
+                <a:rPr kumimoji="0" lang="en-US" altLang="en-US" sz="1600" b="0" i="0" u="none" strike="noStrike" cap="none" normalizeH="0" baseline="0" dirty="0">
+                  <a:ln>
+                    <a:noFill/>
+                  </a:ln>
+                  <a:solidFill>
+                    <a:schemeClr val="tx1"/>
+                  </a:solidFill>
+                  <a:effectLst/>
+                  <a:latin typeface="Times New Roman" panose="02020603050405020304" pitchFamily="18" charset="0"/>
+                  <a:ea typeface="Times New Roman" panose="02020603050405020304" pitchFamily="18" charset="0"/>
+                  <a:cs typeface="Times New Roman" panose="02020603050405020304" pitchFamily="18" charset="0"/>
+                </a:rPr>
+                <a:t>2. Retrieve Document</a:t>
+              </a:r>
+              <a:endParaRPr kumimoji="0" lang="en-US" altLang="en-US" sz="4400" b="0" i="0" u="none" strike="noStrike" cap="none" normalizeH="0" baseline="0" dirty="0">
                 <a:ln>
                   <a:noFill/>
                 </a:ln>
@@ -4356,347 +4981,194 @@
                 </a:solidFill>
                 <a:effectLst/>
                 <a:latin typeface="Times New Roman" panose="02020603050405020304" pitchFamily="18" charset="0"/>
-                <a:ea typeface="Times New Roman" panose="02020603050405020304" pitchFamily="18" charset="0"/>
-                <a:cs typeface="Arial" panose="020B0604020202020204" pitchFamily="34" charset="0"/>
-              </a:rPr>
-              <a:t>9. Register Document Set</a:t>
-            </a:r>
-            <a:endParaRPr kumimoji="0" lang="en-US" altLang="en-US" sz="1800" b="0" i="0" u="none" strike="noStrike" cap="none" normalizeH="0" baseline="0" dirty="0">
-              <a:ln>
-                <a:noFill/>
-              </a:ln>
+                <a:cs typeface="Times New Roman" panose="02020603050405020304" pitchFamily="18" charset="0"/>
+              </a:endParaRPr>
+            </a:p>
+          </p:txBody>
+        </p:sp>
+        <p:sp>
+          <p:nvSpPr>
+            <p:cNvPr id="53" name="Line 60">
+              <a:extLst>
+                <a:ext uri="{FF2B5EF4-FFF2-40B4-BE49-F238E27FC236}">
+                  <a16:creationId xmlns:a16="http://schemas.microsoft.com/office/drawing/2014/main" id="{9659A633-276D-E24D-A476-3D912549D8BD}"/>
+                </a:ext>
+              </a:extLst>
+            </p:cNvPr>
+            <p:cNvSpPr>
+              <a:spLocks noChangeShapeType="1"/>
+            </p:cNvSpPr>
+            <p:nvPr/>
+          </p:nvSpPr>
+          <p:spPr bwMode="auto">
+            <a:xfrm>
+              <a:off x="1679828" y="4089919"/>
+              <a:ext cx="8616480" cy="0"/>
+            </a:xfrm>
+            <a:prstGeom prst="line">
+              <a:avLst/>
+            </a:prstGeom>
+            <a:noFill/>
+            <a:ln w="9525">
               <a:solidFill>
-                <a:schemeClr val="tx1"/>
+                <a:srgbClr val="000000"/>
               </a:solidFill>
-              <a:effectLst/>
-              <a:latin typeface="Arial" panose="020B0604020202020204" pitchFamily="34" charset="0"/>
-            </a:endParaRPr>
-          </a:p>
-        </p:txBody>
-      </p:sp>
-      <p:sp>
-        <p:nvSpPr>
-          <p:cNvPr id="45" name="Rectangle 38">
-            <a:extLst>
-              <a:ext uri="{FF2B5EF4-FFF2-40B4-BE49-F238E27FC236}">
-                <a16:creationId xmlns:a16="http://schemas.microsoft.com/office/drawing/2014/main" id="{29529D65-E136-044A-9AB9-037D4CA837AD}"/>
-              </a:ext>
-            </a:extLst>
-          </p:cNvPr>
-          <p:cNvSpPr>
-            <a:spLocks noChangeArrowheads="1"/>
-          </p:cNvSpPr>
-          <p:nvPr/>
-        </p:nvSpPr>
-        <p:spPr bwMode="auto">
-          <a:xfrm>
-            <a:off x="66674" y="457200"/>
-            <a:ext cx="1527175" cy="421158"/>
-          </a:xfrm>
-          <a:prstGeom prst="rect">
-            <a:avLst/>
-          </a:prstGeom>
-          <a:solidFill>
-            <a:srgbClr val="FFFFFF"/>
-          </a:solidFill>
-          <a:ln>
+              <a:round/>
+              <a:headEnd/>
+              <a:tailEnd type="triangle" w="med" len="med"/>
+            </a:ln>
+            <a:extLst>
+              <a:ext uri="{909E8E84-426E-40DD-AFC4-6F175D3DCCD1}">
+                <a14:hiddenFill xmlns:a14="http://schemas.microsoft.com/office/drawing/2010/main">
+                  <a:noFill/>
+                </a14:hiddenFill>
+              </a:ext>
+            </a:extLst>
+          </p:spPr>
+          <p:txBody>
+            <a:bodyPr vert="horz" wrap="square" lIns="91440" tIns="45720" rIns="91440" bIns="45720" numCol="1" anchor="t" anchorCtr="0" compatLnSpc="1">
+              <a:prstTxWarp prst="textNoShape">
+                <a:avLst/>
+              </a:prstTxWarp>
+            </a:bodyPr>
+            <a:lstStyle/>
+            <a:p>
+              <a:endParaRPr lang="en-US" sz="4400"/>
+            </a:p>
+          </p:txBody>
+        </p:sp>
+        <p:sp>
+          <p:nvSpPr>
+            <p:cNvPr id="54" name="Rectangle 59">
+              <a:extLst>
+                <a:ext uri="{FF2B5EF4-FFF2-40B4-BE49-F238E27FC236}">
+                  <a16:creationId xmlns:a16="http://schemas.microsoft.com/office/drawing/2014/main" id="{6981AF8B-173C-6748-9660-57E9273F28AA}"/>
+                </a:ext>
+              </a:extLst>
+            </p:cNvPr>
+            <p:cNvSpPr>
+              <a:spLocks noChangeArrowheads="1"/>
+            </p:cNvSpPr>
+            <p:nvPr/>
+          </p:nvSpPr>
+          <p:spPr bwMode="auto">
+            <a:xfrm>
+              <a:off x="10276902" y="1715811"/>
+              <a:ext cx="232878" cy="572492"/>
+            </a:xfrm>
+            <a:prstGeom prst="rect">
+              <a:avLst/>
+            </a:prstGeom>
+            <a:solidFill>
+              <a:srgbClr val="FFFFFF"/>
+            </a:solidFill>
+            <a:ln w="9525">
+              <a:solidFill>
+                <a:srgbClr val="000000"/>
+              </a:solidFill>
+              <a:miter lim="800000"/>
+              <a:headEnd/>
+              <a:tailEnd/>
+            </a:ln>
+          </p:spPr>
+          <p:txBody>
+            <a:bodyPr vert="horz" wrap="square" lIns="91440" tIns="45720" rIns="91440" bIns="45720" numCol="1" anchor="t" anchorCtr="0" compatLnSpc="1">
+              <a:prstTxWarp prst="textNoShape">
+                <a:avLst/>
+              </a:prstTxWarp>
+            </a:bodyPr>
+            <a:lstStyle/>
+            <a:p>
+              <a:endParaRPr lang="en-US" sz="4400"/>
+            </a:p>
+          </p:txBody>
+        </p:sp>
+        <p:sp>
+          <p:nvSpPr>
+            <p:cNvPr id="55" name="Text Box 58">
+              <a:extLst>
+                <a:ext uri="{FF2B5EF4-FFF2-40B4-BE49-F238E27FC236}">
+                  <a16:creationId xmlns:a16="http://schemas.microsoft.com/office/drawing/2014/main" id="{86C972A4-2893-2C41-921D-9AC4EFDFBABE}"/>
+                </a:ext>
+              </a:extLst>
+            </p:cNvPr>
+            <p:cNvSpPr txBox="1">
+              <a:spLocks noChangeArrowheads="1"/>
+            </p:cNvSpPr>
+            <p:nvPr/>
+          </p:nvSpPr>
+          <p:spPr bwMode="auto">
+            <a:xfrm>
+              <a:off x="4661958" y="3677747"/>
+              <a:ext cx="2251152" cy="530444"/>
+            </a:xfrm>
+            <a:prstGeom prst="rect">
+              <a:avLst/>
+            </a:prstGeom>
             <a:noFill/>
-          </a:ln>
-          <a:extLst>
-            <a:ext uri="{91240B29-F687-4F45-9708-019B960494DF}">
-              <a14:hiddenLine xmlns:a14="http://schemas.microsoft.com/office/drawing/2010/main" w="9525">
-                <a:solidFill>
-                  <a:srgbClr val="000000"/>
-                </a:solidFill>
-                <a:miter lim="800000"/>
-                <a:headEnd/>
-                <a:tailEnd/>
-              </a14:hiddenLine>
-            </a:ext>
-          </a:extLst>
-        </p:spPr>
-        <p:txBody>
-          <a:bodyPr vert="horz" wrap="square" lIns="91440" tIns="45720" rIns="91440" bIns="45720" numCol="1" anchor="t" anchorCtr="0" compatLnSpc="1">
-            <a:prstTxWarp prst="textNoShape">
-              <a:avLst/>
-            </a:prstTxWarp>
-          </a:bodyPr>
-          <a:lstStyle/>
-          <a:p>
-            <a:pPr marL="0" marR="0" lvl="0" indent="0" algn="l" defTabSz="914400" rtl="0" eaLnBrk="0" fontAlgn="base" latinLnBrk="0" hangingPunct="0">
-              <a:lnSpc>
-                <a:spcPct val="100000"/>
-              </a:lnSpc>
-              <a:spcBef>
-                <a:spcPct val="0"/>
-              </a:spcBef>
-              <a:spcAft>
-                <a:spcPct val="0"/>
-              </a:spcAft>
-              <a:buClrTx/>
-              <a:buSzTx/>
-              <a:buFontTx/>
-              <a:buNone/>
-              <a:tabLst/>
-            </a:pPr>
-            <a:endParaRPr kumimoji="0" lang="en-US" altLang="en-US" sz="900" b="0" i="0" u="none" strike="noStrike" cap="none" normalizeH="0" baseline="0" dirty="0">
-              <a:ln>
-                <a:noFill/>
-              </a:ln>
-              <a:solidFill>
-                <a:schemeClr val="tx1"/>
-              </a:solidFill>
-              <a:effectLst/>
-              <a:latin typeface="Arial" panose="020B0604020202020204" pitchFamily="34" charset="0"/>
-              <a:ea typeface="Times New Roman" panose="02020603050405020304" pitchFamily="18" charset="0"/>
-            </a:endParaRPr>
-          </a:p>
-          <a:p>
-            <a:pPr marL="0" marR="0" lvl="0" indent="0" algn="ctr" defTabSz="914400" rtl="0" eaLnBrk="0" fontAlgn="base" latinLnBrk="0" hangingPunct="0">
-              <a:lnSpc>
-                <a:spcPct val="100000"/>
-              </a:lnSpc>
-              <a:spcBef>
-                <a:spcPct val="0"/>
-              </a:spcBef>
-              <a:spcAft>
-                <a:spcPct val="0"/>
-              </a:spcAft>
-              <a:buClrTx/>
-              <a:buSzTx/>
-              <a:buFontTx/>
-              <a:buNone/>
-              <a:tabLst/>
-            </a:pPr>
-            <a:r>
-              <a:rPr kumimoji="0" lang="en-US" altLang="en-US" sz="900" b="0" i="0" u="none" strike="noStrike" cap="none" normalizeH="0" baseline="0" dirty="0">
-                <a:ln>
-                  <a:noFill/>
-                </a:ln>
-                <a:solidFill>
-                  <a:schemeClr val="tx1"/>
-                </a:solidFill>
-                <a:effectLst/>
-                <a:latin typeface="Arial" panose="020B0604020202020204" pitchFamily="34" charset="0"/>
-                <a:ea typeface="Times New Roman" panose="02020603050405020304" pitchFamily="18" charset="0"/>
-              </a:rPr>
-              <a:t>Document Consumer:</a:t>
-            </a:r>
-            <a:br>
-              <a:rPr kumimoji="0" lang="en-US" altLang="en-US" sz="900" b="0" i="1" u="none" strike="noStrike" cap="none" normalizeH="0" baseline="0" dirty="0">
-                <a:ln>
-                  <a:noFill/>
-                </a:ln>
-                <a:solidFill>
-                  <a:schemeClr val="tx1"/>
-                </a:solidFill>
-                <a:effectLst/>
-                <a:latin typeface="Arial" panose="020B0604020202020204" pitchFamily="34" charset="0"/>
-                <a:ea typeface="Times New Roman" panose="02020603050405020304" pitchFamily="18" charset="0"/>
-              </a:rPr>
-            </a:br>
-            <a:r>
-              <a:rPr kumimoji="0" lang="en-US" altLang="en-US" sz="900" b="0" i="1" u="none" strike="noStrike" cap="none" normalizeH="0" baseline="0" dirty="0">
-                <a:ln>
-                  <a:noFill/>
-                </a:ln>
-                <a:solidFill>
-                  <a:schemeClr val="tx1"/>
-                </a:solidFill>
-                <a:effectLst/>
-                <a:latin typeface="Arial" panose="020B0604020202020204" pitchFamily="34" charset="0"/>
-                <a:ea typeface="Times New Roman" panose="02020603050405020304" pitchFamily="18" charset="0"/>
-              </a:rPr>
-              <a:t>(PCP EHR-CR)</a:t>
-            </a:r>
-            <a:endParaRPr kumimoji="0" lang="en-US" altLang="en-US" sz="1800" b="0" i="0" u="none" strike="noStrike" cap="none" normalizeH="0" baseline="0" dirty="0">
-              <a:ln>
-                <a:noFill/>
-              </a:ln>
-              <a:solidFill>
-                <a:schemeClr val="tx1"/>
-              </a:solidFill>
-              <a:effectLst/>
-              <a:latin typeface="Arial" panose="020B0604020202020204" pitchFamily="34" charset="0"/>
-            </a:endParaRPr>
-          </a:p>
-        </p:txBody>
-      </p:sp>
-      <p:sp>
-        <p:nvSpPr>
-          <p:cNvPr id="46" name="Line 44">
-            <a:extLst>
-              <a:ext uri="{FF2B5EF4-FFF2-40B4-BE49-F238E27FC236}">
-                <a16:creationId xmlns:a16="http://schemas.microsoft.com/office/drawing/2014/main" id="{DACA17F4-4153-A14F-9372-3326356AB931}"/>
-              </a:ext>
-            </a:extLst>
-          </p:cNvPr>
-          <p:cNvSpPr>
-            <a:spLocks noChangeShapeType="1"/>
-          </p:cNvSpPr>
-          <p:nvPr/>
-        </p:nvSpPr>
-        <p:spPr bwMode="auto">
-          <a:xfrm flipH="1">
-            <a:off x="696912" y="939800"/>
-            <a:ext cx="1" cy="2081209"/>
-          </a:xfrm>
-          <a:prstGeom prst="line">
-            <a:avLst/>
-          </a:prstGeom>
-          <a:noFill/>
-          <a:ln w="9525">
-            <a:solidFill>
-              <a:srgbClr val="000000"/>
-            </a:solidFill>
-            <a:prstDash val="sysDot"/>
-            <a:round/>
-            <a:headEnd/>
-            <a:tailEnd/>
-          </a:ln>
-          <a:extLst>
-            <a:ext uri="{909E8E84-426E-40DD-AFC4-6F175D3DCCD1}">
-              <a14:hiddenFill xmlns:a14="http://schemas.microsoft.com/office/drawing/2010/main">
-                <a:noFill/>
-              </a14:hiddenFill>
-            </a:ext>
-          </a:extLst>
-        </p:spPr>
-        <p:txBody>
-          <a:bodyPr vert="horz" wrap="square" lIns="91440" tIns="45720" rIns="91440" bIns="45720" numCol="1" anchor="t" anchorCtr="0" compatLnSpc="1">
-            <a:prstTxWarp prst="textNoShape">
-              <a:avLst/>
-            </a:prstTxWarp>
-          </a:bodyPr>
-          <a:lstStyle/>
-          <a:p>
-            <a:endParaRPr lang="en-US"/>
-          </a:p>
-        </p:txBody>
-      </p:sp>
-      <p:sp>
-        <p:nvSpPr>
-          <p:cNvPr id="47" name="Line 43">
-            <a:extLst>
-              <a:ext uri="{FF2B5EF4-FFF2-40B4-BE49-F238E27FC236}">
-                <a16:creationId xmlns:a16="http://schemas.microsoft.com/office/drawing/2014/main" id="{28B7FA60-411C-B34D-91D8-F79360252241}"/>
-              </a:ext>
-            </a:extLst>
-          </p:cNvPr>
-          <p:cNvSpPr>
-            <a:spLocks noChangeShapeType="1"/>
-          </p:cNvSpPr>
-          <p:nvPr/>
-        </p:nvSpPr>
-        <p:spPr bwMode="auto">
-          <a:xfrm>
-            <a:off x="768350" y="1193572"/>
-            <a:ext cx="4192588" cy="0"/>
-          </a:xfrm>
-          <a:prstGeom prst="line">
-            <a:avLst/>
-          </a:prstGeom>
-          <a:noFill/>
-          <a:ln w="9525">
-            <a:solidFill>
-              <a:srgbClr val="000000"/>
-            </a:solidFill>
-            <a:round/>
-            <a:headEnd/>
-            <a:tailEnd type="triangle" w="med" len="med"/>
-          </a:ln>
-          <a:extLst>
-            <a:ext uri="{909E8E84-426E-40DD-AFC4-6F175D3DCCD1}">
-              <a14:hiddenFill xmlns:a14="http://schemas.microsoft.com/office/drawing/2010/main">
-                <a:noFill/>
-              </a14:hiddenFill>
-            </a:ext>
-          </a:extLst>
-        </p:spPr>
-        <p:txBody>
-          <a:bodyPr vert="horz" wrap="square" lIns="91440" tIns="45720" rIns="91440" bIns="45720" numCol="1" anchor="t" anchorCtr="0" compatLnSpc="1">
-            <a:prstTxWarp prst="textNoShape">
-              <a:avLst/>
-            </a:prstTxWarp>
-          </a:bodyPr>
-          <a:lstStyle/>
-          <a:p>
-            <a:endParaRPr lang="en-US"/>
-          </a:p>
-        </p:txBody>
-      </p:sp>
-      <p:sp>
-        <p:nvSpPr>
-          <p:cNvPr id="48" name="Text Box 42">
-            <a:extLst>
-              <a:ext uri="{FF2B5EF4-FFF2-40B4-BE49-F238E27FC236}">
-                <a16:creationId xmlns:a16="http://schemas.microsoft.com/office/drawing/2014/main" id="{2742E0D4-67B4-044F-A9C7-C645FEAE0007}"/>
-              </a:ext>
-            </a:extLst>
-          </p:cNvPr>
-          <p:cNvSpPr txBox="1">
-            <a:spLocks noChangeArrowheads="1"/>
-          </p:cNvSpPr>
-          <p:nvPr/>
-        </p:nvSpPr>
-        <p:spPr bwMode="auto">
-          <a:xfrm>
-            <a:off x="2206625" y="999364"/>
-            <a:ext cx="1370014" cy="260350"/>
-          </a:xfrm>
-          <a:prstGeom prst="rect">
-            <a:avLst/>
-          </a:prstGeom>
-          <a:noFill/>
-          <a:ln>
-            <a:noFill/>
-          </a:ln>
-          <a:extLst>
-            <a:ext uri="{909E8E84-426E-40DD-AFC4-6F175D3DCCD1}">
-              <a14:hiddenFill xmlns:a14="http://schemas.microsoft.com/office/drawing/2010/main">
-                <a:solidFill>
-                  <a:srgbClr val="FFFFFF"/>
-                </a:solidFill>
-              </a14:hiddenFill>
-            </a:ext>
-            <a:ext uri="{91240B29-F687-4F45-9708-019B960494DF}">
-              <a14:hiddenLine xmlns:a14="http://schemas.microsoft.com/office/drawing/2010/main" w="9525">
-                <a:solidFill>
-                  <a:srgbClr val="000000"/>
-                </a:solidFill>
-                <a:miter lim="800000"/>
-                <a:headEnd/>
-                <a:tailEnd/>
-              </a14:hiddenLine>
-            </a:ext>
-          </a:extLst>
-        </p:spPr>
-        <p:txBody>
-          <a:bodyPr vert="horz" wrap="square" lIns="91440" tIns="45720" rIns="91440" bIns="45720" numCol="1" anchor="t" anchorCtr="0" compatLnSpc="1">
-            <a:prstTxWarp prst="textNoShape">
-              <a:avLst/>
-            </a:prstTxWarp>
-          </a:bodyPr>
-          <a:lstStyle/>
-          <a:p>
-            <a:pPr marL="0" marR="0" lvl="0" indent="0" algn="ctr" defTabSz="914400" rtl="0" eaLnBrk="0" fontAlgn="base" latinLnBrk="0" hangingPunct="0">
-              <a:lnSpc>
-                <a:spcPct val="100000"/>
-              </a:lnSpc>
-              <a:spcBef>
-                <a:spcPct val="0"/>
-              </a:spcBef>
-              <a:spcAft>
-                <a:spcPct val="0"/>
-              </a:spcAft>
-              <a:buClrTx/>
-              <a:buSzTx/>
-              <a:buFontTx/>
-              <a:buNone/>
-              <a:tabLst/>
-            </a:pPr>
-            <a:r>
-              <a:rPr kumimoji="0" lang="en-US" altLang="en-US" sz="800" b="0" i="0" u="none" strike="noStrike" cap="none" normalizeH="0" baseline="0" dirty="0">
+            <a:ln>
+              <a:noFill/>
+            </a:ln>
+            <a:extLst>
+              <a:ext uri="{909E8E84-426E-40DD-AFC4-6F175D3DCCD1}">
+                <a14:hiddenFill xmlns:a14="http://schemas.microsoft.com/office/drawing/2010/main">
+                  <a:solidFill>
+                    <a:srgbClr val="FFFFFF"/>
+                  </a:solidFill>
+                </a14:hiddenFill>
+              </a:ext>
+              <a:ext uri="{91240B29-F687-4F45-9708-019B960494DF}">
+                <a14:hiddenLine xmlns:a14="http://schemas.microsoft.com/office/drawing/2010/main" w="9525">
+                  <a:solidFill>
+                    <a:srgbClr val="000000"/>
+                  </a:solidFill>
+                  <a:miter lim="800000"/>
+                  <a:headEnd/>
+                  <a:tailEnd/>
+                </a14:hiddenLine>
+              </a:ext>
+            </a:extLst>
+          </p:spPr>
+          <p:txBody>
+            <a:bodyPr vert="horz" wrap="square" lIns="91440" tIns="45720" rIns="91440" bIns="45720" numCol="1" anchor="t" anchorCtr="0" compatLnSpc="1">
+              <a:prstTxWarp prst="textNoShape">
+                <a:avLst/>
+              </a:prstTxWarp>
+            </a:bodyPr>
+            <a:lstStyle/>
+            <a:p>
+              <a:pPr marL="0" marR="0" lvl="0" indent="0" algn="ctr" defTabSz="914400" rtl="0" eaLnBrk="0" fontAlgn="base" latinLnBrk="0" hangingPunct="0">
+                <a:lnSpc>
+                  <a:spcPct val="100000"/>
+                </a:lnSpc>
+                <a:spcBef>
+                  <a:spcPct val="0"/>
+                </a:spcBef>
+                <a:spcAft>
+                  <a:spcPct val="0"/>
+                </a:spcAft>
+                <a:buClrTx/>
+                <a:buSzTx/>
+                <a:buFontTx/>
+                <a:buNone/>
+                <a:tabLst/>
+              </a:pPr>
+              <a:r>
+                <a:rPr kumimoji="0" lang="en-US" altLang="en-US" sz="1600" b="0" i="0" u="none" strike="noStrike" cap="none" normalizeH="0" baseline="0" dirty="0">
+                  <a:ln>
+                    <a:noFill/>
+                  </a:ln>
+                  <a:solidFill>
+                    <a:schemeClr val="tx1"/>
+                  </a:solidFill>
+                  <a:effectLst/>
+                  <a:latin typeface="Times New Roman" panose="02020603050405020304" pitchFamily="18" charset="0"/>
+                  <a:ea typeface="Times New Roman" panose="02020603050405020304" pitchFamily="18" charset="0"/>
+                  <a:cs typeface="Times New Roman" panose="02020603050405020304" pitchFamily="18" charset="0"/>
+                </a:rPr>
+                <a:t>6. Query Documents</a:t>
+              </a:r>
+              <a:endParaRPr kumimoji="0" lang="en-US" altLang="en-US" sz="4400" b="0" i="0" u="none" strike="noStrike" cap="none" normalizeH="0" baseline="0" dirty="0">
                 <a:ln>
                   <a:noFill/>
                 </a:ln>
@@ -4705,240 +5177,296 @@
                 </a:solidFill>
                 <a:effectLst/>
                 <a:latin typeface="Times New Roman" panose="02020603050405020304" pitchFamily="18" charset="0"/>
-                <a:ea typeface="Times New Roman" panose="02020603050405020304" pitchFamily="18" charset="0"/>
                 <a:cs typeface="Times New Roman" panose="02020603050405020304" pitchFamily="18" charset="0"/>
-              </a:rPr>
-              <a:t>1. Query Documents</a:t>
-            </a:r>
-            <a:endParaRPr kumimoji="0" lang="en-US" altLang="en-US" sz="1800" b="0" i="0" u="none" strike="noStrike" cap="none" normalizeH="0" baseline="0" dirty="0">
-              <a:ln>
-                <a:noFill/>
-              </a:ln>
+              </a:endParaRPr>
+            </a:p>
+          </p:txBody>
+        </p:sp>
+        <p:sp>
+          <p:nvSpPr>
+            <p:cNvPr id="56" name="Rectangle 57">
+              <a:extLst>
+                <a:ext uri="{FF2B5EF4-FFF2-40B4-BE49-F238E27FC236}">
+                  <a16:creationId xmlns:a16="http://schemas.microsoft.com/office/drawing/2014/main" id="{A3661ED1-526F-1D49-B281-52B81F4E5594}"/>
+                </a:ext>
+              </a:extLst>
+            </p:cNvPr>
+            <p:cNvSpPr>
+              <a:spLocks noChangeArrowheads="1"/>
+            </p:cNvSpPr>
+            <p:nvPr/>
+          </p:nvSpPr>
+          <p:spPr bwMode="auto">
+            <a:xfrm>
+              <a:off x="1505172" y="1790768"/>
+              <a:ext cx="245815" cy="2982130"/>
+            </a:xfrm>
+            <a:prstGeom prst="rect">
+              <a:avLst/>
+            </a:prstGeom>
+            <a:solidFill>
+              <a:srgbClr val="FFFFFF"/>
+            </a:solidFill>
+            <a:ln w="9525">
               <a:solidFill>
-                <a:schemeClr val="tx1"/>
+                <a:srgbClr val="000000"/>
               </a:solidFill>
-              <a:effectLst/>
-              <a:latin typeface="Times New Roman" panose="02020603050405020304" pitchFamily="18" charset="0"/>
-              <a:cs typeface="Times New Roman" panose="02020603050405020304" pitchFamily="18" charset="0"/>
-            </a:endParaRPr>
-          </a:p>
-        </p:txBody>
-      </p:sp>
-      <p:sp>
-        <p:nvSpPr>
-          <p:cNvPr id="49" name="Rectangle 41">
-            <a:extLst>
-              <a:ext uri="{FF2B5EF4-FFF2-40B4-BE49-F238E27FC236}">
-                <a16:creationId xmlns:a16="http://schemas.microsoft.com/office/drawing/2014/main" id="{1BA81E7B-252B-2A47-88AA-199AA54EFD11}"/>
-              </a:ext>
-            </a:extLst>
-          </p:cNvPr>
-          <p:cNvSpPr>
-            <a:spLocks noChangeArrowheads="1"/>
-          </p:cNvSpPr>
-          <p:nvPr/>
-        </p:nvSpPr>
-        <p:spPr bwMode="auto">
-          <a:xfrm>
-            <a:off x="4960938" y="2043232"/>
-            <a:ext cx="114300" cy="280988"/>
-          </a:xfrm>
-          <a:prstGeom prst="rect">
-            <a:avLst/>
-          </a:prstGeom>
-          <a:solidFill>
-            <a:srgbClr val="FFFFFF"/>
-          </a:solidFill>
-          <a:ln w="9525">
-            <a:solidFill>
-              <a:srgbClr val="000000"/>
-            </a:solidFill>
-            <a:miter lim="800000"/>
-            <a:headEnd/>
-            <a:tailEnd/>
-          </a:ln>
-        </p:spPr>
-        <p:txBody>
-          <a:bodyPr vert="horz" wrap="square" lIns="91440" tIns="45720" rIns="91440" bIns="45720" numCol="1" anchor="t" anchorCtr="0" compatLnSpc="1">
-            <a:prstTxWarp prst="textNoShape">
+              <a:miter lim="800000"/>
+              <a:headEnd/>
+              <a:tailEnd/>
+            </a:ln>
+          </p:spPr>
+          <p:txBody>
+            <a:bodyPr vert="horz" wrap="square" lIns="91440" tIns="45720" rIns="91440" bIns="45720" numCol="1" anchor="t" anchorCtr="0" compatLnSpc="1">
+              <a:prstTxWarp prst="textNoShape">
+                <a:avLst/>
+              </a:prstTxWarp>
+            </a:bodyPr>
+            <a:lstStyle/>
+            <a:p>
+              <a:endParaRPr lang="en-US" sz="4400"/>
+            </a:p>
+          </p:txBody>
+        </p:sp>
+        <p:sp>
+          <p:nvSpPr>
+            <p:cNvPr id="57" name="Line 56">
+              <a:extLst>
+                <a:ext uri="{FF2B5EF4-FFF2-40B4-BE49-F238E27FC236}">
+                  <a16:creationId xmlns:a16="http://schemas.microsoft.com/office/drawing/2014/main" id="{E0EB2A4B-BBF0-004A-952B-936FC28DE586}"/>
+                </a:ext>
+              </a:extLst>
+            </p:cNvPr>
+            <p:cNvSpPr>
+              <a:spLocks noChangeShapeType="1"/>
+            </p:cNvSpPr>
+            <p:nvPr/>
+          </p:nvSpPr>
+          <p:spPr bwMode="auto">
+            <a:xfrm>
+              <a:off x="1750986" y="2358799"/>
+              <a:ext cx="5537317" cy="0"/>
+            </a:xfrm>
+            <a:prstGeom prst="line">
               <a:avLst/>
-            </a:prstTxWarp>
-          </a:bodyPr>
-          <a:lstStyle/>
-          <a:p>
-            <a:endParaRPr lang="en-US"/>
-          </a:p>
-        </p:txBody>
-      </p:sp>
-      <p:sp>
-        <p:nvSpPr>
-          <p:cNvPr id="50" name="Rectangle 61">
-            <a:extLst>
-              <a:ext uri="{FF2B5EF4-FFF2-40B4-BE49-F238E27FC236}">
-                <a16:creationId xmlns:a16="http://schemas.microsoft.com/office/drawing/2014/main" id="{6A2F9057-9525-4F43-99CE-AE76EC7BC480}"/>
-              </a:ext>
-            </a:extLst>
-          </p:cNvPr>
-          <p:cNvSpPr>
-            <a:spLocks noChangeArrowheads="1"/>
-          </p:cNvSpPr>
-          <p:nvPr/>
-        </p:nvSpPr>
-        <p:spPr bwMode="auto">
-          <a:xfrm>
-            <a:off x="3500438" y="1234032"/>
-            <a:ext cx="114300" cy="681038"/>
-          </a:xfrm>
-          <a:prstGeom prst="rect">
-            <a:avLst/>
-          </a:prstGeom>
-          <a:solidFill>
-            <a:srgbClr val="FFFFFF"/>
-          </a:solidFill>
-          <a:ln w="9525">
-            <a:solidFill>
-              <a:srgbClr val="000000"/>
-            </a:solidFill>
-            <a:miter lim="800000"/>
-            <a:headEnd/>
-            <a:tailEnd/>
-          </a:ln>
-        </p:spPr>
-        <p:txBody>
-          <a:bodyPr vert="horz" wrap="square" lIns="91440" tIns="45720" rIns="91440" bIns="45720" numCol="1" anchor="t" anchorCtr="0" compatLnSpc="1">
-            <a:prstTxWarp prst="textNoShape">
+            </a:prstGeom>
+            <a:noFill/>
+            <a:ln w="9525">
+              <a:solidFill>
+                <a:srgbClr val="000000"/>
+              </a:solidFill>
+              <a:round/>
+              <a:headEnd/>
+              <a:tailEnd type="triangle" w="med" len="med"/>
+            </a:ln>
+            <a:extLst>
+              <a:ext uri="{909E8E84-426E-40DD-AFC4-6F175D3DCCD1}">
+                <a14:hiddenFill xmlns:a14="http://schemas.microsoft.com/office/drawing/2010/main">
+                  <a:noFill/>
+                </a14:hiddenFill>
+              </a:ext>
+            </a:extLst>
+          </p:spPr>
+          <p:txBody>
+            <a:bodyPr vert="horz" wrap="square" lIns="91440" tIns="45720" rIns="91440" bIns="45720" numCol="1" anchor="t" anchorCtr="0" compatLnSpc="1">
+              <a:prstTxWarp prst="textNoShape">
+                <a:avLst/>
+              </a:prstTxWarp>
+            </a:bodyPr>
+            <a:lstStyle/>
+            <a:p>
+              <a:endParaRPr lang="en-US" sz="4400"/>
+            </a:p>
+          </p:txBody>
+        </p:sp>
+        <p:sp>
+          <p:nvSpPr>
+            <p:cNvPr id="58" name="Line 55">
+              <a:extLst>
+                <a:ext uri="{FF2B5EF4-FFF2-40B4-BE49-F238E27FC236}">
+                  <a16:creationId xmlns:a16="http://schemas.microsoft.com/office/drawing/2014/main" id="{5580D5D2-B88E-414E-9E0C-C6535DC83113}"/>
+                </a:ext>
+              </a:extLst>
+            </p:cNvPr>
+            <p:cNvSpPr>
+              <a:spLocks noChangeShapeType="1"/>
+            </p:cNvSpPr>
+            <p:nvPr/>
+          </p:nvSpPr>
+          <p:spPr bwMode="auto">
+            <a:xfrm>
+              <a:off x="1750986" y="3380984"/>
+              <a:ext cx="5537317" cy="0"/>
+            </a:xfrm>
+            <a:prstGeom prst="line">
               <a:avLst/>
-            </a:prstTxWarp>
-          </a:bodyPr>
-          <a:lstStyle/>
-          <a:p>
-            <a:endParaRPr lang="en-US"/>
-          </a:p>
-        </p:txBody>
-      </p:sp>
-      <p:sp>
-        <p:nvSpPr>
-          <p:cNvPr id="51" name="Line 40">
-            <a:extLst>
-              <a:ext uri="{FF2B5EF4-FFF2-40B4-BE49-F238E27FC236}">
-                <a16:creationId xmlns:a16="http://schemas.microsoft.com/office/drawing/2014/main" id="{E4E1EEF3-E2EB-7E41-A71E-FDB1ED465B46}"/>
-              </a:ext>
-            </a:extLst>
-          </p:cNvPr>
-          <p:cNvSpPr>
-            <a:spLocks noChangeShapeType="1"/>
-          </p:cNvSpPr>
-          <p:nvPr/>
-        </p:nvSpPr>
-        <p:spPr bwMode="auto">
-          <a:xfrm>
-            <a:off x="768350" y="1525344"/>
-            <a:ext cx="2717800" cy="0"/>
-          </a:xfrm>
-          <a:prstGeom prst="line">
-            <a:avLst/>
-          </a:prstGeom>
-          <a:noFill/>
-          <a:ln w="9525">
-            <a:solidFill>
-              <a:srgbClr val="000000"/>
-            </a:solidFill>
-            <a:round/>
-            <a:headEnd/>
-            <a:tailEnd type="triangle" w="med" len="med"/>
-          </a:ln>
-          <a:extLst>
-            <a:ext uri="{909E8E84-426E-40DD-AFC4-6F175D3DCCD1}">
-              <a14:hiddenFill xmlns:a14="http://schemas.microsoft.com/office/drawing/2010/main">
-                <a:noFill/>
-              </a14:hiddenFill>
-            </a:ext>
-          </a:extLst>
-        </p:spPr>
-        <p:txBody>
-          <a:bodyPr vert="horz" wrap="square" lIns="91440" tIns="45720" rIns="91440" bIns="45720" numCol="1" anchor="t" anchorCtr="0" compatLnSpc="1">
-            <a:prstTxWarp prst="textNoShape">
+            </a:prstGeom>
+            <a:noFill/>
+            <a:ln w="9525">
+              <a:solidFill>
+                <a:srgbClr val="000000"/>
+              </a:solidFill>
+              <a:round/>
+              <a:headEnd/>
+              <a:tailEnd type="triangle" w="med" len="med"/>
+            </a:ln>
+            <a:extLst>
+              <a:ext uri="{909E8E84-426E-40DD-AFC4-6F175D3DCCD1}">
+                <a14:hiddenFill xmlns:a14="http://schemas.microsoft.com/office/drawing/2010/main">
+                  <a:noFill/>
+                </a14:hiddenFill>
+              </a:ext>
+            </a:extLst>
+          </p:spPr>
+          <p:txBody>
+            <a:bodyPr vert="horz" wrap="square" lIns="91440" tIns="45720" rIns="91440" bIns="45720" numCol="1" anchor="t" anchorCtr="0" compatLnSpc="1">
+              <a:prstTxWarp prst="textNoShape">
+                <a:avLst/>
+              </a:prstTxWarp>
+            </a:bodyPr>
+            <a:lstStyle/>
+            <a:p>
+              <a:endParaRPr lang="en-US" sz="4400"/>
+            </a:p>
+          </p:txBody>
+        </p:sp>
+        <p:sp>
+          <p:nvSpPr>
+            <p:cNvPr id="59" name="Line 54">
+              <a:extLst>
+                <a:ext uri="{FF2B5EF4-FFF2-40B4-BE49-F238E27FC236}">
+                  <a16:creationId xmlns:a16="http://schemas.microsoft.com/office/drawing/2014/main" id="{B7F7FE23-5809-C243-A7B4-E61CD8959468}"/>
+                </a:ext>
+              </a:extLst>
+            </p:cNvPr>
+            <p:cNvSpPr>
+              <a:spLocks noChangeShapeType="1"/>
+            </p:cNvSpPr>
+            <p:nvPr/>
+          </p:nvSpPr>
+          <p:spPr bwMode="auto">
+            <a:xfrm>
+              <a:off x="1750986" y="3051247"/>
+              <a:ext cx="5537317" cy="0"/>
+            </a:xfrm>
+            <a:prstGeom prst="line">
               <a:avLst/>
-            </a:prstTxWarp>
-          </a:bodyPr>
-          <a:lstStyle/>
-          <a:p>
-            <a:endParaRPr lang="en-US"/>
-          </a:p>
-        </p:txBody>
-      </p:sp>
-      <p:sp>
-        <p:nvSpPr>
-          <p:cNvPr id="52" name="Text Box 39">
-            <a:extLst>
-              <a:ext uri="{FF2B5EF4-FFF2-40B4-BE49-F238E27FC236}">
-                <a16:creationId xmlns:a16="http://schemas.microsoft.com/office/drawing/2014/main" id="{E22C6102-7623-C645-8695-D522520FEABB}"/>
-              </a:ext>
-            </a:extLst>
-          </p:cNvPr>
-          <p:cNvSpPr txBox="1">
-            <a:spLocks noChangeArrowheads="1"/>
-          </p:cNvSpPr>
-          <p:nvPr/>
-        </p:nvSpPr>
-        <p:spPr bwMode="auto">
-          <a:xfrm>
-            <a:off x="1313763" y="1193571"/>
-            <a:ext cx="1370014" cy="307497"/>
-          </a:xfrm>
-          <a:prstGeom prst="rect">
-            <a:avLst/>
-          </a:prstGeom>
-          <a:noFill/>
-          <a:ln>
+            </a:prstGeom>
             <a:noFill/>
-          </a:ln>
-          <a:extLst>
-            <a:ext uri="{909E8E84-426E-40DD-AFC4-6F175D3DCCD1}">
-              <a14:hiddenFill xmlns:a14="http://schemas.microsoft.com/office/drawing/2010/main">
-                <a:solidFill>
-                  <a:srgbClr val="FFFFFF"/>
-                </a:solidFill>
-              </a14:hiddenFill>
-            </a:ext>
-            <a:ext uri="{91240B29-F687-4F45-9708-019B960494DF}">
-              <a14:hiddenLine xmlns:a14="http://schemas.microsoft.com/office/drawing/2010/main" w="9525">
-                <a:solidFill>
-                  <a:srgbClr val="000000"/>
-                </a:solidFill>
-                <a:miter lim="800000"/>
-                <a:headEnd/>
-                <a:tailEnd/>
-              </a14:hiddenLine>
-            </a:ext>
-          </a:extLst>
-        </p:spPr>
-        <p:txBody>
-          <a:bodyPr vert="horz" wrap="square" lIns="91440" tIns="45720" rIns="91440" bIns="45720" numCol="1" anchor="t" anchorCtr="0" compatLnSpc="1">
-            <a:prstTxWarp prst="textNoShape">
+            <a:ln w="9525">
+              <a:solidFill>
+                <a:srgbClr val="000000"/>
+              </a:solidFill>
+              <a:round/>
+              <a:headEnd/>
+              <a:tailEnd type="triangle" w="med" len="med"/>
+            </a:ln>
+            <a:extLst>
+              <a:ext uri="{909E8E84-426E-40DD-AFC4-6F175D3DCCD1}">
+                <a14:hiddenFill xmlns:a14="http://schemas.microsoft.com/office/drawing/2010/main">
+                  <a:noFill/>
+                </a14:hiddenFill>
+              </a:ext>
+            </a:extLst>
+          </p:spPr>
+          <p:txBody>
+            <a:bodyPr vert="horz" wrap="square" lIns="91440" tIns="45720" rIns="91440" bIns="45720" numCol="1" anchor="t" anchorCtr="0" compatLnSpc="1">
+              <a:prstTxWarp prst="textNoShape">
+                <a:avLst/>
+              </a:prstTxWarp>
+            </a:bodyPr>
+            <a:lstStyle/>
+            <a:p>
+              <a:endParaRPr lang="en-US" sz="4400"/>
+            </a:p>
+          </p:txBody>
+        </p:sp>
+        <p:sp>
+          <p:nvSpPr>
+            <p:cNvPr id="60" name="Text Box 53">
+              <a:extLst>
+                <a:ext uri="{FF2B5EF4-FFF2-40B4-BE49-F238E27FC236}">
+                  <a16:creationId xmlns:a16="http://schemas.microsoft.com/office/drawing/2014/main" id="{1465259B-FBA6-7C47-AAAF-94A4A847EB6E}"/>
+                </a:ext>
+              </a:extLst>
+            </p:cNvPr>
+            <p:cNvSpPr txBox="1">
+              <a:spLocks noChangeArrowheads="1"/>
+            </p:cNvSpPr>
+            <p:nvPr/>
+          </p:nvSpPr>
+          <p:spPr bwMode="auto">
+            <a:xfrm>
+              <a:off x="3142501" y="2342312"/>
+              <a:ext cx="2251152" cy="530444"/>
+            </a:xfrm>
+            <a:prstGeom prst="rect">
               <a:avLst/>
-            </a:prstTxWarp>
-          </a:bodyPr>
-          <a:lstStyle/>
-          <a:p>
-            <a:pPr marL="0" marR="0" lvl="0" indent="0" algn="ctr" defTabSz="914400" rtl="0" eaLnBrk="0" fontAlgn="base" latinLnBrk="0" hangingPunct="0">
-              <a:lnSpc>
-                <a:spcPct val="100000"/>
-              </a:lnSpc>
-              <a:spcBef>
-                <a:spcPct val="0"/>
-              </a:spcBef>
-              <a:spcAft>
-                <a:spcPct val="0"/>
-              </a:spcAft>
-              <a:buClrTx/>
-              <a:buSzTx/>
-              <a:buFontTx/>
-              <a:buNone/>
-              <a:tabLst/>
-            </a:pPr>
-            <a:r>
-              <a:rPr kumimoji="0" lang="en-US" altLang="en-US" sz="800" b="0" i="0" u="none" strike="noStrike" cap="none" normalizeH="0" baseline="0" dirty="0">
+            </a:prstGeom>
+            <a:noFill/>
+            <a:ln>
+              <a:noFill/>
+            </a:ln>
+            <a:extLst>
+              <a:ext uri="{909E8E84-426E-40DD-AFC4-6F175D3DCCD1}">
+                <a14:hiddenFill xmlns:a14="http://schemas.microsoft.com/office/drawing/2010/main">
+                  <a:solidFill>
+                    <a:srgbClr val="FFFFFF"/>
+                  </a:solidFill>
+                </a14:hiddenFill>
+              </a:ext>
+              <a:ext uri="{91240B29-F687-4F45-9708-019B960494DF}">
+                <a14:hiddenLine xmlns:a14="http://schemas.microsoft.com/office/drawing/2010/main" w="9525">
+                  <a:solidFill>
+                    <a:srgbClr val="000000"/>
+                  </a:solidFill>
+                  <a:miter lim="800000"/>
+                  <a:headEnd/>
+                  <a:tailEnd/>
+                </a14:hiddenLine>
+              </a:ext>
+            </a:extLst>
+          </p:spPr>
+          <p:txBody>
+            <a:bodyPr vert="horz" wrap="square" lIns="91440" tIns="45720" rIns="91440" bIns="45720" numCol="1" anchor="t" anchorCtr="0" compatLnSpc="1">
+              <a:prstTxWarp prst="textNoShape">
+                <a:avLst/>
+              </a:prstTxWarp>
+            </a:bodyPr>
+            <a:lstStyle/>
+            <a:p>
+              <a:pPr marL="0" marR="0" lvl="0" indent="0" algn="ctr" defTabSz="914400" rtl="0" eaLnBrk="0" fontAlgn="base" latinLnBrk="0" hangingPunct="0">
+                <a:lnSpc>
+                  <a:spcPct val="100000"/>
+                </a:lnSpc>
+                <a:spcBef>
+                  <a:spcPct val="0"/>
+                </a:spcBef>
+                <a:spcAft>
+                  <a:spcPct val="0"/>
+                </a:spcAft>
+                <a:buClrTx/>
+                <a:buSzTx/>
+                <a:buFontTx/>
+                <a:buNone/>
+                <a:tabLst/>
+              </a:pPr>
+              <a:r>
+                <a:rPr kumimoji="0" lang="en-US" altLang="en-US" sz="1600" b="0" i="0" u="none" strike="noStrike" cap="none" normalizeH="0" baseline="0" dirty="0">
+                  <a:ln>
+                    <a:noFill/>
+                  </a:ln>
+                  <a:solidFill>
+                    <a:schemeClr val="tx1"/>
+                  </a:solidFill>
+                  <a:effectLst/>
+                  <a:latin typeface="Times New Roman" panose="02020603050405020304" pitchFamily="18" charset="0"/>
+                  <a:ea typeface="Times New Roman" panose="02020603050405020304" pitchFamily="18" charset="0"/>
+                  <a:cs typeface="Times New Roman" panose="02020603050405020304" pitchFamily="18" charset="0"/>
+                </a:rPr>
+                <a:t>3. Retrieve Document</a:t>
+              </a:r>
+              <a:endParaRPr kumimoji="0" lang="en-US" altLang="en-US" sz="4400" b="0" i="0" u="none" strike="noStrike" cap="none" normalizeH="0" baseline="0" dirty="0">
                 <a:ln>
                   <a:noFill/>
                 </a:ln>
@@ -4947,194 +5475,97 @@
                 </a:solidFill>
                 <a:effectLst/>
                 <a:latin typeface="Times New Roman" panose="02020603050405020304" pitchFamily="18" charset="0"/>
-                <a:ea typeface="Times New Roman" panose="02020603050405020304" pitchFamily="18" charset="0"/>
                 <a:cs typeface="Times New Roman" panose="02020603050405020304" pitchFamily="18" charset="0"/>
-              </a:rPr>
-              <a:t>2. Retrieve Document</a:t>
-            </a:r>
-            <a:endParaRPr kumimoji="0" lang="en-US" altLang="en-US" sz="1800" b="0" i="0" u="none" strike="noStrike" cap="none" normalizeH="0" baseline="0" dirty="0">
-              <a:ln>
-                <a:noFill/>
-              </a:ln>
-              <a:solidFill>
-                <a:schemeClr val="tx1"/>
-              </a:solidFill>
-              <a:effectLst/>
-              <a:latin typeface="Times New Roman" panose="02020603050405020304" pitchFamily="18" charset="0"/>
-              <a:cs typeface="Times New Roman" panose="02020603050405020304" pitchFamily="18" charset="0"/>
-            </a:endParaRPr>
-          </a:p>
-        </p:txBody>
-      </p:sp>
-      <p:sp>
-        <p:nvSpPr>
-          <p:cNvPr id="53" name="Line 60">
-            <a:extLst>
-              <a:ext uri="{FF2B5EF4-FFF2-40B4-BE49-F238E27FC236}">
-                <a16:creationId xmlns:a16="http://schemas.microsoft.com/office/drawing/2014/main" id="{9659A633-276D-E24D-A476-3D912549D8BD}"/>
-              </a:ext>
-            </a:extLst>
-          </p:cNvPr>
-          <p:cNvSpPr>
-            <a:spLocks noChangeShapeType="1"/>
-          </p:cNvSpPr>
-          <p:nvPr/>
-        </p:nvSpPr>
-        <p:spPr bwMode="auto">
-          <a:xfrm>
-            <a:off x="733425" y="2213164"/>
-            <a:ext cx="4229100" cy="0"/>
-          </a:xfrm>
-          <a:prstGeom prst="line">
-            <a:avLst/>
-          </a:prstGeom>
-          <a:noFill/>
-          <a:ln w="9525">
-            <a:solidFill>
-              <a:srgbClr val="000000"/>
-            </a:solidFill>
-            <a:round/>
-            <a:headEnd/>
-            <a:tailEnd type="triangle" w="med" len="med"/>
-          </a:ln>
-          <a:extLst>
-            <a:ext uri="{909E8E84-426E-40DD-AFC4-6F175D3DCCD1}">
-              <a14:hiddenFill xmlns:a14="http://schemas.microsoft.com/office/drawing/2010/main">
-                <a:noFill/>
-              </a14:hiddenFill>
-            </a:ext>
-          </a:extLst>
-        </p:spPr>
-        <p:txBody>
-          <a:bodyPr vert="horz" wrap="square" lIns="91440" tIns="45720" rIns="91440" bIns="45720" numCol="1" anchor="t" anchorCtr="0" compatLnSpc="1">
-            <a:prstTxWarp prst="textNoShape">
+              </a:endParaRPr>
+            </a:p>
+          </p:txBody>
+        </p:sp>
+        <p:sp>
+          <p:nvSpPr>
+            <p:cNvPr id="61" name="Text Box 52">
+              <a:extLst>
+                <a:ext uri="{FF2B5EF4-FFF2-40B4-BE49-F238E27FC236}">
+                  <a16:creationId xmlns:a16="http://schemas.microsoft.com/office/drawing/2014/main" id="{7CFD2B6F-E4E2-784D-BAAB-9E20FCC0BB93}"/>
+                </a:ext>
+              </a:extLst>
+            </p:cNvPr>
+            <p:cNvSpPr txBox="1">
+              <a:spLocks noChangeArrowheads="1"/>
+            </p:cNvSpPr>
+            <p:nvPr/>
+          </p:nvSpPr>
+          <p:spPr bwMode="auto">
+            <a:xfrm>
+              <a:off x="3142501" y="2672049"/>
+              <a:ext cx="2251152" cy="530444"/>
+            </a:xfrm>
+            <a:prstGeom prst="rect">
               <a:avLst/>
-            </a:prstTxWarp>
-          </a:bodyPr>
-          <a:lstStyle/>
-          <a:p>
-            <a:endParaRPr lang="en-US"/>
-          </a:p>
-        </p:txBody>
-      </p:sp>
-      <p:sp>
-        <p:nvSpPr>
-          <p:cNvPr id="54" name="Rectangle 59">
-            <a:extLst>
-              <a:ext uri="{FF2B5EF4-FFF2-40B4-BE49-F238E27FC236}">
-                <a16:creationId xmlns:a16="http://schemas.microsoft.com/office/drawing/2014/main" id="{6981AF8B-173C-6748-9660-57E9273F28AA}"/>
-              </a:ext>
-            </a:extLst>
-          </p:cNvPr>
-          <p:cNvSpPr>
-            <a:spLocks noChangeArrowheads="1"/>
-          </p:cNvSpPr>
-          <p:nvPr/>
-        </p:nvSpPr>
-        <p:spPr bwMode="auto">
-          <a:xfrm>
-            <a:off x="4953000" y="1047916"/>
-            <a:ext cx="114300" cy="280988"/>
-          </a:xfrm>
-          <a:prstGeom prst="rect">
-            <a:avLst/>
-          </a:prstGeom>
-          <a:solidFill>
-            <a:srgbClr val="FFFFFF"/>
-          </a:solidFill>
-          <a:ln w="9525">
-            <a:solidFill>
-              <a:srgbClr val="000000"/>
-            </a:solidFill>
-            <a:miter lim="800000"/>
-            <a:headEnd/>
-            <a:tailEnd/>
-          </a:ln>
-        </p:spPr>
-        <p:txBody>
-          <a:bodyPr vert="horz" wrap="square" lIns="91440" tIns="45720" rIns="91440" bIns="45720" numCol="1" anchor="t" anchorCtr="0" compatLnSpc="1">
-            <a:prstTxWarp prst="textNoShape">
-              <a:avLst/>
-            </a:prstTxWarp>
-          </a:bodyPr>
-          <a:lstStyle/>
-          <a:p>
-            <a:endParaRPr lang="en-US"/>
-          </a:p>
-        </p:txBody>
-      </p:sp>
-      <p:sp>
-        <p:nvSpPr>
-          <p:cNvPr id="55" name="Text Box 58">
-            <a:extLst>
-              <a:ext uri="{FF2B5EF4-FFF2-40B4-BE49-F238E27FC236}">
-                <a16:creationId xmlns:a16="http://schemas.microsoft.com/office/drawing/2014/main" id="{86C972A4-2893-2C41-921D-9AC4EFDFBABE}"/>
-              </a:ext>
-            </a:extLst>
-          </p:cNvPr>
-          <p:cNvSpPr txBox="1">
-            <a:spLocks noChangeArrowheads="1"/>
-          </p:cNvSpPr>
-          <p:nvPr/>
-        </p:nvSpPr>
-        <p:spPr bwMode="auto">
-          <a:xfrm>
-            <a:off x="2197100" y="2010864"/>
-            <a:ext cx="1104900" cy="260350"/>
-          </a:xfrm>
-          <a:prstGeom prst="rect">
-            <a:avLst/>
-          </a:prstGeom>
-          <a:noFill/>
-          <a:ln>
+            </a:prstGeom>
             <a:noFill/>
-          </a:ln>
-          <a:extLst>
-            <a:ext uri="{909E8E84-426E-40DD-AFC4-6F175D3DCCD1}">
-              <a14:hiddenFill xmlns:a14="http://schemas.microsoft.com/office/drawing/2010/main">
-                <a:solidFill>
-                  <a:srgbClr val="FFFFFF"/>
-                </a:solidFill>
-              </a14:hiddenFill>
-            </a:ext>
-            <a:ext uri="{91240B29-F687-4F45-9708-019B960494DF}">
-              <a14:hiddenLine xmlns:a14="http://schemas.microsoft.com/office/drawing/2010/main" w="9525">
-                <a:solidFill>
-                  <a:srgbClr val="000000"/>
-                </a:solidFill>
-                <a:miter lim="800000"/>
-                <a:headEnd/>
-                <a:tailEnd/>
-              </a14:hiddenLine>
-            </a:ext>
-          </a:extLst>
-        </p:spPr>
-        <p:txBody>
-          <a:bodyPr vert="horz" wrap="square" lIns="91440" tIns="45720" rIns="91440" bIns="45720" numCol="1" anchor="t" anchorCtr="0" compatLnSpc="1">
-            <a:prstTxWarp prst="textNoShape">
-              <a:avLst/>
-            </a:prstTxWarp>
-          </a:bodyPr>
-          <a:lstStyle/>
-          <a:p>
-            <a:pPr marL="0" marR="0" lvl="0" indent="0" algn="ctr" defTabSz="914400" rtl="0" eaLnBrk="0" fontAlgn="base" latinLnBrk="0" hangingPunct="0">
-              <a:lnSpc>
-                <a:spcPct val="100000"/>
-              </a:lnSpc>
-              <a:spcBef>
-                <a:spcPct val="0"/>
-              </a:spcBef>
-              <a:spcAft>
-                <a:spcPct val="0"/>
-              </a:spcAft>
-              <a:buClrTx/>
-              <a:buSzTx/>
-              <a:buFontTx/>
-              <a:buNone/>
-              <a:tabLst/>
-            </a:pPr>
-            <a:r>
-              <a:rPr kumimoji="0" lang="en-US" altLang="en-US" sz="800" b="0" i="0" u="none" strike="noStrike" cap="none" normalizeH="0" baseline="0" dirty="0">
+            <a:ln>
+              <a:noFill/>
+            </a:ln>
+            <a:extLst>
+              <a:ext uri="{909E8E84-426E-40DD-AFC4-6F175D3DCCD1}">
+                <a14:hiddenFill xmlns:a14="http://schemas.microsoft.com/office/drawing/2010/main">
+                  <a:solidFill>
+                    <a:srgbClr val="FFFFFF"/>
+                  </a:solidFill>
+                </a14:hiddenFill>
+              </a:ext>
+              <a:ext uri="{91240B29-F687-4F45-9708-019B960494DF}">
+                <a14:hiddenLine xmlns:a14="http://schemas.microsoft.com/office/drawing/2010/main" w="9525">
+                  <a:solidFill>
+                    <a:srgbClr val="000000"/>
+                  </a:solidFill>
+                  <a:miter lim="800000"/>
+                  <a:headEnd/>
+                  <a:tailEnd/>
+                </a14:hiddenLine>
+              </a:ext>
+            </a:extLst>
+          </p:spPr>
+          <p:txBody>
+            <a:bodyPr vert="horz" wrap="square" lIns="91440" tIns="45720" rIns="91440" bIns="45720" numCol="1" anchor="t" anchorCtr="0" compatLnSpc="1">
+              <a:prstTxWarp prst="textNoShape">
+                <a:avLst/>
+              </a:prstTxWarp>
+            </a:bodyPr>
+            <a:lstStyle/>
+            <a:p>
+              <a:pPr marL="0" marR="0" lvl="0" indent="0" algn="ctr" defTabSz="914400" rtl="0" eaLnBrk="0" fontAlgn="base" latinLnBrk="0" hangingPunct="0">
+                <a:lnSpc>
+                  <a:spcPct val="100000"/>
+                </a:lnSpc>
+                <a:spcBef>
+                  <a:spcPct val="0"/>
+                </a:spcBef>
+                <a:spcAft>
+                  <a:spcPct val="0"/>
+                </a:spcAft>
+                <a:buClrTx/>
+                <a:buSzTx/>
+                <a:buFontTx/>
+                <a:buNone/>
+                <a:tabLst/>
+              </a:pPr>
+              <a:r>
+                <a:rPr kumimoji="0" lang="en-US" altLang="en-US" sz="1600" b="0" i="0" u="none" strike="noStrike" cap="none" normalizeH="0" baseline="0" dirty="0">
+                  <a:ln>
+                    <a:noFill/>
+                  </a:ln>
+                  <a:solidFill>
+                    <a:schemeClr val="tx1"/>
+                  </a:solidFill>
+                  <a:effectLst/>
+                  <a:latin typeface="Times New Roman" panose="02020603050405020304" pitchFamily="18" charset="0"/>
+                  <a:ea typeface="Times New Roman" panose="02020603050405020304" pitchFamily="18" charset="0"/>
+                  <a:cs typeface="Times New Roman" panose="02020603050405020304" pitchFamily="18" charset="0"/>
+                </a:rPr>
+                <a:t>4. Retrieve Document</a:t>
+              </a:r>
+              <a:endParaRPr kumimoji="0" lang="en-US" altLang="en-US" sz="4400" b="0" i="0" u="none" strike="noStrike" cap="none" normalizeH="0" baseline="0" dirty="0">
                 <a:ln>
                   <a:noFill/>
                 </a:ln>
@@ -5143,296 +5574,97 @@
                 </a:solidFill>
                 <a:effectLst/>
                 <a:latin typeface="Times New Roman" panose="02020603050405020304" pitchFamily="18" charset="0"/>
-                <a:ea typeface="Times New Roman" panose="02020603050405020304" pitchFamily="18" charset="0"/>
                 <a:cs typeface="Times New Roman" panose="02020603050405020304" pitchFamily="18" charset="0"/>
-              </a:rPr>
-              <a:t>6. Query Documents</a:t>
-            </a:r>
-            <a:endParaRPr kumimoji="0" lang="en-US" altLang="en-US" sz="1800" b="0" i="0" u="none" strike="noStrike" cap="none" normalizeH="0" baseline="0" dirty="0">
-              <a:ln>
-                <a:noFill/>
-              </a:ln>
-              <a:solidFill>
-                <a:schemeClr val="tx1"/>
-              </a:solidFill>
-              <a:effectLst/>
-              <a:latin typeface="Times New Roman" panose="02020603050405020304" pitchFamily="18" charset="0"/>
-              <a:cs typeface="Times New Roman" panose="02020603050405020304" pitchFamily="18" charset="0"/>
-            </a:endParaRPr>
-          </a:p>
-        </p:txBody>
-      </p:sp>
-      <p:sp>
-        <p:nvSpPr>
-          <p:cNvPr id="56" name="Rectangle 57">
-            <a:extLst>
-              <a:ext uri="{FF2B5EF4-FFF2-40B4-BE49-F238E27FC236}">
-                <a16:creationId xmlns:a16="http://schemas.microsoft.com/office/drawing/2014/main" id="{A3661ED1-526F-1D49-B281-52B81F4E5594}"/>
-              </a:ext>
-            </a:extLst>
-          </p:cNvPr>
-          <p:cNvSpPr>
-            <a:spLocks noChangeArrowheads="1"/>
-          </p:cNvSpPr>
-          <p:nvPr/>
-        </p:nvSpPr>
-        <p:spPr bwMode="auto">
-          <a:xfrm>
-            <a:off x="647701" y="1084706"/>
-            <a:ext cx="120650" cy="1463675"/>
-          </a:xfrm>
-          <a:prstGeom prst="rect">
-            <a:avLst/>
-          </a:prstGeom>
-          <a:solidFill>
-            <a:srgbClr val="FFFFFF"/>
-          </a:solidFill>
-          <a:ln w="9525">
-            <a:solidFill>
-              <a:srgbClr val="000000"/>
-            </a:solidFill>
-            <a:miter lim="800000"/>
-            <a:headEnd/>
-            <a:tailEnd/>
-          </a:ln>
-        </p:spPr>
-        <p:txBody>
-          <a:bodyPr vert="horz" wrap="square" lIns="91440" tIns="45720" rIns="91440" bIns="45720" numCol="1" anchor="t" anchorCtr="0" compatLnSpc="1">
-            <a:prstTxWarp prst="textNoShape">
+              </a:endParaRPr>
+            </a:p>
+          </p:txBody>
+        </p:sp>
+        <p:sp>
+          <p:nvSpPr>
+            <p:cNvPr id="62" name="Text Box 51">
+              <a:extLst>
+                <a:ext uri="{FF2B5EF4-FFF2-40B4-BE49-F238E27FC236}">
+                  <a16:creationId xmlns:a16="http://schemas.microsoft.com/office/drawing/2014/main" id="{7BAB3B61-DDF0-9E43-939A-18E51F184EDA}"/>
+                </a:ext>
+              </a:extLst>
+            </p:cNvPr>
+            <p:cNvSpPr txBox="1">
+              <a:spLocks noChangeArrowheads="1"/>
+            </p:cNvSpPr>
+            <p:nvPr/>
+          </p:nvSpPr>
+          <p:spPr bwMode="auto">
+            <a:xfrm>
+              <a:off x="2838336" y="3005164"/>
+              <a:ext cx="2830101" cy="530444"/>
+            </a:xfrm>
+            <a:prstGeom prst="rect">
               <a:avLst/>
-            </a:prstTxWarp>
-          </a:bodyPr>
-          <a:lstStyle/>
-          <a:p>
-            <a:endParaRPr lang="en-US"/>
-          </a:p>
-        </p:txBody>
-      </p:sp>
-      <p:sp>
-        <p:nvSpPr>
-          <p:cNvPr id="57" name="Line 56">
-            <a:extLst>
-              <a:ext uri="{FF2B5EF4-FFF2-40B4-BE49-F238E27FC236}">
-                <a16:creationId xmlns:a16="http://schemas.microsoft.com/office/drawing/2014/main" id="{E0EB2A4B-BBF0-004A-952B-936FC28DE586}"/>
-              </a:ext>
-            </a:extLst>
-          </p:cNvPr>
-          <p:cNvSpPr>
-            <a:spLocks noChangeShapeType="1"/>
-          </p:cNvSpPr>
-          <p:nvPr/>
-        </p:nvSpPr>
-        <p:spPr bwMode="auto">
-          <a:xfrm>
-            <a:off x="768350" y="1363504"/>
-            <a:ext cx="2717800" cy="0"/>
-          </a:xfrm>
-          <a:prstGeom prst="line">
-            <a:avLst/>
-          </a:prstGeom>
-          <a:noFill/>
-          <a:ln w="9525">
-            <a:solidFill>
-              <a:srgbClr val="000000"/>
-            </a:solidFill>
-            <a:round/>
-            <a:headEnd/>
-            <a:tailEnd type="triangle" w="med" len="med"/>
-          </a:ln>
-          <a:extLst>
-            <a:ext uri="{909E8E84-426E-40DD-AFC4-6F175D3DCCD1}">
-              <a14:hiddenFill xmlns:a14="http://schemas.microsoft.com/office/drawing/2010/main">
-                <a:noFill/>
-              </a14:hiddenFill>
-            </a:ext>
-          </a:extLst>
-        </p:spPr>
-        <p:txBody>
-          <a:bodyPr vert="horz" wrap="square" lIns="91440" tIns="45720" rIns="91440" bIns="45720" numCol="1" anchor="t" anchorCtr="0" compatLnSpc="1">
-            <a:prstTxWarp prst="textNoShape">
-              <a:avLst/>
-            </a:prstTxWarp>
-          </a:bodyPr>
-          <a:lstStyle/>
-          <a:p>
-            <a:endParaRPr lang="en-US"/>
-          </a:p>
-        </p:txBody>
-      </p:sp>
-      <p:sp>
-        <p:nvSpPr>
-          <p:cNvPr id="58" name="Line 55">
-            <a:extLst>
-              <a:ext uri="{FF2B5EF4-FFF2-40B4-BE49-F238E27FC236}">
-                <a16:creationId xmlns:a16="http://schemas.microsoft.com/office/drawing/2014/main" id="{5580D5D2-B88E-414E-9E0C-C6535DC83113}"/>
-              </a:ext>
-            </a:extLst>
-          </p:cNvPr>
-          <p:cNvSpPr>
-            <a:spLocks noChangeShapeType="1"/>
-          </p:cNvSpPr>
-          <p:nvPr/>
-        </p:nvSpPr>
-        <p:spPr bwMode="auto">
-          <a:xfrm>
-            <a:off x="768350" y="1865208"/>
-            <a:ext cx="2717800" cy="0"/>
-          </a:xfrm>
-          <a:prstGeom prst="line">
-            <a:avLst/>
-          </a:prstGeom>
-          <a:noFill/>
-          <a:ln w="9525">
-            <a:solidFill>
-              <a:srgbClr val="000000"/>
-            </a:solidFill>
-            <a:round/>
-            <a:headEnd/>
-            <a:tailEnd type="triangle" w="med" len="med"/>
-          </a:ln>
-          <a:extLst>
-            <a:ext uri="{909E8E84-426E-40DD-AFC4-6F175D3DCCD1}">
-              <a14:hiddenFill xmlns:a14="http://schemas.microsoft.com/office/drawing/2010/main">
-                <a:noFill/>
-              </a14:hiddenFill>
-            </a:ext>
-          </a:extLst>
-        </p:spPr>
-        <p:txBody>
-          <a:bodyPr vert="horz" wrap="square" lIns="91440" tIns="45720" rIns="91440" bIns="45720" numCol="1" anchor="t" anchorCtr="0" compatLnSpc="1">
-            <a:prstTxWarp prst="textNoShape">
-              <a:avLst/>
-            </a:prstTxWarp>
-          </a:bodyPr>
-          <a:lstStyle/>
-          <a:p>
-            <a:endParaRPr lang="en-US"/>
-          </a:p>
-        </p:txBody>
-      </p:sp>
-      <p:sp>
-        <p:nvSpPr>
-          <p:cNvPr id="59" name="Line 54">
-            <a:extLst>
-              <a:ext uri="{FF2B5EF4-FFF2-40B4-BE49-F238E27FC236}">
-                <a16:creationId xmlns:a16="http://schemas.microsoft.com/office/drawing/2014/main" id="{B7F7FE23-5809-C243-A7B4-E61CD8959468}"/>
-              </a:ext>
-            </a:extLst>
-          </p:cNvPr>
-          <p:cNvSpPr>
-            <a:spLocks noChangeShapeType="1"/>
-          </p:cNvSpPr>
-          <p:nvPr/>
-        </p:nvSpPr>
-        <p:spPr bwMode="auto">
-          <a:xfrm>
-            <a:off x="768350" y="1703368"/>
-            <a:ext cx="2717800" cy="0"/>
-          </a:xfrm>
-          <a:prstGeom prst="line">
-            <a:avLst/>
-          </a:prstGeom>
-          <a:noFill/>
-          <a:ln w="9525">
-            <a:solidFill>
-              <a:srgbClr val="000000"/>
-            </a:solidFill>
-            <a:round/>
-            <a:headEnd/>
-            <a:tailEnd type="triangle" w="med" len="med"/>
-          </a:ln>
-          <a:extLst>
-            <a:ext uri="{909E8E84-426E-40DD-AFC4-6F175D3DCCD1}">
-              <a14:hiddenFill xmlns:a14="http://schemas.microsoft.com/office/drawing/2010/main">
-                <a:noFill/>
-              </a14:hiddenFill>
-            </a:ext>
-          </a:extLst>
-        </p:spPr>
-        <p:txBody>
-          <a:bodyPr vert="horz" wrap="square" lIns="91440" tIns="45720" rIns="91440" bIns="45720" numCol="1" anchor="t" anchorCtr="0" compatLnSpc="1">
-            <a:prstTxWarp prst="textNoShape">
-              <a:avLst/>
-            </a:prstTxWarp>
-          </a:bodyPr>
-          <a:lstStyle/>
-          <a:p>
-            <a:endParaRPr lang="en-US"/>
-          </a:p>
-        </p:txBody>
-      </p:sp>
-      <p:sp>
-        <p:nvSpPr>
-          <p:cNvPr id="60" name="Text Box 53">
-            <a:extLst>
-              <a:ext uri="{FF2B5EF4-FFF2-40B4-BE49-F238E27FC236}">
-                <a16:creationId xmlns:a16="http://schemas.microsoft.com/office/drawing/2014/main" id="{1465259B-FBA6-7C47-AAAF-94A4A847EB6E}"/>
-              </a:ext>
-            </a:extLst>
-          </p:cNvPr>
-          <p:cNvSpPr txBox="1">
-            <a:spLocks noChangeArrowheads="1"/>
-          </p:cNvSpPr>
-          <p:nvPr/>
-        </p:nvSpPr>
-        <p:spPr bwMode="auto">
-          <a:xfrm>
-            <a:off x="1451327" y="1355412"/>
-            <a:ext cx="1104900" cy="260350"/>
-          </a:xfrm>
-          <a:prstGeom prst="rect">
-            <a:avLst/>
-          </a:prstGeom>
-          <a:noFill/>
-          <a:ln>
+            </a:prstGeom>
             <a:noFill/>
-          </a:ln>
-          <a:extLst>
-            <a:ext uri="{909E8E84-426E-40DD-AFC4-6F175D3DCCD1}">
-              <a14:hiddenFill xmlns:a14="http://schemas.microsoft.com/office/drawing/2010/main">
-                <a:solidFill>
-                  <a:srgbClr val="FFFFFF"/>
-                </a:solidFill>
-              </a14:hiddenFill>
-            </a:ext>
-            <a:ext uri="{91240B29-F687-4F45-9708-019B960494DF}">
-              <a14:hiddenLine xmlns:a14="http://schemas.microsoft.com/office/drawing/2010/main" w="9525">
-                <a:solidFill>
-                  <a:srgbClr val="000000"/>
-                </a:solidFill>
-                <a:miter lim="800000"/>
-                <a:headEnd/>
-                <a:tailEnd/>
-              </a14:hiddenLine>
-            </a:ext>
-          </a:extLst>
-        </p:spPr>
-        <p:txBody>
-          <a:bodyPr vert="horz" wrap="square" lIns="91440" tIns="45720" rIns="91440" bIns="45720" numCol="1" anchor="t" anchorCtr="0" compatLnSpc="1">
-            <a:prstTxWarp prst="textNoShape">
-              <a:avLst/>
-            </a:prstTxWarp>
-          </a:bodyPr>
-          <a:lstStyle/>
-          <a:p>
-            <a:pPr marL="0" marR="0" lvl="0" indent="0" algn="ctr" defTabSz="914400" rtl="0" eaLnBrk="0" fontAlgn="base" latinLnBrk="0" hangingPunct="0">
-              <a:lnSpc>
-                <a:spcPct val="100000"/>
-              </a:lnSpc>
-              <a:spcBef>
-                <a:spcPct val="0"/>
-              </a:spcBef>
-              <a:spcAft>
-                <a:spcPct val="0"/>
-              </a:spcAft>
-              <a:buClrTx/>
-              <a:buSzTx/>
-              <a:buFontTx/>
-              <a:buNone/>
-              <a:tabLst/>
-            </a:pPr>
-            <a:r>
-              <a:rPr kumimoji="0" lang="en-US" altLang="en-US" sz="800" b="0" i="0" u="none" strike="noStrike" cap="none" normalizeH="0" baseline="0" dirty="0">
+            <a:ln>
+              <a:noFill/>
+            </a:ln>
+            <a:extLst>
+              <a:ext uri="{909E8E84-426E-40DD-AFC4-6F175D3DCCD1}">
+                <a14:hiddenFill xmlns:a14="http://schemas.microsoft.com/office/drawing/2010/main">
+                  <a:solidFill>
+                    <a:srgbClr val="FFFFFF"/>
+                  </a:solidFill>
+                </a14:hiddenFill>
+              </a:ext>
+              <a:ext uri="{91240B29-F687-4F45-9708-019B960494DF}">
+                <a14:hiddenLine xmlns:a14="http://schemas.microsoft.com/office/drawing/2010/main" w="9525">
+                  <a:solidFill>
+                    <a:srgbClr val="000000"/>
+                  </a:solidFill>
+                  <a:miter lim="800000"/>
+                  <a:headEnd/>
+                  <a:tailEnd/>
+                </a14:hiddenLine>
+              </a:ext>
+            </a:extLst>
+          </p:spPr>
+          <p:txBody>
+            <a:bodyPr vert="horz" wrap="square" lIns="91440" tIns="45720" rIns="91440" bIns="45720" numCol="1" anchor="t" anchorCtr="0" compatLnSpc="1">
+              <a:prstTxWarp prst="textNoShape">
+                <a:avLst/>
+              </a:prstTxWarp>
+            </a:bodyPr>
+            <a:lstStyle/>
+            <a:p>
+              <a:pPr marL="0" marR="0" lvl="0" indent="0" algn="ctr" defTabSz="914400" rtl="0" eaLnBrk="0" fontAlgn="base" latinLnBrk="0" hangingPunct="0">
+                <a:lnSpc>
+                  <a:spcPct val="100000"/>
+                </a:lnSpc>
+                <a:spcBef>
+                  <a:spcPct val="0"/>
+                </a:spcBef>
+                <a:spcAft>
+                  <a:spcPct val="0"/>
+                </a:spcAft>
+                <a:buClrTx/>
+                <a:buSzTx/>
+                <a:buFontTx/>
+                <a:buNone/>
+                <a:tabLst/>
+              </a:pPr>
+              <a:r>
+                <a:rPr kumimoji="0" lang="en-US" altLang="en-US" sz="1600" b="0" i="0" u="none" strike="noStrike" cap="none" normalizeH="0" baseline="0" dirty="0">
+                  <a:ln>
+                    <a:noFill/>
+                  </a:ln>
+                  <a:solidFill>
+                    <a:schemeClr val="tx1"/>
+                  </a:solidFill>
+                  <a:effectLst/>
+                  <a:latin typeface="Times New Roman" panose="02020603050405020304" pitchFamily="18" charset="0"/>
+                  <a:ea typeface="Times New Roman" panose="02020603050405020304" pitchFamily="18" charset="0"/>
+                  <a:cs typeface="Times New Roman" panose="02020603050405020304" pitchFamily="18" charset="0"/>
+                </a:rPr>
+                <a:t>5. Retrieve Document</a:t>
+              </a:r>
+              <a:endParaRPr kumimoji="0" lang="en-US" altLang="en-US" sz="4400" b="0" i="0" u="none" strike="noStrike" cap="none" normalizeH="0" baseline="0" dirty="0">
                 <a:ln>
                   <a:noFill/>
                 </a:ln>
@@ -5441,97 +5673,148 @@
                 </a:solidFill>
                 <a:effectLst/>
                 <a:latin typeface="Times New Roman" panose="02020603050405020304" pitchFamily="18" charset="0"/>
-                <a:ea typeface="Times New Roman" panose="02020603050405020304" pitchFamily="18" charset="0"/>
                 <a:cs typeface="Times New Roman" panose="02020603050405020304" pitchFamily="18" charset="0"/>
-              </a:rPr>
-              <a:t>3. Retrieve Document</a:t>
-            </a:r>
-            <a:endParaRPr kumimoji="0" lang="en-US" altLang="en-US" sz="1800" b="0" i="0" u="none" strike="noStrike" cap="none" normalizeH="0" baseline="0" dirty="0">
-              <a:ln>
-                <a:noFill/>
-              </a:ln>
+              </a:endParaRPr>
+            </a:p>
+          </p:txBody>
+        </p:sp>
+        <p:sp>
+          <p:nvSpPr>
+            <p:cNvPr id="63" name="Line 50">
+              <a:extLst>
+                <a:ext uri="{FF2B5EF4-FFF2-40B4-BE49-F238E27FC236}">
+                  <a16:creationId xmlns:a16="http://schemas.microsoft.com/office/drawing/2014/main" id="{95ACFE29-439B-B943-9883-B2629AB2A4BE}"/>
+                </a:ext>
+              </a:extLst>
+            </p:cNvPr>
+            <p:cNvSpPr>
+              <a:spLocks noChangeShapeType="1"/>
+            </p:cNvSpPr>
+            <p:nvPr/>
+          </p:nvSpPr>
+          <p:spPr bwMode="auto">
+            <a:xfrm>
+              <a:off x="1750986" y="4683445"/>
+              <a:ext cx="5537317" cy="0"/>
+            </a:xfrm>
+            <a:prstGeom prst="line">
+              <a:avLst/>
+            </a:prstGeom>
+            <a:noFill/>
+            <a:ln w="9525">
               <a:solidFill>
-                <a:schemeClr val="tx1"/>
+                <a:srgbClr val="000000"/>
               </a:solidFill>
-              <a:effectLst/>
-              <a:latin typeface="Times New Roman" panose="02020603050405020304" pitchFamily="18" charset="0"/>
-              <a:cs typeface="Times New Roman" panose="02020603050405020304" pitchFamily="18" charset="0"/>
-            </a:endParaRPr>
-          </a:p>
-        </p:txBody>
-      </p:sp>
-      <p:sp>
-        <p:nvSpPr>
-          <p:cNvPr id="61" name="Text Box 52">
-            <a:extLst>
-              <a:ext uri="{FF2B5EF4-FFF2-40B4-BE49-F238E27FC236}">
-                <a16:creationId xmlns:a16="http://schemas.microsoft.com/office/drawing/2014/main" id="{7CFD2B6F-E4E2-784D-BAAB-9E20FCC0BB93}"/>
-              </a:ext>
-            </a:extLst>
-          </p:cNvPr>
-          <p:cNvSpPr txBox="1">
-            <a:spLocks noChangeArrowheads="1"/>
-          </p:cNvSpPr>
-          <p:nvPr/>
-        </p:nvSpPr>
-        <p:spPr bwMode="auto">
-          <a:xfrm>
-            <a:off x="1451327" y="1517252"/>
-            <a:ext cx="1104900" cy="260350"/>
-          </a:xfrm>
-          <a:prstGeom prst="rect">
-            <a:avLst/>
-          </a:prstGeom>
-          <a:noFill/>
-          <a:ln>
+              <a:round/>
+              <a:headEnd/>
+              <a:tailEnd type="triangle" w="med" len="med"/>
+            </a:ln>
+            <a:extLst>
+              <a:ext uri="{909E8E84-426E-40DD-AFC4-6F175D3DCCD1}">
+                <a14:hiddenFill xmlns:a14="http://schemas.microsoft.com/office/drawing/2010/main">
+                  <a:noFill/>
+                </a14:hiddenFill>
+              </a:ext>
+            </a:extLst>
+          </p:spPr>
+          <p:txBody>
+            <a:bodyPr vert="horz" wrap="square" lIns="91440" tIns="45720" rIns="91440" bIns="45720" numCol="1" anchor="t" anchorCtr="0" compatLnSpc="1">
+              <a:prstTxWarp prst="textNoShape">
+                <a:avLst/>
+              </a:prstTxWarp>
+            </a:bodyPr>
+            <a:lstStyle/>
+            <a:p>
+              <a:endParaRPr lang="en-US" sz="4400"/>
+            </a:p>
+          </p:txBody>
+        </p:sp>
+        <p:sp>
+          <p:nvSpPr>
+            <p:cNvPr id="64" name="Text Box 49">
+              <a:extLst>
+                <a:ext uri="{FF2B5EF4-FFF2-40B4-BE49-F238E27FC236}">
+                  <a16:creationId xmlns:a16="http://schemas.microsoft.com/office/drawing/2014/main" id="{0460192E-91B7-6041-8628-B9A78E120352}"/>
+                </a:ext>
+              </a:extLst>
+            </p:cNvPr>
+            <p:cNvSpPr txBox="1">
+              <a:spLocks noChangeArrowheads="1"/>
+            </p:cNvSpPr>
+            <p:nvPr/>
+          </p:nvSpPr>
+          <p:spPr bwMode="auto">
+            <a:xfrm>
+              <a:off x="3131281" y="4298296"/>
+              <a:ext cx="2251152" cy="530444"/>
+            </a:xfrm>
+            <a:prstGeom prst="rect">
+              <a:avLst/>
+            </a:prstGeom>
             <a:noFill/>
-          </a:ln>
-          <a:extLst>
-            <a:ext uri="{909E8E84-426E-40DD-AFC4-6F175D3DCCD1}">
-              <a14:hiddenFill xmlns:a14="http://schemas.microsoft.com/office/drawing/2010/main">
-                <a:solidFill>
-                  <a:srgbClr val="FFFFFF"/>
-                </a:solidFill>
-              </a14:hiddenFill>
-            </a:ext>
-            <a:ext uri="{91240B29-F687-4F45-9708-019B960494DF}">
-              <a14:hiddenLine xmlns:a14="http://schemas.microsoft.com/office/drawing/2010/main" w="9525">
-                <a:solidFill>
-                  <a:srgbClr val="000000"/>
-                </a:solidFill>
-                <a:miter lim="800000"/>
-                <a:headEnd/>
-                <a:tailEnd/>
-              </a14:hiddenLine>
-            </a:ext>
-          </a:extLst>
-        </p:spPr>
-        <p:txBody>
-          <a:bodyPr vert="horz" wrap="square" lIns="91440" tIns="45720" rIns="91440" bIns="45720" numCol="1" anchor="t" anchorCtr="0" compatLnSpc="1">
-            <a:prstTxWarp prst="textNoShape">
-              <a:avLst/>
-            </a:prstTxWarp>
-          </a:bodyPr>
-          <a:lstStyle/>
-          <a:p>
-            <a:pPr marL="0" marR="0" lvl="0" indent="0" algn="ctr" defTabSz="914400" rtl="0" eaLnBrk="0" fontAlgn="base" latinLnBrk="0" hangingPunct="0">
-              <a:lnSpc>
-                <a:spcPct val="100000"/>
-              </a:lnSpc>
-              <a:spcBef>
-                <a:spcPct val="0"/>
-              </a:spcBef>
-              <a:spcAft>
-                <a:spcPct val="0"/>
-              </a:spcAft>
-              <a:buClrTx/>
-              <a:buSzTx/>
-              <a:buFontTx/>
-              <a:buNone/>
-              <a:tabLst/>
-            </a:pPr>
-            <a:r>
-              <a:rPr kumimoji="0" lang="en-US" altLang="en-US" sz="800" b="0" i="0" u="none" strike="noStrike" cap="none" normalizeH="0" baseline="0" dirty="0">
+            <a:ln>
+              <a:noFill/>
+            </a:ln>
+            <a:extLst>
+              <a:ext uri="{909E8E84-426E-40DD-AFC4-6F175D3DCCD1}">
+                <a14:hiddenFill xmlns:a14="http://schemas.microsoft.com/office/drawing/2010/main">
+                  <a:solidFill>
+                    <a:srgbClr val="FFFFFF"/>
+                  </a:solidFill>
+                </a14:hiddenFill>
+              </a:ext>
+              <a:ext uri="{91240B29-F687-4F45-9708-019B960494DF}">
+                <a14:hiddenLine xmlns:a14="http://schemas.microsoft.com/office/drawing/2010/main" w="9525">
+                  <a:solidFill>
+                    <a:srgbClr val="000000"/>
+                  </a:solidFill>
+                  <a:miter lim="800000"/>
+                  <a:headEnd/>
+                  <a:tailEnd/>
+                </a14:hiddenLine>
+              </a:ext>
+            </a:extLst>
+          </p:spPr>
+          <p:txBody>
+            <a:bodyPr vert="horz" wrap="square" lIns="91440" tIns="45720" rIns="91440" bIns="45720" numCol="1" anchor="t" anchorCtr="0" compatLnSpc="1">
+              <a:prstTxWarp prst="textNoShape">
+                <a:avLst/>
+              </a:prstTxWarp>
+            </a:bodyPr>
+            <a:lstStyle/>
+            <a:p>
+              <a:pPr marL="0" marR="0" lvl="0" indent="0" algn="ctr" defTabSz="914400" rtl="0" eaLnBrk="0" fontAlgn="base" latinLnBrk="0" hangingPunct="0">
+                <a:lnSpc>
+                  <a:spcPct val="100000"/>
+                </a:lnSpc>
+                <a:spcBef>
+                  <a:spcPct val="0"/>
+                </a:spcBef>
+                <a:spcAft>
+                  <a:spcPct val="0"/>
+                </a:spcAft>
+                <a:buClrTx/>
+                <a:buSzTx/>
+                <a:buFontTx/>
+                <a:buNone/>
+                <a:tabLst/>
+              </a:pPr>
+              <a:r>
+                <a:rPr kumimoji="0" lang="en-US" altLang="en-US" sz="1600" b="0" i="0" u="none" strike="noStrike" cap="none" normalizeH="0" baseline="0" dirty="0">
+                  <a:ln>
+                    <a:noFill/>
+                  </a:ln>
+                  <a:solidFill>
+                    <a:schemeClr val="tx1"/>
+                  </a:solidFill>
+                  <a:effectLst/>
+                  <a:latin typeface="Times New Roman" panose="02020603050405020304" pitchFamily="18" charset="0"/>
+                  <a:ea typeface="Times New Roman" panose="02020603050405020304" pitchFamily="18" charset="0"/>
+                  <a:cs typeface="Times New Roman" panose="02020603050405020304" pitchFamily="18" charset="0"/>
+                </a:rPr>
+                <a:t>7. Retrieve Document</a:t>
+              </a:r>
+              <a:endParaRPr kumimoji="0" lang="en-US" altLang="en-US" sz="4400" b="0" i="0" u="none" strike="noStrike" cap="none" normalizeH="0" baseline="0" dirty="0">
                 <a:ln>
                   <a:noFill/>
                 </a:ln>
@@ -5540,320 +5823,58 @@
                 </a:solidFill>
                 <a:effectLst/>
                 <a:latin typeface="Times New Roman" panose="02020603050405020304" pitchFamily="18" charset="0"/>
-                <a:ea typeface="Times New Roman" panose="02020603050405020304" pitchFamily="18" charset="0"/>
                 <a:cs typeface="Times New Roman" panose="02020603050405020304" pitchFamily="18" charset="0"/>
-              </a:rPr>
-              <a:t>4. Retrieve Document</a:t>
-            </a:r>
-            <a:endParaRPr kumimoji="0" lang="en-US" altLang="en-US" sz="1800" b="0" i="0" u="none" strike="noStrike" cap="none" normalizeH="0" baseline="0" dirty="0">
-              <a:ln>
-                <a:noFill/>
-              </a:ln>
+              </a:endParaRPr>
+            </a:p>
+          </p:txBody>
+        </p:sp>
+        <p:sp>
+          <p:nvSpPr>
+            <p:cNvPr id="65" name="Rectangle 48">
+              <a:extLst>
+                <a:ext uri="{FF2B5EF4-FFF2-40B4-BE49-F238E27FC236}">
+                  <a16:creationId xmlns:a16="http://schemas.microsoft.com/office/drawing/2014/main" id="{C99561A6-2F44-3B46-BDC0-56DFC4E524E9}"/>
+                </a:ext>
+              </a:extLst>
+            </p:cNvPr>
+            <p:cNvSpPr>
+              <a:spLocks noChangeArrowheads="1"/>
+            </p:cNvSpPr>
+            <p:nvPr/>
+          </p:nvSpPr>
+          <p:spPr bwMode="auto">
+            <a:xfrm>
+              <a:off x="7307709" y="4254787"/>
+              <a:ext cx="232878" cy="572492"/>
+            </a:xfrm>
+            <a:prstGeom prst="rect">
+              <a:avLst/>
+            </a:prstGeom>
+            <a:solidFill>
+              <a:srgbClr val="FFFFFF"/>
+            </a:solidFill>
+            <a:ln w="9525">
               <a:solidFill>
-                <a:schemeClr val="tx1"/>
+                <a:srgbClr val="000000"/>
               </a:solidFill>
-              <a:effectLst/>
-              <a:latin typeface="Times New Roman" panose="02020603050405020304" pitchFamily="18" charset="0"/>
-              <a:cs typeface="Times New Roman" panose="02020603050405020304" pitchFamily="18" charset="0"/>
-            </a:endParaRPr>
-          </a:p>
-        </p:txBody>
-      </p:sp>
-      <p:sp>
-        <p:nvSpPr>
-          <p:cNvPr id="62" name="Text Box 51">
-            <a:extLst>
-              <a:ext uri="{FF2B5EF4-FFF2-40B4-BE49-F238E27FC236}">
-                <a16:creationId xmlns:a16="http://schemas.microsoft.com/office/drawing/2014/main" id="{7BAB3B61-DDF0-9E43-939A-18E51F184EDA}"/>
-              </a:ext>
-            </a:extLst>
-          </p:cNvPr>
-          <p:cNvSpPr txBox="1">
-            <a:spLocks noChangeArrowheads="1"/>
-          </p:cNvSpPr>
-          <p:nvPr/>
-        </p:nvSpPr>
-        <p:spPr bwMode="auto">
-          <a:xfrm>
-            <a:off x="1302038" y="1680750"/>
-            <a:ext cx="1389057" cy="260350"/>
-          </a:xfrm>
-          <a:prstGeom prst="rect">
-            <a:avLst/>
-          </a:prstGeom>
-          <a:noFill/>
-          <a:ln>
-            <a:noFill/>
-          </a:ln>
-          <a:extLst>
-            <a:ext uri="{909E8E84-426E-40DD-AFC4-6F175D3DCCD1}">
-              <a14:hiddenFill xmlns:a14="http://schemas.microsoft.com/office/drawing/2010/main">
-                <a:solidFill>
-                  <a:srgbClr val="FFFFFF"/>
-                </a:solidFill>
-              </a14:hiddenFill>
-            </a:ext>
-            <a:ext uri="{91240B29-F687-4F45-9708-019B960494DF}">
-              <a14:hiddenLine xmlns:a14="http://schemas.microsoft.com/office/drawing/2010/main" w="9525">
-                <a:solidFill>
-                  <a:srgbClr val="000000"/>
-                </a:solidFill>
-                <a:miter lim="800000"/>
-                <a:headEnd/>
-                <a:tailEnd/>
-              </a14:hiddenLine>
-            </a:ext>
-          </a:extLst>
-        </p:spPr>
-        <p:txBody>
-          <a:bodyPr vert="horz" wrap="square" lIns="91440" tIns="45720" rIns="91440" bIns="45720" numCol="1" anchor="t" anchorCtr="0" compatLnSpc="1">
-            <a:prstTxWarp prst="textNoShape">
-              <a:avLst/>
-            </a:prstTxWarp>
-          </a:bodyPr>
-          <a:lstStyle/>
-          <a:p>
-            <a:pPr marL="0" marR="0" lvl="0" indent="0" algn="ctr" defTabSz="914400" rtl="0" eaLnBrk="0" fontAlgn="base" latinLnBrk="0" hangingPunct="0">
-              <a:lnSpc>
-                <a:spcPct val="100000"/>
-              </a:lnSpc>
-              <a:spcBef>
-                <a:spcPct val="0"/>
-              </a:spcBef>
-              <a:spcAft>
-                <a:spcPct val="0"/>
-              </a:spcAft>
-              <a:buClrTx/>
-              <a:buSzTx/>
-              <a:buFontTx/>
-              <a:buNone/>
-              <a:tabLst/>
-            </a:pPr>
-            <a:r>
-              <a:rPr kumimoji="0" lang="en-US" altLang="en-US" sz="800" b="0" i="0" u="none" strike="noStrike" cap="none" normalizeH="0" baseline="0" dirty="0">
-                <a:ln>
-                  <a:noFill/>
-                </a:ln>
-                <a:solidFill>
-                  <a:schemeClr val="tx1"/>
-                </a:solidFill>
-                <a:effectLst/>
-                <a:latin typeface="Times New Roman" panose="02020603050405020304" pitchFamily="18" charset="0"/>
-                <a:ea typeface="Times New Roman" panose="02020603050405020304" pitchFamily="18" charset="0"/>
-                <a:cs typeface="Times New Roman" panose="02020603050405020304" pitchFamily="18" charset="0"/>
-              </a:rPr>
-              <a:t>5. Retrieve Document</a:t>
-            </a:r>
-            <a:endParaRPr kumimoji="0" lang="en-US" altLang="en-US" sz="1800" b="0" i="0" u="none" strike="noStrike" cap="none" normalizeH="0" baseline="0" dirty="0">
-              <a:ln>
-                <a:noFill/>
-              </a:ln>
-              <a:solidFill>
-                <a:schemeClr val="tx1"/>
-              </a:solidFill>
-              <a:effectLst/>
-              <a:latin typeface="Times New Roman" panose="02020603050405020304" pitchFamily="18" charset="0"/>
-              <a:cs typeface="Times New Roman" panose="02020603050405020304" pitchFamily="18" charset="0"/>
-            </a:endParaRPr>
-          </a:p>
-        </p:txBody>
-      </p:sp>
-      <p:sp>
-        <p:nvSpPr>
-          <p:cNvPr id="63" name="Line 50">
-            <a:extLst>
-              <a:ext uri="{FF2B5EF4-FFF2-40B4-BE49-F238E27FC236}">
-                <a16:creationId xmlns:a16="http://schemas.microsoft.com/office/drawing/2014/main" id="{95ACFE29-439B-B943-9883-B2629AB2A4BE}"/>
-              </a:ext>
-            </a:extLst>
-          </p:cNvPr>
-          <p:cNvSpPr>
-            <a:spLocks noChangeShapeType="1"/>
-          </p:cNvSpPr>
-          <p:nvPr/>
-        </p:nvSpPr>
-        <p:spPr bwMode="auto">
-          <a:xfrm>
-            <a:off x="768350" y="2504476"/>
-            <a:ext cx="2717800" cy="0"/>
-          </a:xfrm>
-          <a:prstGeom prst="line">
-            <a:avLst/>
-          </a:prstGeom>
-          <a:noFill/>
-          <a:ln w="9525">
-            <a:solidFill>
-              <a:srgbClr val="000000"/>
-            </a:solidFill>
-            <a:round/>
-            <a:headEnd/>
-            <a:tailEnd type="triangle" w="med" len="med"/>
-          </a:ln>
-          <a:extLst>
-            <a:ext uri="{909E8E84-426E-40DD-AFC4-6F175D3DCCD1}">
-              <a14:hiddenFill xmlns:a14="http://schemas.microsoft.com/office/drawing/2010/main">
-                <a:noFill/>
-              </a14:hiddenFill>
-            </a:ext>
-          </a:extLst>
-        </p:spPr>
-        <p:txBody>
-          <a:bodyPr vert="horz" wrap="square" lIns="91440" tIns="45720" rIns="91440" bIns="45720" numCol="1" anchor="t" anchorCtr="0" compatLnSpc="1">
-            <a:prstTxWarp prst="textNoShape">
-              <a:avLst/>
-            </a:prstTxWarp>
-          </a:bodyPr>
-          <a:lstStyle/>
-          <a:p>
-            <a:endParaRPr lang="en-US"/>
-          </a:p>
-        </p:txBody>
-      </p:sp>
-      <p:sp>
-        <p:nvSpPr>
-          <p:cNvPr id="64" name="Text Box 49">
-            <a:extLst>
-              <a:ext uri="{FF2B5EF4-FFF2-40B4-BE49-F238E27FC236}">
-                <a16:creationId xmlns:a16="http://schemas.microsoft.com/office/drawing/2014/main" id="{0460192E-91B7-6041-8628-B9A78E120352}"/>
-              </a:ext>
-            </a:extLst>
-          </p:cNvPr>
-          <p:cNvSpPr txBox="1">
-            <a:spLocks noChangeArrowheads="1"/>
-          </p:cNvSpPr>
-          <p:nvPr/>
-        </p:nvSpPr>
-        <p:spPr bwMode="auto">
-          <a:xfrm>
-            <a:off x="1445820" y="2315439"/>
-            <a:ext cx="1104900" cy="260350"/>
-          </a:xfrm>
-          <a:prstGeom prst="rect">
-            <a:avLst/>
-          </a:prstGeom>
-          <a:noFill/>
-          <a:ln>
-            <a:noFill/>
-          </a:ln>
-          <a:extLst>
-            <a:ext uri="{909E8E84-426E-40DD-AFC4-6F175D3DCCD1}">
-              <a14:hiddenFill xmlns:a14="http://schemas.microsoft.com/office/drawing/2010/main">
-                <a:solidFill>
-                  <a:srgbClr val="FFFFFF"/>
-                </a:solidFill>
-              </a14:hiddenFill>
-            </a:ext>
-            <a:ext uri="{91240B29-F687-4F45-9708-019B960494DF}">
-              <a14:hiddenLine xmlns:a14="http://schemas.microsoft.com/office/drawing/2010/main" w="9525">
-                <a:solidFill>
-                  <a:srgbClr val="000000"/>
-                </a:solidFill>
-                <a:miter lim="800000"/>
-                <a:headEnd/>
-                <a:tailEnd/>
-              </a14:hiddenLine>
-            </a:ext>
-          </a:extLst>
-        </p:spPr>
-        <p:txBody>
-          <a:bodyPr vert="horz" wrap="square" lIns="91440" tIns="45720" rIns="91440" bIns="45720" numCol="1" anchor="t" anchorCtr="0" compatLnSpc="1">
-            <a:prstTxWarp prst="textNoShape">
-              <a:avLst/>
-            </a:prstTxWarp>
-          </a:bodyPr>
-          <a:lstStyle/>
-          <a:p>
-            <a:pPr marL="0" marR="0" lvl="0" indent="0" algn="ctr" defTabSz="914400" rtl="0" eaLnBrk="0" fontAlgn="base" latinLnBrk="0" hangingPunct="0">
-              <a:lnSpc>
-                <a:spcPct val="100000"/>
-              </a:lnSpc>
-              <a:spcBef>
-                <a:spcPct val="0"/>
-              </a:spcBef>
-              <a:spcAft>
-                <a:spcPct val="0"/>
-              </a:spcAft>
-              <a:buClrTx/>
-              <a:buSzTx/>
-              <a:buFontTx/>
-              <a:buNone/>
-              <a:tabLst/>
-            </a:pPr>
-            <a:r>
-              <a:rPr kumimoji="0" lang="en-US" altLang="en-US" sz="800" b="0" i="0" u="none" strike="noStrike" cap="none" normalizeH="0" baseline="0" dirty="0">
-                <a:ln>
-                  <a:noFill/>
-                </a:ln>
-                <a:solidFill>
-                  <a:schemeClr val="tx1"/>
-                </a:solidFill>
-                <a:effectLst/>
-                <a:latin typeface="Times New Roman" panose="02020603050405020304" pitchFamily="18" charset="0"/>
-                <a:ea typeface="Times New Roman" panose="02020603050405020304" pitchFamily="18" charset="0"/>
-                <a:cs typeface="Times New Roman" panose="02020603050405020304" pitchFamily="18" charset="0"/>
-              </a:rPr>
-              <a:t>7. Retrieve Document</a:t>
-            </a:r>
-            <a:endParaRPr kumimoji="0" lang="en-US" altLang="en-US" sz="1800" b="0" i="0" u="none" strike="noStrike" cap="none" normalizeH="0" baseline="0" dirty="0">
-              <a:ln>
-                <a:noFill/>
-              </a:ln>
-              <a:solidFill>
-                <a:schemeClr val="tx1"/>
-              </a:solidFill>
-              <a:effectLst/>
-              <a:latin typeface="Times New Roman" panose="02020603050405020304" pitchFamily="18" charset="0"/>
-              <a:cs typeface="Times New Roman" panose="02020603050405020304" pitchFamily="18" charset="0"/>
-            </a:endParaRPr>
-          </a:p>
-        </p:txBody>
-      </p:sp>
-      <p:sp>
-        <p:nvSpPr>
-          <p:cNvPr id="65" name="Rectangle 48">
-            <a:extLst>
-              <a:ext uri="{FF2B5EF4-FFF2-40B4-BE49-F238E27FC236}">
-                <a16:creationId xmlns:a16="http://schemas.microsoft.com/office/drawing/2014/main" id="{C99561A6-2F44-3B46-BDC0-56DFC4E524E9}"/>
-              </a:ext>
-            </a:extLst>
-          </p:cNvPr>
-          <p:cNvSpPr>
-            <a:spLocks noChangeArrowheads="1"/>
-          </p:cNvSpPr>
-          <p:nvPr/>
-        </p:nvSpPr>
-        <p:spPr bwMode="auto">
-          <a:xfrm>
-            <a:off x="3495675" y="2294084"/>
-            <a:ext cx="114300" cy="280988"/>
-          </a:xfrm>
-          <a:prstGeom prst="rect">
-            <a:avLst/>
-          </a:prstGeom>
-          <a:solidFill>
-            <a:srgbClr val="FFFFFF"/>
-          </a:solidFill>
-          <a:ln w="9525">
-            <a:solidFill>
-              <a:srgbClr val="000000"/>
-            </a:solidFill>
-            <a:miter lim="800000"/>
-            <a:headEnd/>
-            <a:tailEnd/>
-          </a:ln>
-        </p:spPr>
-        <p:txBody>
-          <a:bodyPr vert="horz" wrap="square" lIns="91440" tIns="45720" rIns="91440" bIns="45720" numCol="1" anchor="t" anchorCtr="0" compatLnSpc="1">
-            <a:prstTxWarp prst="textNoShape">
-              <a:avLst/>
-            </a:prstTxWarp>
-          </a:bodyPr>
-          <a:lstStyle/>
-          <a:p>
-            <a:endParaRPr lang="en-US"/>
-          </a:p>
-        </p:txBody>
-      </p:sp>
+              <a:miter lim="800000"/>
+              <a:headEnd/>
+              <a:tailEnd/>
+            </a:ln>
+          </p:spPr>
+          <p:txBody>
+            <a:bodyPr vert="horz" wrap="square" lIns="91440" tIns="45720" rIns="91440" bIns="45720" numCol="1" anchor="t" anchorCtr="0" compatLnSpc="1">
+              <a:prstTxWarp prst="textNoShape">
+                <a:avLst/>
+              </a:prstTxWarp>
+            </a:bodyPr>
+            <a:lstStyle/>
+            <a:p>
+              <a:endParaRPr lang="en-US" sz="4400"/>
+            </a:p>
+          </p:txBody>
+        </p:sp>
+      </p:grpSp>
     </p:spTree>
     <p:extLst>
       <p:ext uri="{BB962C8B-B14F-4D97-AF65-F5344CB8AC3E}">
